--- a/images/graphics.pptx
+++ b/images/graphics.pptx
@@ -6,6 +6,8 @@
   </p:sldMasterIdLst>
   <p:sldIdLst>
     <p:sldId id="256" r:id="rId2"/>
+    <p:sldId id="257" r:id="rId3"/>
+    <p:sldId id="258" r:id="rId4"/>
   </p:sldIdLst>
   <p:sldSz cx="12192000" cy="6858000"/>
   <p:notesSz cx="6858000" cy="9144000"/>
@@ -104,6 +106,11 @@
       </a:defRPr>
     </a:lvl9pPr>
   </p:defaultTextStyle>
+  <p:extLst>
+    <p:ext uri="{EFAFB233-063F-42B5-8137-9DF3F51BA10A}">
+      <p15:sldGuideLst xmlns:p15="http://schemas.microsoft.com/office/powerpoint/2012/main"/>
+    </p:ext>
+  </p:extLst>
 </p:presentation>
 </file>
 
@@ -238,7 +245,7 @@
           <a:p>
             <a:fld id="{6CD14F0C-FDCF-4194-8431-39569BE287B9}" type="datetimeFigureOut">
               <a:rPr lang="de-AT" smtClean="0"/>
-              <a:t>01.11.2016</a:t>
+              <a:t>31.01.2017</a:t>
             </a:fld>
             <a:endParaRPr lang="de-AT"/>
           </a:p>
@@ -408,7 +415,7 @@
           <a:p>
             <a:fld id="{6CD14F0C-FDCF-4194-8431-39569BE287B9}" type="datetimeFigureOut">
               <a:rPr lang="de-AT" smtClean="0"/>
-              <a:t>01.11.2016</a:t>
+              <a:t>31.01.2017</a:t>
             </a:fld>
             <a:endParaRPr lang="de-AT"/>
           </a:p>
@@ -588,7 +595,7 @@
           <a:p>
             <a:fld id="{6CD14F0C-FDCF-4194-8431-39569BE287B9}" type="datetimeFigureOut">
               <a:rPr lang="de-AT" smtClean="0"/>
-              <a:t>01.11.2016</a:t>
+              <a:t>31.01.2017</a:t>
             </a:fld>
             <a:endParaRPr lang="de-AT"/>
           </a:p>
@@ -758,7 +765,7 @@
           <a:p>
             <a:fld id="{6CD14F0C-FDCF-4194-8431-39569BE287B9}" type="datetimeFigureOut">
               <a:rPr lang="de-AT" smtClean="0"/>
-              <a:t>01.11.2016</a:t>
+              <a:t>31.01.2017</a:t>
             </a:fld>
             <a:endParaRPr lang="de-AT"/>
           </a:p>
@@ -1004,7 +1011,7 @@
           <a:p>
             <a:fld id="{6CD14F0C-FDCF-4194-8431-39569BE287B9}" type="datetimeFigureOut">
               <a:rPr lang="de-AT" smtClean="0"/>
-              <a:t>01.11.2016</a:t>
+              <a:t>31.01.2017</a:t>
             </a:fld>
             <a:endParaRPr lang="de-AT"/>
           </a:p>
@@ -1236,7 +1243,7 @@
           <a:p>
             <a:fld id="{6CD14F0C-FDCF-4194-8431-39569BE287B9}" type="datetimeFigureOut">
               <a:rPr lang="de-AT" smtClean="0"/>
-              <a:t>01.11.2016</a:t>
+              <a:t>31.01.2017</a:t>
             </a:fld>
             <a:endParaRPr lang="de-AT"/>
           </a:p>
@@ -1603,7 +1610,7 @@
           <a:p>
             <a:fld id="{6CD14F0C-FDCF-4194-8431-39569BE287B9}" type="datetimeFigureOut">
               <a:rPr lang="de-AT" smtClean="0"/>
-              <a:t>01.11.2016</a:t>
+              <a:t>31.01.2017</a:t>
             </a:fld>
             <a:endParaRPr lang="de-AT"/>
           </a:p>
@@ -1691,37 +1698,46 @@
             <p:ph type="title"/>
           </p:nvPr>
         </p:nvSpPr>
+        <p:spPr>
+          <a:xfrm>
+            <a:off x="838200" y="-1035657"/>
+            <a:ext cx="10515600" cy="792466"/>
+          </a:xfrm>
+        </p:spPr>
+        <p:txBody>
+          <a:bodyPr/>
+          <a:lstStyle>
+            <a:lvl1pPr algn="ctr">
+              <a:defRPr/>
+            </a:lvl1pPr>
+          </a:lstStyle>
+          <a:p>
+            <a:r>
+              <a:rPr lang="de-DE"/>
+              <a:t>Titelmasterformat durch Klicken bearbeiten</a:t>
+            </a:r>
+            <a:endParaRPr lang="de-AT"/>
+          </a:p>
+        </p:txBody>
+      </p:sp>
+      <p:sp>
+        <p:nvSpPr>
+          <p:cNvPr id="3" name="Datumsplatzhalter 2"/>
+          <p:cNvSpPr>
+            <a:spLocks noGrp="1"/>
+          </p:cNvSpPr>
+          <p:nvPr>
+            <p:ph type="dt" sz="half" idx="10"/>
+          </p:nvPr>
+        </p:nvSpPr>
         <p:spPr/>
         <p:txBody>
           <a:bodyPr/>
           <a:lstStyle/>
           <a:p>
-            <a:r>
-              <a:rPr lang="de-DE"/>
-              <a:t>Titelmasterformat durch Klicken bearbeiten</a:t>
-            </a:r>
-            <a:endParaRPr lang="de-AT"/>
-          </a:p>
-        </p:txBody>
-      </p:sp>
-      <p:sp>
-        <p:nvSpPr>
-          <p:cNvPr id="3" name="Datumsplatzhalter 2"/>
-          <p:cNvSpPr>
-            <a:spLocks noGrp="1"/>
-          </p:cNvSpPr>
-          <p:nvPr>
-            <p:ph type="dt" sz="half" idx="10"/>
-          </p:nvPr>
-        </p:nvSpPr>
-        <p:spPr/>
-        <p:txBody>
-          <a:bodyPr/>
-          <a:lstStyle/>
-          <a:p>
             <a:fld id="{6CD14F0C-FDCF-4194-8431-39569BE287B9}" type="datetimeFigureOut">
               <a:rPr lang="de-AT" smtClean="0"/>
-              <a:t>01.11.2016</a:t>
+              <a:t>31.01.2017</a:t>
             </a:fld>
             <a:endParaRPr lang="de-AT"/>
           </a:p>
@@ -1816,7 +1832,7 @@
           <a:p>
             <a:fld id="{6CD14F0C-FDCF-4194-8431-39569BE287B9}" type="datetimeFigureOut">
               <a:rPr lang="de-AT" smtClean="0"/>
-              <a:t>01.11.2016</a:t>
+              <a:t>31.01.2017</a:t>
             </a:fld>
             <a:endParaRPr lang="de-AT"/>
           </a:p>
@@ -2093,7 +2109,7 @@
           <a:p>
             <a:fld id="{6CD14F0C-FDCF-4194-8431-39569BE287B9}" type="datetimeFigureOut">
               <a:rPr lang="de-AT" smtClean="0"/>
-              <a:t>01.11.2016</a:t>
+              <a:t>31.01.2017</a:t>
             </a:fld>
             <a:endParaRPr lang="de-AT"/>
           </a:p>
@@ -2346,7 +2362,7 @@
           <a:p>
             <a:fld id="{6CD14F0C-FDCF-4194-8431-39569BE287B9}" type="datetimeFigureOut">
               <a:rPr lang="de-AT" smtClean="0"/>
-              <a:t>01.11.2016</a:t>
+              <a:t>31.01.2017</a:t>
             </a:fld>
             <a:endParaRPr lang="de-AT"/>
           </a:p>
@@ -2559,7 +2575,7 @@
           <a:p>
             <a:fld id="{6CD14F0C-FDCF-4194-8431-39569BE287B9}" type="datetimeFigureOut">
               <a:rPr lang="de-AT" smtClean="0"/>
-              <a:t>01.11.2016</a:t>
+              <a:t>31.01.2017</a:t>
             </a:fld>
             <a:endParaRPr lang="de-AT"/>
           </a:p>
@@ -3561,6 +3577,1444 @@
 </p:sld>
 </file>
 
+<file path=ppt/slides/slide2.xml><?xml version="1.0" encoding="utf-8"?>
+<p:sld xmlns:a="http://schemas.openxmlformats.org/drawingml/2006/main" xmlns:r="http://schemas.openxmlformats.org/officeDocument/2006/relationships" xmlns:p="http://schemas.openxmlformats.org/presentationml/2006/main">
+  <p:cSld>
+    <p:spTree>
+      <p:nvGrpSpPr>
+        <p:cNvPr id="1" name=""/>
+        <p:cNvGrpSpPr/>
+        <p:nvPr/>
+      </p:nvGrpSpPr>
+      <p:grpSpPr>
+        <a:xfrm>
+          <a:off x="0" y="0"/>
+          <a:ext cx="0" cy="0"/>
+          <a:chOff x="0" y="0"/>
+          <a:chExt cx="0" cy="0"/>
+        </a:xfrm>
+      </p:grpSpPr>
+      <p:grpSp>
+        <p:nvGrpSpPr>
+          <p:cNvPr id="14" name="Gruppieren 13"/>
+          <p:cNvGrpSpPr/>
+          <p:nvPr/>
+        </p:nvGrpSpPr>
+        <p:grpSpPr>
+          <a:xfrm>
+            <a:off x="922492" y="629138"/>
+            <a:ext cx="10373990" cy="5628048"/>
+            <a:chOff x="2917179" y="1844983"/>
+            <a:chExt cx="6756849" cy="3665693"/>
+          </a:xfrm>
+        </p:grpSpPr>
+        <p:sp>
+          <p:nvSpPr>
+            <p:cNvPr id="2" name="Rechteck 1"/>
+            <p:cNvSpPr/>
+            <p:nvPr/>
+          </p:nvSpPr>
+          <p:spPr>
+            <a:xfrm>
+              <a:off x="2917180" y="5178902"/>
+              <a:ext cx="6756848" cy="331774"/>
+            </a:xfrm>
+            <a:prstGeom prst="rect">
+              <a:avLst/>
+            </a:prstGeom>
+            <a:solidFill>
+              <a:schemeClr val="accent3">
+                <a:lumMod val="40000"/>
+                <a:lumOff val="60000"/>
+              </a:schemeClr>
+            </a:solidFill>
+            <a:ln>
+              <a:noFill/>
+            </a:ln>
+          </p:spPr>
+          <p:style>
+            <a:lnRef idx="2">
+              <a:schemeClr val="accent1">
+                <a:shade val="50000"/>
+              </a:schemeClr>
+            </a:lnRef>
+            <a:fillRef idx="1">
+              <a:schemeClr val="accent1"/>
+            </a:fillRef>
+            <a:effectRef idx="0">
+              <a:schemeClr val="accent1"/>
+            </a:effectRef>
+            <a:fontRef idx="minor">
+              <a:schemeClr val="lt1"/>
+            </a:fontRef>
+          </p:style>
+          <p:txBody>
+            <a:bodyPr rtlCol="0" anchor="ctr"/>
+            <a:lstStyle/>
+            <a:p>
+              <a:pPr algn="ctr"/>
+              <a:r>
+                <a:rPr lang="en-US" sz="2400" dirty="0">
+                  <a:solidFill>
+                    <a:schemeClr val="tx1"/>
+                  </a:solidFill>
+                  <a:latin typeface="CMU Serif" panose="02000603000000000000" pitchFamily="2" charset="0"/>
+                  <a:ea typeface="CMU Serif" panose="02000603000000000000" pitchFamily="2" charset="0"/>
+                  <a:cs typeface="CMU Serif" panose="02000603000000000000" pitchFamily="2" charset="0"/>
+                </a:rPr>
+                <a:t>Hardware</a:t>
+              </a:r>
+              <a:endParaRPr lang="de-AT" sz="2400" dirty="0">
+                <a:solidFill>
+                  <a:schemeClr val="tx1"/>
+                </a:solidFill>
+                <a:latin typeface="CMU Serif" panose="02000603000000000000" pitchFamily="2" charset="0"/>
+                <a:ea typeface="CMU Serif" panose="02000603000000000000" pitchFamily="2" charset="0"/>
+                <a:cs typeface="CMU Serif" panose="02000603000000000000" pitchFamily="2" charset="0"/>
+              </a:endParaRPr>
+            </a:p>
+          </p:txBody>
+        </p:sp>
+        <p:sp>
+          <p:nvSpPr>
+            <p:cNvPr id="3" name="Rechteck 2"/>
+            <p:cNvSpPr/>
+            <p:nvPr/>
+          </p:nvSpPr>
+          <p:spPr>
+            <a:xfrm>
+              <a:off x="2917180" y="4681241"/>
+              <a:ext cx="6756848" cy="331774"/>
+            </a:xfrm>
+            <a:prstGeom prst="rect">
+              <a:avLst/>
+            </a:prstGeom>
+            <a:solidFill>
+              <a:srgbClr val="92D050"/>
+            </a:solidFill>
+            <a:ln>
+              <a:noFill/>
+            </a:ln>
+          </p:spPr>
+          <p:style>
+            <a:lnRef idx="2">
+              <a:schemeClr val="accent1">
+                <a:shade val="50000"/>
+              </a:schemeClr>
+            </a:lnRef>
+            <a:fillRef idx="1">
+              <a:schemeClr val="accent1"/>
+            </a:fillRef>
+            <a:effectRef idx="0">
+              <a:schemeClr val="accent1"/>
+            </a:effectRef>
+            <a:fontRef idx="minor">
+              <a:schemeClr val="lt1"/>
+            </a:fontRef>
+          </p:style>
+          <p:txBody>
+            <a:bodyPr rtlCol="0" anchor="ctr"/>
+            <a:lstStyle/>
+            <a:p>
+              <a:pPr algn="ctr"/>
+              <a:r>
+                <a:rPr lang="en-US" sz="2400" dirty="0">
+                  <a:solidFill>
+                    <a:schemeClr val="tx1"/>
+                  </a:solidFill>
+                  <a:latin typeface="CMU Serif" panose="02000603000000000000" pitchFamily="2" charset="0"/>
+                  <a:ea typeface="CMU Serif" panose="02000603000000000000" pitchFamily="2" charset="0"/>
+                  <a:cs typeface="CMU Serif" panose="02000603000000000000" pitchFamily="2" charset="0"/>
+                </a:rPr>
+                <a:t>Host-</a:t>
+              </a:r>
+              <a:r>
+                <a:rPr lang="en-US" sz="2400" dirty="0" err="1">
+                  <a:solidFill>
+                    <a:schemeClr val="tx1"/>
+                  </a:solidFill>
+                  <a:latin typeface="CMU Serif" panose="02000603000000000000" pitchFamily="2" charset="0"/>
+                  <a:ea typeface="CMU Serif" panose="02000603000000000000" pitchFamily="2" charset="0"/>
+                  <a:cs typeface="CMU Serif" panose="02000603000000000000" pitchFamily="2" charset="0"/>
+                </a:rPr>
+                <a:t>Betriebssystem</a:t>
+              </a:r>
+              <a:endParaRPr lang="de-AT" sz="2400" dirty="0">
+                <a:solidFill>
+                  <a:schemeClr val="tx1"/>
+                </a:solidFill>
+                <a:latin typeface="CMU Serif" panose="02000603000000000000" pitchFamily="2" charset="0"/>
+                <a:ea typeface="CMU Serif" panose="02000603000000000000" pitchFamily="2" charset="0"/>
+                <a:cs typeface="CMU Serif" panose="02000603000000000000" pitchFamily="2" charset="0"/>
+              </a:endParaRPr>
+            </a:p>
+          </p:txBody>
+        </p:sp>
+        <p:sp>
+          <p:nvSpPr>
+            <p:cNvPr id="4" name="Rechteck 3"/>
+            <p:cNvSpPr/>
+            <p:nvPr/>
+          </p:nvSpPr>
+          <p:spPr>
+            <a:xfrm>
+              <a:off x="2917179" y="1844983"/>
+              <a:ext cx="1881397" cy="2670371"/>
+            </a:xfrm>
+            <a:prstGeom prst="rect">
+              <a:avLst/>
+            </a:prstGeom>
+            <a:solidFill>
+              <a:srgbClr val="FFFF00"/>
+            </a:solidFill>
+            <a:ln>
+              <a:noFill/>
+            </a:ln>
+          </p:spPr>
+          <p:style>
+            <a:lnRef idx="2">
+              <a:schemeClr val="accent1">
+                <a:shade val="50000"/>
+              </a:schemeClr>
+            </a:lnRef>
+            <a:fillRef idx="1">
+              <a:schemeClr val="accent1"/>
+            </a:fillRef>
+            <a:effectRef idx="0">
+              <a:schemeClr val="accent1"/>
+            </a:effectRef>
+            <a:fontRef idx="minor">
+              <a:schemeClr val="lt1"/>
+            </a:fontRef>
+          </p:style>
+          <p:txBody>
+            <a:bodyPr rtlCol="0" anchor="ctr"/>
+            <a:lstStyle/>
+            <a:p>
+              <a:pPr algn="ctr"/>
+              <a:r>
+                <a:rPr lang="en-US" sz="2400" dirty="0" err="1">
+                  <a:solidFill>
+                    <a:schemeClr val="tx1"/>
+                  </a:solidFill>
+                  <a:latin typeface="CMU Serif" panose="02000603000000000000" pitchFamily="2" charset="0"/>
+                  <a:ea typeface="CMU Serif" panose="02000603000000000000" pitchFamily="2" charset="0"/>
+                  <a:cs typeface="CMU Serif" panose="02000603000000000000" pitchFamily="2" charset="0"/>
+                </a:rPr>
+                <a:t>Anwendungen</a:t>
+              </a:r>
+              <a:endParaRPr lang="de-AT" sz="2400" dirty="0">
+                <a:solidFill>
+                  <a:schemeClr val="tx1"/>
+                </a:solidFill>
+                <a:latin typeface="CMU Serif" panose="02000603000000000000" pitchFamily="2" charset="0"/>
+                <a:ea typeface="CMU Serif" panose="02000603000000000000" pitchFamily="2" charset="0"/>
+                <a:cs typeface="CMU Serif" panose="02000603000000000000" pitchFamily="2" charset="0"/>
+              </a:endParaRPr>
+            </a:p>
+          </p:txBody>
+        </p:sp>
+        <p:sp>
+          <p:nvSpPr>
+            <p:cNvPr id="5" name="Rechteck 4"/>
+            <p:cNvSpPr/>
+            <p:nvPr/>
+          </p:nvSpPr>
+          <p:spPr>
+            <a:xfrm>
+              <a:off x="4936141" y="4183580"/>
+              <a:ext cx="4728445" cy="331774"/>
+            </a:xfrm>
+            <a:prstGeom prst="rect">
+              <a:avLst/>
+            </a:prstGeom>
+            <a:solidFill>
+              <a:srgbClr val="FFC000"/>
+            </a:solidFill>
+            <a:ln>
+              <a:noFill/>
+            </a:ln>
+          </p:spPr>
+          <p:style>
+            <a:lnRef idx="2">
+              <a:schemeClr val="accent1">
+                <a:shade val="50000"/>
+              </a:schemeClr>
+            </a:lnRef>
+            <a:fillRef idx="1">
+              <a:schemeClr val="accent1"/>
+            </a:fillRef>
+            <a:effectRef idx="0">
+              <a:schemeClr val="accent1"/>
+            </a:effectRef>
+            <a:fontRef idx="minor">
+              <a:schemeClr val="lt1"/>
+            </a:fontRef>
+          </p:style>
+          <p:txBody>
+            <a:bodyPr rtlCol="0" anchor="ctr"/>
+            <a:lstStyle/>
+            <a:p>
+              <a:pPr algn="ctr"/>
+              <a:r>
+                <a:rPr lang="en-US" sz="2400" dirty="0" err="1">
+                  <a:solidFill>
+                    <a:schemeClr val="tx1"/>
+                  </a:solidFill>
+                  <a:latin typeface="CMU Serif" panose="02000603000000000000" pitchFamily="2" charset="0"/>
+                  <a:ea typeface="CMU Serif" panose="02000603000000000000" pitchFamily="2" charset="0"/>
+                  <a:cs typeface="CMU Serif" panose="02000603000000000000" pitchFamily="2" charset="0"/>
+                </a:rPr>
+                <a:t>Virtueller</a:t>
+              </a:r>
+              <a:r>
+                <a:rPr lang="en-US" sz="2400" dirty="0">
+                  <a:solidFill>
+                    <a:schemeClr val="tx1"/>
+                  </a:solidFill>
+                  <a:latin typeface="CMU Serif" panose="02000603000000000000" pitchFamily="2" charset="0"/>
+                  <a:ea typeface="CMU Serif" panose="02000603000000000000" pitchFamily="2" charset="0"/>
+                  <a:cs typeface="CMU Serif" panose="02000603000000000000" pitchFamily="2" charset="0"/>
+                </a:rPr>
+                <a:t> </a:t>
+              </a:r>
+              <a:r>
+                <a:rPr lang="en-US" sz="2400" dirty="0" err="1">
+                  <a:solidFill>
+                    <a:schemeClr val="tx1"/>
+                  </a:solidFill>
+                  <a:latin typeface="CMU Serif" panose="02000603000000000000" pitchFamily="2" charset="0"/>
+                  <a:ea typeface="CMU Serif" panose="02000603000000000000" pitchFamily="2" charset="0"/>
+                  <a:cs typeface="CMU Serif" panose="02000603000000000000" pitchFamily="2" charset="0"/>
+                </a:rPr>
+                <a:t>Machinenmonitor</a:t>
+              </a:r>
+              <a:endParaRPr lang="de-AT" sz="2400" dirty="0">
+                <a:solidFill>
+                  <a:schemeClr val="tx1"/>
+                </a:solidFill>
+                <a:latin typeface="CMU Serif" panose="02000603000000000000" pitchFamily="2" charset="0"/>
+                <a:ea typeface="CMU Serif" panose="02000603000000000000" pitchFamily="2" charset="0"/>
+                <a:cs typeface="CMU Serif" panose="02000603000000000000" pitchFamily="2" charset="0"/>
+              </a:endParaRPr>
+            </a:p>
+          </p:txBody>
+        </p:sp>
+        <p:sp>
+          <p:nvSpPr>
+            <p:cNvPr id="6" name="Rechteck 5"/>
+            <p:cNvSpPr/>
+            <p:nvPr/>
+          </p:nvSpPr>
+          <p:spPr>
+            <a:xfrm>
+              <a:off x="4936141" y="1844983"/>
+              <a:ext cx="2304000" cy="2172709"/>
+            </a:xfrm>
+            <a:prstGeom prst="rect">
+              <a:avLst/>
+            </a:prstGeom>
+            <a:solidFill>
+              <a:srgbClr val="6DD9FF"/>
+            </a:solidFill>
+            <a:ln>
+              <a:noFill/>
+            </a:ln>
+          </p:spPr>
+          <p:style>
+            <a:lnRef idx="2">
+              <a:schemeClr val="accent1">
+                <a:shade val="50000"/>
+              </a:schemeClr>
+            </a:lnRef>
+            <a:fillRef idx="1">
+              <a:schemeClr val="accent1"/>
+            </a:fillRef>
+            <a:effectRef idx="0">
+              <a:schemeClr val="accent1"/>
+            </a:effectRef>
+            <a:fontRef idx="minor">
+              <a:schemeClr val="lt1"/>
+            </a:fontRef>
+          </p:style>
+          <p:txBody>
+            <a:bodyPr tIns="144000" rtlCol="0" anchor="t"/>
+            <a:lstStyle/>
+            <a:p>
+              <a:pPr algn="ctr"/>
+              <a:r>
+                <a:rPr lang="en-US" sz="2000" dirty="0" err="1">
+                  <a:solidFill>
+                    <a:schemeClr val="tx1"/>
+                  </a:solidFill>
+                  <a:latin typeface="CMU Serif" panose="02000603000000000000" pitchFamily="2" charset="0"/>
+                  <a:ea typeface="CMU Serif" panose="02000603000000000000" pitchFamily="2" charset="0"/>
+                  <a:cs typeface="CMU Serif" panose="02000603000000000000" pitchFamily="2" charset="0"/>
+                </a:rPr>
+                <a:t>Virtuelle</a:t>
+              </a:r>
+              <a:r>
+                <a:rPr lang="en-US" sz="2000" dirty="0">
+                  <a:solidFill>
+                    <a:schemeClr val="tx1"/>
+                  </a:solidFill>
+                  <a:latin typeface="CMU Serif" panose="02000603000000000000" pitchFamily="2" charset="0"/>
+                  <a:ea typeface="CMU Serif" panose="02000603000000000000" pitchFamily="2" charset="0"/>
+                  <a:cs typeface="CMU Serif" panose="02000603000000000000" pitchFamily="2" charset="0"/>
+                </a:rPr>
+                <a:t> </a:t>
+              </a:r>
+              <a:r>
+                <a:rPr lang="en-US" sz="2000" dirty="0" err="1">
+                  <a:solidFill>
+                    <a:schemeClr val="tx1"/>
+                  </a:solidFill>
+                  <a:latin typeface="CMU Serif" panose="02000603000000000000" pitchFamily="2" charset="0"/>
+                  <a:ea typeface="CMU Serif" panose="02000603000000000000" pitchFamily="2" charset="0"/>
+                  <a:cs typeface="CMU Serif" panose="02000603000000000000" pitchFamily="2" charset="0"/>
+                </a:rPr>
+                <a:t>Maschine</a:t>
+              </a:r>
+              <a:r>
+                <a:rPr lang="en-US" sz="2000" dirty="0">
+                  <a:solidFill>
+                    <a:schemeClr val="tx1"/>
+                  </a:solidFill>
+                  <a:latin typeface="CMU Serif" panose="02000603000000000000" pitchFamily="2" charset="0"/>
+                  <a:ea typeface="CMU Serif" panose="02000603000000000000" pitchFamily="2" charset="0"/>
+                  <a:cs typeface="CMU Serif" panose="02000603000000000000" pitchFamily="2" charset="0"/>
+                </a:rPr>
+                <a:t> (1)</a:t>
+              </a:r>
+              <a:endParaRPr lang="de-AT" sz="2000" dirty="0">
+                <a:solidFill>
+                  <a:schemeClr val="tx1"/>
+                </a:solidFill>
+                <a:latin typeface="CMU Serif" panose="02000603000000000000" pitchFamily="2" charset="0"/>
+                <a:ea typeface="CMU Serif" panose="02000603000000000000" pitchFamily="2" charset="0"/>
+                <a:cs typeface="CMU Serif" panose="02000603000000000000" pitchFamily="2" charset="0"/>
+              </a:endParaRPr>
+            </a:p>
+          </p:txBody>
+        </p:sp>
+        <p:sp>
+          <p:nvSpPr>
+            <p:cNvPr id="7" name="Rechteck 6"/>
+            <p:cNvSpPr/>
+            <p:nvPr/>
+          </p:nvSpPr>
+          <p:spPr>
+            <a:xfrm>
+              <a:off x="7360586" y="1844983"/>
+              <a:ext cx="2304000" cy="2172709"/>
+            </a:xfrm>
+            <a:prstGeom prst="rect">
+              <a:avLst/>
+            </a:prstGeom>
+            <a:solidFill>
+              <a:srgbClr val="6DD9FF"/>
+            </a:solidFill>
+            <a:ln>
+              <a:noFill/>
+            </a:ln>
+          </p:spPr>
+          <p:style>
+            <a:lnRef idx="2">
+              <a:schemeClr val="accent1">
+                <a:shade val="50000"/>
+              </a:schemeClr>
+            </a:lnRef>
+            <a:fillRef idx="1">
+              <a:schemeClr val="accent1"/>
+            </a:fillRef>
+            <a:effectRef idx="0">
+              <a:schemeClr val="accent1"/>
+            </a:effectRef>
+            <a:fontRef idx="minor">
+              <a:schemeClr val="lt1"/>
+            </a:fontRef>
+          </p:style>
+          <p:txBody>
+            <a:bodyPr tIns="144000" rtlCol="0" anchor="t"/>
+            <a:lstStyle/>
+            <a:p>
+              <a:pPr algn="ctr"/>
+              <a:r>
+                <a:rPr lang="en-US" sz="2000" dirty="0" err="1">
+                  <a:solidFill>
+                    <a:schemeClr val="tx1"/>
+                  </a:solidFill>
+                  <a:latin typeface="CMU Serif" panose="02000603000000000000" pitchFamily="2" charset="0"/>
+                  <a:ea typeface="CMU Serif" panose="02000603000000000000" pitchFamily="2" charset="0"/>
+                  <a:cs typeface="CMU Serif" panose="02000603000000000000" pitchFamily="2" charset="0"/>
+                </a:rPr>
+                <a:t>Virtuelle</a:t>
+              </a:r>
+              <a:r>
+                <a:rPr lang="en-US" sz="2000" dirty="0">
+                  <a:solidFill>
+                    <a:schemeClr val="tx1"/>
+                  </a:solidFill>
+                  <a:latin typeface="CMU Serif" panose="02000603000000000000" pitchFamily="2" charset="0"/>
+                  <a:ea typeface="CMU Serif" panose="02000603000000000000" pitchFamily="2" charset="0"/>
+                  <a:cs typeface="CMU Serif" panose="02000603000000000000" pitchFamily="2" charset="0"/>
+                </a:rPr>
+                <a:t> </a:t>
+              </a:r>
+              <a:r>
+                <a:rPr lang="en-US" sz="2000" dirty="0" err="1">
+                  <a:solidFill>
+                    <a:schemeClr val="tx1"/>
+                  </a:solidFill>
+                  <a:latin typeface="CMU Serif" panose="02000603000000000000" pitchFamily="2" charset="0"/>
+                  <a:ea typeface="CMU Serif" panose="02000603000000000000" pitchFamily="2" charset="0"/>
+                  <a:cs typeface="CMU Serif" panose="02000603000000000000" pitchFamily="2" charset="0"/>
+                </a:rPr>
+                <a:t>Maschine</a:t>
+              </a:r>
+              <a:r>
+                <a:rPr lang="en-US" sz="2000" dirty="0">
+                  <a:solidFill>
+                    <a:schemeClr val="tx1"/>
+                  </a:solidFill>
+                  <a:latin typeface="CMU Serif" panose="02000603000000000000" pitchFamily="2" charset="0"/>
+                  <a:ea typeface="CMU Serif" panose="02000603000000000000" pitchFamily="2" charset="0"/>
+                  <a:cs typeface="CMU Serif" panose="02000603000000000000" pitchFamily="2" charset="0"/>
+                </a:rPr>
+                <a:t> (2)</a:t>
+              </a:r>
+              <a:endParaRPr lang="de-AT" sz="2000" dirty="0">
+                <a:solidFill>
+                  <a:schemeClr val="tx1"/>
+                </a:solidFill>
+                <a:latin typeface="CMU Serif" panose="02000603000000000000" pitchFamily="2" charset="0"/>
+                <a:ea typeface="CMU Serif" panose="02000603000000000000" pitchFamily="2" charset="0"/>
+                <a:cs typeface="CMU Serif" panose="02000603000000000000" pitchFamily="2" charset="0"/>
+              </a:endParaRPr>
+            </a:p>
+          </p:txBody>
+        </p:sp>
+        <p:sp>
+          <p:nvSpPr>
+            <p:cNvPr id="8" name="Rechteck 7"/>
+            <p:cNvSpPr/>
+            <p:nvPr/>
+          </p:nvSpPr>
+          <p:spPr>
+            <a:xfrm>
+              <a:off x="5098421" y="3378422"/>
+              <a:ext cx="1982110" cy="497661"/>
+            </a:xfrm>
+            <a:prstGeom prst="rect">
+              <a:avLst/>
+            </a:prstGeom>
+            <a:solidFill>
+              <a:srgbClr val="00B0F0"/>
+            </a:solidFill>
+            <a:ln>
+              <a:noFill/>
+            </a:ln>
+          </p:spPr>
+          <p:style>
+            <a:lnRef idx="2">
+              <a:schemeClr val="accent1">
+                <a:shade val="50000"/>
+              </a:schemeClr>
+            </a:lnRef>
+            <a:fillRef idx="1">
+              <a:schemeClr val="accent1"/>
+            </a:fillRef>
+            <a:effectRef idx="0">
+              <a:schemeClr val="accent1"/>
+            </a:effectRef>
+            <a:fontRef idx="minor">
+              <a:schemeClr val="lt1"/>
+            </a:fontRef>
+          </p:style>
+          <p:txBody>
+            <a:bodyPr rtlCol="0" anchor="ctr"/>
+            <a:lstStyle/>
+            <a:p>
+              <a:pPr algn="ctr"/>
+              <a:r>
+                <a:rPr lang="en-US" sz="2000" dirty="0" err="1">
+                  <a:solidFill>
+                    <a:schemeClr val="tx1"/>
+                  </a:solidFill>
+                  <a:latin typeface="CMU Serif" panose="02000603000000000000" pitchFamily="2" charset="0"/>
+                  <a:ea typeface="CMU Serif" panose="02000603000000000000" pitchFamily="2" charset="0"/>
+                  <a:cs typeface="CMU Serif" panose="02000603000000000000" pitchFamily="2" charset="0"/>
+                </a:rPr>
+                <a:t>Gast-Betriebssystem</a:t>
+              </a:r>
+              <a:r>
+                <a:rPr lang="en-US" sz="2000" dirty="0">
+                  <a:solidFill>
+                    <a:schemeClr val="tx1"/>
+                  </a:solidFill>
+                  <a:latin typeface="CMU Serif" panose="02000603000000000000" pitchFamily="2" charset="0"/>
+                  <a:ea typeface="CMU Serif" panose="02000603000000000000" pitchFamily="2" charset="0"/>
+                  <a:cs typeface="CMU Serif" panose="02000603000000000000" pitchFamily="2" charset="0"/>
+                </a:rPr>
+                <a:t> (1)</a:t>
+              </a:r>
+              <a:endParaRPr lang="de-AT" sz="2000" dirty="0">
+                <a:solidFill>
+                  <a:schemeClr val="tx1"/>
+                </a:solidFill>
+                <a:latin typeface="CMU Serif" panose="02000603000000000000" pitchFamily="2" charset="0"/>
+                <a:ea typeface="CMU Serif" panose="02000603000000000000" pitchFamily="2" charset="0"/>
+                <a:cs typeface="CMU Serif" panose="02000603000000000000" pitchFamily="2" charset="0"/>
+              </a:endParaRPr>
+            </a:p>
+          </p:txBody>
+        </p:sp>
+        <p:sp>
+          <p:nvSpPr>
+            <p:cNvPr id="10" name="Rechteck 9"/>
+            <p:cNvSpPr/>
+            <p:nvPr/>
+          </p:nvSpPr>
+          <p:spPr>
+            <a:xfrm>
+              <a:off x="5098421" y="2267957"/>
+              <a:ext cx="1982110" cy="945928"/>
+            </a:xfrm>
+            <a:prstGeom prst="rect">
+              <a:avLst/>
+            </a:prstGeom>
+            <a:solidFill>
+              <a:srgbClr val="FFFF00"/>
+            </a:solidFill>
+            <a:ln>
+              <a:noFill/>
+            </a:ln>
+          </p:spPr>
+          <p:style>
+            <a:lnRef idx="2">
+              <a:schemeClr val="accent1">
+                <a:shade val="50000"/>
+              </a:schemeClr>
+            </a:lnRef>
+            <a:fillRef idx="1">
+              <a:schemeClr val="accent1"/>
+            </a:fillRef>
+            <a:effectRef idx="0">
+              <a:schemeClr val="accent1"/>
+            </a:effectRef>
+            <a:fontRef idx="minor">
+              <a:schemeClr val="lt1"/>
+            </a:fontRef>
+          </p:style>
+          <p:txBody>
+            <a:bodyPr rtlCol="0" anchor="ctr"/>
+            <a:lstStyle/>
+            <a:p>
+              <a:pPr algn="ctr"/>
+              <a:r>
+                <a:rPr lang="en-US" sz="2400" dirty="0" err="1">
+                  <a:solidFill>
+                    <a:schemeClr val="tx1"/>
+                  </a:solidFill>
+                  <a:latin typeface="CMU Serif" panose="02000603000000000000" pitchFamily="2" charset="0"/>
+                  <a:ea typeface="CMU Serif" panose="02000603000000000000" pitchFamily="2" charset="0"/>
+                  <a:cs typeface="CMU Serif" panose="02000603000000000000" pitchFamily="2" charset="0"/>
+                </a:rPr>
+                <a:t>Anwendungen</a:t>
+              </a:r>
+              <a:endParaRPr lang="de-AT" sz="2400" dirty="0">
+                <a:solidFill>
+                  <a:schemeClr val="tx1"/>
+                </a:solidFill>
+                <a:latin typeface="CMU Serif" panose="02000603000000000000" pitchFamily="2" charset="0"/>
+                <a:ea typeface="CMU Serif" panose="02000603000000000000" pitchFamily="2" charset="0"/>
+                <a:cs typeface="CMU Serif" panose="02000603000000000000" pitchFamily="2" charset="0"/>
+              </a:endParaRPr>
+            </a:p>
+          </p:txBody>
+        </p:sp>
+        <p:sp>
+          <p:nvSpPr>
+            <p:cNvPr id="12" name="Rechteck 11"/>
+            <p:cNvSpPr/>
+            <p:nvPr/>
+          </p:nvSpPr>
+          <p:spPr>
+            <a:xfrm>
+              <a:off x="7521531" y="3366958"/>
+              <a:ext cx="1982110" cy="497661"/>
+            </a:xfrm>
+            <a:prstGeom prst="rect">
+              <a:avLst/>
+            </a:prstGeom>
+            <a:solidFill>
+              <a:srgbClr val="00B0F0"/>
+            </a:solidFill>
+            <a:ln>
+              <a:noFill/>
+            </a:ln>
+          </p:spPr>
+          <p:style>
+            <a:lnRef idx="2">
+              <a:schemeClr val="accent1">
+                <a:shade val="50000"/>
+              </a:schemeClr>
+            </a:lnRef>
+            <a:fillRef idx="1">
+              <a:schemeClr val="accent1"/>
+            </a:fillRef>
+            <a:effectRef idx="0">
+              <a:schemeClr val="accent1"/>
+            </a:effectRef>
+            <a:fontRef idx="minor">
+              <a:schemeClr val="lt1"/>
+            </a:fontRef>
+          </p:style>
+          <p:txBody>
+            <a:bodyPr rtlCol="0" anchor="ctr"/>
+            <a:lstStyle/>
+            <a:p>
+              <a:pPr algn="ctr"/>
+              <a:r>
+                <a:rPr lang="en-US" sz="2000" dirty="0" err="1">
+                  <a:solidFill>
+                    <a:schemeClr val="tx1"/>
+                  </a:solidFill>
+                  <a:latin typeface="CMU Serif" panose="02000603000000000000" pitchFamily="2" charset="0"/>
+                  <a:ea typeface="CMU Serif" panose="02000603000000000000" pitchFamily="2" charset="0"/>
+                  <a:cs typeface="CMU Serif" panose="02000603000000000000" pitchFamily="2" charset="0"/>
+                </a:rPr>
+                <a:t>Gast-Betriebssystem</a:t>
+              </a:r>
+              <a:r>
+                <a:rPr lang="en-US" sz="2000" dirty="0">
+                  <a:solidFill>
+                    <a:schemeClr val="tx1"/>
+                  </a:solidFill>
+                  <a:latin typeface="CMU Serif" panose="02000603000000000000" pitchFamily="2" charset="0"/>
+                  <a:ea typeface="CMU Serif" panose="02000603000000000000" pitchFamily="2" charset="0"/>
+                  <a:cs typeface="CMU Serif" panose="02000603000000000000" pitchFamily="2" charset="0"/>
+                </a:rPr>
+                <a:t> (2)</a:t>
+              </a:r>
+              <a:endParaRPr lang="de-AT" sz="2000" dirty="0">
+                <a:solidFill>
+                  <a:schemeClr val="tx1"/>
+                </a:solidFill>
+                <a:latin typeface="CMU Serif" panose="02000603000000000000" pitchFamily="2" charset="0"/>
+                <a:ea typeface="CMU Serif" panose="02000603000000000000" pitchFamily="2" charset="0"/>
+                <a:cs typeface="CMU Serif" panose="02000603000000000000" pitchFamily="2" charset="0"/>
+              </a:endParaRPr>
+            </a:p>
+          </p:txBody>
+        </p:sp>
+        <p:sp>
+          <p:nvSpPr>
+            <p:cNvPr id="13" name="Rechteck 12"/>
+            <p:cNvSpPr/>
+            <p:nvPr/>
+          </p:nvSpPr>
+          <p:spPr>
+            <a:xfrm>
+              <a:off x="7521531" y="2267957"/>
+              <a:ext cx="1982110" cy="945928"/>
+            </a:xfrm>
+            <a:prstGeom prst="rect">
+              <a:avLst/>
+            </a:prstGeom>
+            <a:solidFill>
+              <a:srgbClr val="FFFF00"/>
+            </a:solidFill>
+            <a:ln>
+              <a:noFill/>
+            </a:ln>
+          </p:spPr>
+          <p:style>
+            <a:lnRef idx="2">
+              <a:schemeClr val="accent1">
+                <a:shade val="50000"/>
+              </a:schemeClr>
+            </a:lnRef>
+            <a:fillRef idx="1">
+              <a:schemeClr val="accent1"/>
+            </a:fillRef>
+            <a:effectRef idx="0">
+              <a:schemeClr val="accent1"/>
+            </a:effectRef>
+            <a:fontRef idx="minor">
+              <a:schemeClr val="lt1"/>
+            </a:fontRef>
+          </p:style>
+          <p:txBody>
+            <a:bodyPr rtlCol="0" anchor="ctr"/>
+            <a:lstStyle/>
+            <a:p>
+              <a:pPr algn="ctr"/>
+              <a:r>
+                <a:rPr lang="en-US" sz="2400" dirty="0" err="1">
+                  <a:solidFill>
+                    <a:schemeClr val="tx1"/>
+                  </a:solidFill>
+                  <a:latin typeface="CMU Serif" panose="02000603000000000000" pitchFamily="2" charset="0"/>
+                  <a:ea typeface="CMU Serif" panose="02000603000000000000" pitchFamily="2" charset="0"/>
+                  <a:cs typeface="CMU Serif" panose="02000603000000000000" pitchFamily="2" charset="0"/>
+                </a:rPr>
+                <a:t>Anwendungen</a:t>
+              </a:r>
+              <a:endParaRPr lang="de-AT" sz="2400" dirty="0">
+                <a:solidFill>
+                  <a:schemeClr val="tx1"/>
+                </a:solidFill>
+                <a:latin typeface="CMU Serif" panose="02000603000000000000" pitchFamily="2" charset="0"/>
+                <a:ea typeface="CMU Serif" panose="02000603000000000000" pitchFamily="2" charset="0"/>
+                <a:cs typeface="CMU Serif" panose="02000603000000000000" pitchFamily="2" charset="0"/>
+              </a:endParaRPr>
+            </a:p>
+          </p:txBody>
+        </p:sp>
+      </p:grpSp>
+      <p:sp>
+        <p:nvSpPr>
+          <p:cNvPr id="18" name="Titel 17"/>
+          <p:cNvSpPr>
+            <a:spLocks noGrp="1"/>
+          </p:cNvSpPr>
+          <p:nvPr>
+            <p:ph type="title"/>
+          </p:nvPr>
+        </p:nvSpPr>
+        <p:spPr/>
+        <p:txBody>
+          <a:bodyPr>
+            <a:normAutofit/>
+          </a:bodyPr>
+          <a:lstStyle/>
+          <a:p>
+            <a:r>
+              <a:rPr lang="en-US" dirty="0" err="1"/>
+              <a:t>vollständige</a:t>
+            </a:r>
+            <a:r>
+              <a:rPr lang="en-US" dirty="0"/>
+              <a:t> </a:t>
+            </a:r>
+            <a:r>
+              <a:rPr lang="en-US" dirty="0" err="1"/>
+              <a:t>Virtualisierung</a:t>
+            </a:r>
+            <a:endParaRPr lang="de-AT" dirty="0"/>
+          </a:p>
+        </p:txBody>
+      </p:sp>
+    </p:spTree>
+    <p:extLst>
+      <p:ext uri="{BB962C8B-B14F-4D97-AF65-F5344CB8AC3E}">
+        <p14:creationId xmlns:p14="http://schemas.microsoft.com/office/powerpoint/2010/main" val="2554762218"/>
+      </p:ext>
+    </p:extLst>
+  </p:cSld>
+  <p:clrMapOvr>
+    <a:masterClrMapping/>
+  </p:clrMapOvr>
+</p:sld>
+</file>
+
+<file path=ppt/slides/slide3.xml><?xml version="1.0" encoding="utf-8"?>
+<p:sld xmlns:a="http://schemas.openxmlformats.org/drawingml/2006/main" xmlns:r="http://schemas.openxmlformats.org/officeDocument/2006/relationships" xmlns:p="http://schemas.openxmlformats.org/presentationml/2006/main">
+  <p:cSld>
+    <p:spTree>
+      <p:nvGrpSpPr>
+        <p:cNvPr id="1" name=""/>
+        <p:cNvGrpSpPr/>
+        <p:nvPr/>
+      </p:nvGrpSpPr>
+      <p:grpSpPr>
+        <a:xfrm>
+          <a:off x="0" y="0"/>
+          <a:ext cx="0" cy="0"/>
+          <a:chOff x="0" y="0"/>
+          <a:chExt cx="0" cy="0"/>
+        </a:xfrm>
+      </p:grpSpPr>
+      <p:sp>
+        <p:nvSpPr>
+          <p:cNvPr id="18" name="Titel 17"/>
+          <p:cNvSpPr>
+            <a:spLocks noGrp="1"/>
+          </p:cNvSpPr>
+          <p:nvPr>
+            <p:ph type="title"/>
+          </p:nvPr>
+        </p:nvSpPr>
+        <p:spPr/>
+        <p:txBody>
+          <a:bodyPr>
+            <a:normAutofit/>
+          </a:bodyPr>
+          <a:lstStyle/>
+          <a:p>
+            <a:r>
+              <a:rPr lang="en-US" dirty="0" err="1"/>
+              <a:t>Containervirtualisierung</a:t>
+            </a:r>
+            <a:endParaRPr lang="de-AT" dirty="0"/>
+          </a:p>
+        </p:txBody>
+      </p:sp>
+      <p:grpSp>
+        <p:nvGrpSpPr>
+          <p:cNvPr id="9" name="Gruppieren 8"/>
+          <p:cNvGrpSpPr/>
+          <p:nvPr/>
+        </p:nvGrpSpPr>
+        <p:grpSpPr>
+          <a:xfrm>
+            <a:off x="906180" y="799799"/>
+            <a:ext cx="10379640" cy="5544358"/>
+            <a:chOff x="922494" y="1388477"/>
+            <a:chExt cx="9114754" cy="4868709"/>
+          </a:xfrm>
+        </p:grpSpPr>
+        <p:sp>
+          <p:nvSpPr>
+            <p:cNvPr id="2" name="Rechteck 1"/>
+            <p:cNvSpPr/>
+            <p:nvPr/>
+          </p:nvSpPr>
+          <p:spPr>
+            <a:xfrm>
+              <a:off x="922494" y="5747803"/>
+              <a:ext cx="9114754" cy="509383"/>
+            </a:xfrm>
+            <a:prstGeom prst="rect">
+              <a:avLst/>
+            </a:prstGeom>
+            <a:solidFill>
+              <a:schemeClr val="accent3">
+                <a:lumMod val="40000"/>
+                <a:lumOff val="60000"/>
+              </a:schemeClr>
+            </a:solidFill>
+            <a:ln>
+              <a:noFill/>
+            </a:ln>
+          </p:spPr>
+          <p:style>
+            <a:lnRef idx="2">
+              <a:schemeClr val="accent1">
+                <a:shade val="50000"/>
+              </a:schemeClr>
+            </a:lnRef>
+            <a:fillRef idx="1">
+              <a:schemeClr val="accent1"/>
+            </a:fillRef>
+            <a:effectRef idx="0">
+              <a:schemeClr val="accent1"/>
+            </a:effectRef>
+            <a:fontRef idx="minor">
+              <a:schemeClr val="lt1"/>
+            </a:fontRef>
+          </p:style>
+          <p:txBody>
+            <a:bodyPr rtlCol="0" anchor="ctr"/>
+            <a:lstStyle/>
+            <a:p>
+              <a:pPr algn="ctr"/>
+              <a:r>
+                <a:rPr lang="en-US" sz="2400" dirty="0">
+                  <a:solidFill>
+                    <a:schemeClr val="tx1"/>
+                  </a:solidFill>
+                  <a:latin typeface="CMU Serif" panose="02000603000000000000" pitchFamily="2" charset="0"/>
+                  <a:ea typeface="CMU Serif" panose="02000603000000000000" pitchFamily="2" charset="0"/>
+                  <a:cs typeface="CMU Serif" panose="02000603000000000000" pitchFamily="2" charset="0"/>
+                </a:rPr>
+                <a:t>Hardware</a:t>
+              </a:r>
+              <a:endParaRPr lang="de-AT" sz="2400" dirty="0">
+                <a:solidFill>
+                  <a:schemeClr val="tx1"/>
+                </a:solidFill>
+                <a:latin typeface="CMU Serif" panose="02000603000000000000" pitchFamily="2" charset="0"/>
+                <a:ea typeface="CMU Serif" panose="02000603000000000000" pitchFamily="2" charset="0"/>
+                <a:cs typeface="CMU Serif" panose="02000603000000000000" pitchFamily="2" charset="0"/>
+              </a:endParaRPr>
+            </a:p>
+          </p:txBody>
+        </p:sp>
+        <p:sp>
+          <p:nvSpPr>
+            <p:cNvPr id="3" name="Rechteck 2"/>
+            <p:cNvSpPr/>
+            <p:nvPr/>
+          </p:nvSpPr>
+          <p:spPr>
+            <a:xfrm>
+              <a:off x="922494" y="4983730"/>
+              <a:ext cx="9114754" cy="509383"/>
+            </a:xfrm>
+            <a:prstGeom prst="rect">
+              <a:avLst/>
+            </a:prstGeom>
+            <a:solidFill>
+              <a:srgbClr val="92D050"/>
+            </a:solidFill>
+            <a:ln>
+              <a:noFill/>
+            </a:ln>
+          </p:spPr>
+          <p:style>
+            <a:lnRef idx="2">
+              <a:schemeClr val="accent1">
+                <a:shade val="50000"/>
+              </a:schemeClr>
+            </a:lnRef>
+            <a:fillRef idx="1">
+              <a:schemeClr val="accent1"/>
+            </a:fillRef>
+            <a:effectRef idx="0">
+              <a:schemeClr val="accent1"/>
+            </a:effectRef>
+            <a:fontRef idx="minor">
+              <a:schemeClr val="lt1"/>
+            </a:fontRef>
+          </p:style>
+          <p:txBody>
+            <a:bodyPr rtlCol="0" anchor="ctr"/>
+            <a:lstStyle/>
+            <a:p>
+              <a:pPr algn="ctr"/>
+              <a:r>
+                <a:rPr lang="en-US" sz="2400" dirty="0">
+                  <a:solidFill>
+                    <a:schemeClr val="tx1"/>
+                  </a:solidFill>
+                  <a:latin typeface="CMU Serif" panose="02000603000000000000" pitchFamily="2" charset="0"/>
+                  <a:ea typeface="CMU Serif" panose="02000603000000000000" pitchFamily="2" charset="0"/>
+                  <a:cs typeface="CMU Serif" panose="02000603000000000000" pitchFamily="2" charset="0"/>
+                </a:rPr>
+                <a:t>Host-</a:t>
+              </a:r>
+              <a:r>
+                <a:rPr lang="en-US" sz="2400" dirty="0" err="1">
+                  <a:solidFill>
+                    <a:schemeClr val="tx1"/>
+                  </a:solidFill>
+                  <a:latin typeface="CMU Serif" panose="02000603000000000000" pitchFamily="2" charset="0"/>
+                  <a:ea typeface="CMU Serif" panose="02000603000000000000" pitchFamily="2" charset="0"/>
+                  <a:cs typeface="CMU Serif" panose="02000603000000000000" pitchFamily="2" charset="0"/>
+                </a:rPr>
+                <a:t>Betriebssystem</a:t>
+              </a:r>
+              <a:endParaRPr lang="de-AT" sz="2400" dirty="0">
+                <a:solidFill>
+                  <a:schemeClr val="tx1"/>
+                </a:solidFill>
+                <a:latin typeface="CMU Serif" panose="02000603000000000000" pitchFamily="2" charset="0"/>
+                <a:ea typeface="CMU Serif" panose="02000603000000000000" pitchFamily="2" charset="0"/>
+                <a:cs typeface="CMU Serif" panose="02000603000000000000" pitchFamily="2" charset="0"/>
+              </a:endParaRPr>
+            </a:p>
+          </p:txBody>
+        </p:sp>
+        <p:sp>
+          <p:nvSpPr>
+            <p:cNvPr id="6" name="Rechteck 5"/>
+            <p:cNvSpPr/>
+            <p:nvPr/>
+          </p:nvSpPr>
+          <p:spPr>
+            <a:xfrm>
+              <a:off x="922494" y="1393215"/>
+              <a:ext cx="2872150" cy="3335825"/>
+            </a:xfrm>
+            <a:prstGeom prst="rect">
+              <a:avLst/>
+            </a:prstGeom>
+            <a:solidFill>
+              <a:srgbClr val="6DD9FF"/>
+            </a:solidFill>
+            <a:ln>
+              <a:noFill/>
+            </a:ln>
+          </p:spPr>
+          <p:style>
+            <a:lnRef idx="2">
+              <a:schemeClr val="accent1">
+                <a:shade val="50000"/>
+              </a:schemeClr>
+            </a:lnRef>
+            <a:fillRef idx="1">
+              <a:schemeClr val="accent1"/>
+            </a:fillRef>
+            <a:effectRef idx="0">
+              <a:schemeClr val="accent1"/>
+            </a:effectRef>
+            <a:fontRef idx="minor">
+              <a:schemeClr val="lt1"/>
+            </a:fontRef>
+          </p:style>
+          <p:txBody>
+            <a:bodyPr tIns="144000" rtlCol="0" anchor="t"/>
+            <a:lstStyle/>
+            <a:p>
+              <a:pPr algn="ctr"/>
+              <a:r>
+                <a:rPr lang="en-US" sz="2400" dirty="0">
+                  <a:solidFill>
+                    <a:schemeClr val="tx1"/>
+                  </a:solidFill>
+                  <a:latin typeface="CMU Serif" panose="02000603000000000000" pitchFamily="2" charset="0"/>
+                  <a:ea typeface="CMU Serif" panose="02000603000000000000" pitchFamily="2" charset="0"/>
+                  <a:cs typeface="CMU Serif" panose="02000603000000000000" pitchFamily="2" charset="0"/>
+                </a:rPr>
+                <a:t>Container (1)</a:t>
+              </a:r>
+              <a:endParaRPr lang="de-AT" sz="2400" dirty="0">
+                <a:solidFill>
+                  <a:schemeClr val="tx1"/>
+                </a:solidFill>
+                <a:latin typeface="CMU Serif" panose="02000603000000000000" pitchFamily="2" charset="0"/>
+                <a:ea typeface="CMU Serif" panose="02000603000000000000" pitchFamily="2" charset="0"/>
+                <a:cs typeface="CMU Serif" panose="02000603000000000000" pitchFamily="2" charset="0"/>
+              </a:endParaRPr>
+            </a:p>
+          </p:txBody>
+        </p:sp>
+        <p:sp>
+          <p:nvSpPr>
+            <p:cNvPr id="10" name="Rechteck 9"/>
+            <p:cNvSpPr/>
+            <p:nvPr/>
+          </p:nvSpPr>
+          <p:spPr>
+            <a:xfrm>
+              <a:off x="1171646" y="2042619"/>
+              <a:ext cx="2372144" cy="2435701"/>
+            </a:xfrm>
+            <a:prstGeom prst="rect">
+              <a:avLst/>
+            </a:prstGeom>
+            <a:solidFill>
+              <a:srgbClr val="FFFF00"/>
+            </a:solidFill>
+            <a:ln>
+              <a:noFill/>
+            </a:ln>
+          </p:spPr>
+          <p:style>
+            <a:lnRef idx="2">
+              <a:schemeClr val="accent1">
+                <a:shade val="50000"/>
+              </a:schemeClr>
+            </a:lnRef>
+            <a:fillRef idx="1">
+              <a:schemeClr val="accent1"/>
+            </a:fillRef>
+            <a:effectRef idx="0">
+              <a:schemeClr val="accent1"/>
+            </a:effectRef>
+            <a:fontRef idx="minor">
+              <a:schemeClr val="lt1"/>
+            </a:fontRef>
+          </p:style>
+          <p:txBody>
+            <a:bodyPr rtlCol="0" anchor="ctr"/>
+            <a:lstStyle/>
+            <a:p>
+              <a:pPr algn="ctr"/>
+              <a:r>
+                <a:rPr lang="en-US" sz="2400" dirty="0" err="1">
+                  <a:solidFill>
+                    <a:schemeClr val="tx1"/>
+                  </a:solidFill>
+                  <a:latin typeface="CMU Serif" panose="02000603000000000000" pitchFamily="2" charset="0"/>
+                  <a:ea typeface="CMU Serif" panose="02000603000000000000" pitchFamily="2" charset="0"/>
+                  <a:cs typeface="CMU Serif" panose="02000603000000000000" pitchFamily="2" charset="0"/>
+                </a:rPr>
+                <a:t>Anwendungen</a:t>
+              </a:r>
+              <a:endParaRPr lang="de-AT" sz="2400" dirty="0">
+                <a:solidFill>
+                  <a:schemeClr val="tx1"/>
+                </a:solidFill>
+                <a:latin typeface="CMU Serif" panose="02000603000000000000" pitchFamily="2" charset="0"/>
+                <a:ea typeface="CMU Serif" panose="02000603000000000000" pitchFamily="2" charset="0"/>
+                <a:cs typeface="CMU Serif" panose="02000603000000000000" pitchFamily="2" charset="0"/>
+              </a:endParaRPr>
+            </a:p>
+          </p:txBody>
+        </p:sp>
+        <p:sp>
+          <p:nvSpPr>
+            <p:cNvPr id="16" name="Rechteck 15"/>
+            <p:cNvSpPr/>
+            <p:nvPr/>
+          </p:nvSpPr>
+          <p:spPr>
+            <a:xfrm>
+              <a:off x="4043796" y="1388477"/>
+              <a:ext cx="2872150" cy="3335825"/>
+            </a:xfrm>
+            <a:prstGeom prst="rect">
+              <a:avLst/>
+            </a:prstGeom>
+            <a:solidFill>
+              <a:srgbClr val="6DD9FF"/>
+            </a:solidFill>
+            <a:ln>
+              <a:noFill/>
+            </a:ln>
+          </p:spPr>
+          <p:style>
+            <a:lnRef idx="2">
+              <a:schemeClr val="accent1">
+                <a:shade val="50000"/>
+              </a:schemeClr>
+            </a:lnRef>
+            <a:fillRef idx="1">
+              <a:schemeClr val="accent1"/>
+            </a:fillRef>
+            <a:effectRef idx="0">
+              <a:schemeClr val="accent1"/>
+            </a:effectRef>
+            <a:fontRef idx="minor">
+              <a:schemeClr val="lt1"/>
+            </a:fontRef>
+          </p:style>
+          <p:txBody>
+            <a:bodyPr tIns="144000" rtlCol="0" anchor="t"/>
+            <a:lstStyle/>
+            <a:p>
+              <a:pPr algn="ctr"/>
+              <a:r>
+                <a:rPr lang="en-US" sz="2400" dirty="0">
+                  <a:solidFill>
+                    <a:schemeClr val="tx1"/>
+                  </a:solidFill>
+                  <a:latin typeface="CMU Serif" panose="02000603000000000000" pitchFamily="2" charset="0"/>
+                  <a:ea typeface="CMU Serif" panose="02000603000000000000" pitchFamily="2" charset="0"/>
+                  <a:cs typeface="CMU Serif" panose="02000603000000000000" pitchFamily="2" charset="0"/>
+                </a:rPr>
+                <a:t>Container (2)</a:t>
+              </a:r>
+              <a:endParaRPr lang="de-AT" sz="2400" dirty="0">
+                <a:solidFill>
+                  <a:schemeClr val="tx1"/>
+                </a:solidFill>
+                <a:latin typeface="CMU Serif" panose="02000603000000000000" pitchFamily="2" charset="0"/>
+                <a:ea typeface="CMU Serif" panose="02000603000000000000" pitchFamily="2" charset="0"/>
+                <a:cs typeface="CMU Serif" panose="02000603000000000000" pitchFamily="2" charset="0"/>
+              </a:endParaRPr>
+            </a:p>
+          </p:txBody>
+        </p:sp>
+        <p:sp>
+          <p:nvSpPr>
+            <p:cNvPr id="17" name="Rechteck 16"/>
+            <p:cNvSpPr/>
+            <p:nvPr/>
+          </p:nvSpPr>
+          <p:spPr>
+            <a:xfrm>
+              <a:off x="4292948" y="2037881"/>
+              <a:ext cx="2372144" cy="2435701"/>
+            </a:xfrm>
+            <a:prstGeom prst="rect">
+              <a:avLst/>
+            </a:prstGeom>
+            <a:solidFill>
+              <a:srgbClr val="FFFF00"/>
+            </a:solidFill>
+            <a:ln>
+              <a:noFill/>
+            </a:ln>
+          </p:spPr>
+          <p:style>
+            <a:lnRef idx="2">
+              <a:schemeClr val="accent1">
+                <a:shade val="50000"/>
+              </a:schemeClr>
+            </a:lnRef>
+            <a:fillRef idx="1">
+              <a:schemeClr val="accent1"/>
+            </a:fillRef>
+            <a:effectRef idx="0">
+              <a:schemeClr val="accent1"/>
+            </a:effectRef>
+            <a:fontRef idx="minor">
+              <a:schemeClr val="lt1"/>
+            </a:fontRef>
+          </p:style>
+          <p:txBody>
+            <a:bodyPr rtlCol="0" anchor="ctr"/>
+            <a:lstStyle/>
+            <a:p>
+              <a:pPr algn="ctr"/>
+              <a:r>
+                <a:rPr lang="en-US" sz="2400" dirty="0" err="1">
+                  <a:solidFill>
+                    <a:schemeClr val="tx1"/>
+                  </a:solidFill>
+                  <a:latin typeface="CMU Serif" panose="02000603000000000000" pitchFamily="2" charset="0"/>
+                  <a:ea typeface="CMU Serif" panose="02000603000000000000" pitchFamily="2" charset="0"/>
+                  <a:cs typeface="CMU Serif" panose="02000603000000000000" pitchFamily="2" charset="0"/>
+                </a:rPr>
+                <a:t>Anwendungen</a:t>
+              </a:r>
+              <a:endParaRPr lang="de-AT" sz="2400" dirty="0">
+                <a:solidFill>
+                  <a:schemeClr val="tx1"/>
+                </a:solidFill>
+                <a:latin typeface="CMU Serif" panose="02000603000000000000" pitchFamily="2" charset="0"/>
+                <a:ea typeface="CMU Serif" panose="02000603000000000000" pitchFamily="2" charset="0"/>
+                <a:cs typeface="CMU Serif" panose="02000603000000000000" pitchFamily="2" charset="0"/>
+              </a:endParaRPr>
+            </a:p>
+          </p:txBody>
+        </p:sp>
+        <p:sp>
+          <p:nvSpPr>
+            <p:cNvPr id="19" name="Rechteck 18"/>
+            <p:cNvSpPr/>
+            <p:nvPr/>
+          </p:nvSpPr>
+          <p:spPr>
+            <a:xfrm>
+              <a:off x="7165098" y="1388477"/>
+              <a:ext cx="2872150" cy="3335825"/>
+            </a:xfrm>
+            <a:prstGeom prst="rect">
+              <a:avLst/>
+            </a:prstGeom>
+            <a:solidFill>
+              <a:srgbClr val="6DD9FF"/>
+            </a:solidFill>
+            <a:ln>
+              <a:noFill/>
+            </a:ln>
+          </p:spPr>
+          <p:style>
+            <a:lnRef idx="2">
+              <a:schemeClr val="accent1">
+                <a:shade val="50000"/>
+              </a:schemeClr>
+            </a:lnRef>
+            <a:fillRef idx="1">
+              <a:schemeClr val="accent1"/>
+            </a:fillRef>
+            <a:effectRef idx="0">
+              <a:schemeClr val="accent1"/>
+            </a:effectRef>
+            <a:fontRef idx="minor">
+              <a:schemeClr val="lt1"/>
+            </a:fontRef>
+          </p:style>
+          <p:txBody>
+            <a:bodyPr tIns="144000" rtlCol="0" anchor="t"/>
+            <a:lstStyle/>
+            <a:p>
+              <a:pPr algn="ctr"/>
+              <a:r>
+                <a:rPr lang="en-US" sz="2400" dirty="0">
+                  <a:solidFill>
+                    <a:schemeClr val="tx1"/>
+                  </a:solidFill>
+                  <a:latin typeface="CMU Serif" panose="02000603000000000000" pitchFamily="2" charset="0"/>
+                  <a:ea typeface="CMU Serif" panose="02000603000000000000" pitchFamily="2" charset="0"/>
+                  <a:cs typeface="CMU Serif" panose="02000603000000000000" pitchFamily="2" charset="0"/>
+                </a:rPr>
+                <a:t>Container (3)</a:t>
+              </a:r>
+              <a:endParaRPr lang="de-AT" sz="2400" dirty="0">
+                <a:solidFill>
+                  <a:schemeClr val="tx1"/>
+                </a:solidFill>
+                <a:latin typeface="CMU Serif" panose="02000603000000000000" pitchFamily="2" charset="0"/>
+                <a:ea typeface="CMU Serif" panose="02000603000000000000" pitchFamily="2" charset="0"/>
+                <a:cs typeface="CMU Serif" panose="02000603000000000000" pitchFamily="2" charset="0"/>
+              </a:endParaRPr>
+            </a:p>
+          </p:txBody>
+        </p:sp>
+        <p:sp>
+          <p:nvSpPr>
+            <p:cNvPr id="20" name="Rechteck 19"/>
+            <p:cNvSpPr/>
+            <p:nvPr/>
+          </p:nvSpPr>
+          <p:spPr>
+            <a:xfrm>
+              <a:off x="7414250" y="2037881"/>
+              <a:ext cx="2372144" cy="2435701"/>
+            </a:xfrm>
+            <a:prstGeom prst="rect">
+              <a:avLst/>
+            </a:prstGeom>
+            <a:solidFill>
+              <a:srgbClr val="FFFF00"/>
+            </a:solidFill>
+            <a:ln>
+              <a:noFill/>
+            </a:ln>
+          </p:spPr>
+          <p:style>
+            <a:lnRef idx="2">
+              <a:schemeClr val="accent1">
+                <a:shade val="50000"/>
+              </a:schemeClr>
+            </a:lnRef>
+            <a:fillRef idx="1">
+              <a:schemeClr val="accent1"/>
+            </a:fillRef>
+            <a:effectRef idx="0">
+              <a:schemeClr val="accent1"/>
+            </a:effectRef>
+            <a:fontRef idx="minor">
+              <a:schemeClr val="lt1"/>
+            </a:fontRef>
+          </p:style>
+          <p:txBody>
+            <a:bodyPr rtlCol="0" anchor="ctr"/>
+            <a:lstStyle/>
+            <a:p>
+              <a:pPr algn="ctr"/>
+              <a:r>
+                <a:rPr lang="en-US" sz="2400" dirty="0" err="1">
+                  <a:solidFill>
+                    <a:schemeClr val="tx1"/>
+                  </a:solidFill>
+                  <a:latin typeface="CMU Serif" panose="02000603000000000000" pitchFamily="2" charset="0"/>
+                  <a:ea typeface="CMU Serif" panose="02000603000000000000" pitchFamily="2" charset="0"/>
+                  <a:cs typeface="CMU Serif" panose="02000603000000000000" pitchFamily="2" charset="0"/>
+                </a:rPr>
+                <a:t>Anwendungen</a:t>
+              </a:r>
+              <a:endParaRPr lang="de-AT" sz="2400" dirty="0">
+                <a:solidFill>
+                  <a:schemeClr val="tx1"/>
+                </a:solidFill>
+                <a:latin typeface="CMU Serif" panose="02000603000000000000" pitchFamily="2" charset="0"/>
+                <a:ea typeface="CMU Serif" panose="02000603000000000000" pitchFamily="2" charset="0"/>
+                <a:cs typeface="CMU Serif" panose="02000603000000000000" pitchFamily="2" charset="0"/>
+              </a:endParaRPr>
+            </a:p>
+          </p:txBody>
+        </p:sp>
+      </p:grpSp>
+    </p:spTree>
+    <p:extLst>
+      <p:ext uri="{BB962C8B-B14F-4D97-AF65-F5344CB8AC3E}">
+        <p14:creationId xmlns:p14="http://schemas.microsoft.com/office/powerpoint/2010/main" val="2409891194"/>
+      </p:ext>
+    </p:extLst>
+  </p:cSld>
+  <p:clrMapOvr>
+    <a:masterClrMapping/>
+  </p:clrMapOvr>
+</p:sld>
+</file>
+
 <file path=ppt/theme/theme1.xml><?xml version="1.0" encoding="utf-8"?>
 <a:theme xmlns:a="http://schemas.openxmlformats.org/drawingml/2006/main" name="Office">
   <a:themeElements>

--- a/images/graphics.pptx
+++ b/images/graphics.pptx
@@ -4391,16 +4391,8 @@
           <a:lstStyle/>
           <a:p>
             <a:r>
-              <a:rPr lang="en-US" dirty="0" err="1"/>
-              <a:t>vollständige</a:t>
-            </a:r>
-            <a:r>
-              <a:rPr lang="en-US" dirty="0"/>
-              <a:t> </a:t>
-            </a:r>
-            <a:r>
-              <a:rPr lang="en-US" dirty="0" err="1"/>
-              <a:t>Virtualisierung</a:t>
+              <a:rPr lang="en-US"/>
+              <a:t>Vollvirtualisierung</a:t>
             </a:r>
             <a:endParaRPr lang="de-AT" dirty="0"/>
           </a:p>

--- a/images/graphics.pptx
+++ b/images/graphics.pptx
@@ -8,6 +8,7 @@
     <p:sldId id="256" r:id="rId2"/>
     <p:sldId id="257" r:id="rId3"/>
     <p:sldId id="258" r:id="rId4"/>
+    <p:sldId id="259" r:id="rId5"/>
   </p:sldIdLst>
   <p:sldSz cx="12192000" cy="6858000"/>
   <p:notesSz cx="6858000" cy="9144000"/>
@@ -108,7 +109,18 @@
   </p:defaultTextStyle>
   <p:extLst>
     <p:ext uri="{EFAFB233-063F-42B5-8137-9DF3F51BA10A}">
-      <p15:sldGuideLst xmlns:p15="http://schemas.microsoft.com/office/powerpoint/2012/main"/>
+      <p15:sldGuideLst xmlns:p15="http://schemas.microsoft.com/office/powerpoint/2012/main">
+        <p15:guide id="1" orient="horz" pos="2160" userDrawn="1">
+          <p15:clr>
+            <a:srgbClr val="A4A3A4"/>
+          </p15:clr>
+        </p15:guide>
+        <p15:guide id="2" pos="3840" userDrawn="1">
+          <p15:clr>
+            <a:srgbClr val="A4A3A4"/>
+          </p15:clr>
+        </p15:guide>
+      </p15:sldGuideLst>
     </p:ext>
   </p:extLst>
 </p:presentation>
@@ -245,7 +257,7 @@
           <a:p>
             <a:fld id="{6CD14F0C-FDCF-4194-8431-39569BE287B9}" type="datetimeFigureOut">
               <a:rPr lang="de-AT" smtClean="0"/>
-              <a:t>31.01.2017</a:t>
+              <a:t>21.02.2017</a:t>
             </a:fld>
             <a:endParaRPr lang="de-AT"/>
           </a:p>
@@ -415,7 +427,7 @@
           <a:p>
             <a:fld id="{6CD14F0C-FDCF-4194-8431-39569BE287B9}" type="datetimeFigureOut">
               <a:rPr lang="de-AT" smtClean="0"/>
-              <a:t>31.01.2017</a:t>
+              <a:t>21.02.2017</a:t>
             </a:fld>
             <a:endParaRPr lang="de-AT"/>
           </a:p>
@@ -595,7 +607,7 @@
           <a:p>
             <a:fld id="{6CD14F0C-FDCF-4194-8431-39569BE287B9}" type="datetimeFigureOut">
               <a:rPr lang="de-AT" smtClean="0"/>
-              <a:t>31.01.2017</a:t>
+              <a:t>21.02.2017</a:t>
             </a:fld>
             <a:endParaRPr lang="de-AT"/>
           </a:p>
@@ -765,7 +777,7 @@
           <a:p>
             <a:fld id="{6CD14F0C-FDCF-4194-8431-39569BE287B9}" type="datetimeFigureOut">
               <a:rPr lang="de-AT" smtClean="0"/>
-              <a:t>31.01.2017</a:t>
+              <a:t>21.02.2017</a:t>
             </a:fld>
             <a:endParaRPr lang="de-AT"/>
           </a:p>
@@ -1011,7 +1023,7 @@
           <a:p>
             <a:fld id="{6CD14F0C-FDCF-4194-8431-39569BE287B9}" type="datetimeFigureOut">
               <a:rPr lang="de-AT" smtClean="0"/>
-              <a:t>31.01.2017</a:t>
+              <a:t>21.02.2017</a:t>
             </a:fld>
             <a:endParaRPr lang="de-AT"/>
           </a:p>
@@ -1243,7 +1255,7 @@
           <a:p>
             <a:fld id="{6CD14F0C-FDCF-4194-8431-39569BE287B9}" type="datetimeFigureOut">
               <a:rPr lang="de-AT" smtClean="0"/>
-              <a:t>31.01.2017</a:t>
+              <a:t>21.02.2017</a:t>
             </a:fld>
             <a:endParaRPr lang="de-AT"/>
           </a:p>
@@ -1610,7 +1622,7 @@
           <a:p>
             <a:fld id="{6CD14F0C-FDCF-4194-8431-39569BE287B9}" type="datetimeFigureOut">
               <a:rPr lang="de-AT" smtClean="0"/>
-              <a:t>31.01.2017</a:t>
+              <a:t>21.02.2017</a:t>
             </a:fld>
             <a:endParaRPr lang="de-AT"/>
           </a:p>
@@ -1737,7 +1749,7 @@
           <a:p>
             <a:fld id="{6CD14F0C-FDCF-4194-8431-39569BE287B9}" type="datetimeFigureOut">
               <a:rPr lang="de-AT" smtClean="0"/>
-              <a:t>31.01.2017</a:t>
+              <a:t>21.02.2017</a:t>
             </a:fld>
             <a:endParaRPr lang="de-AT"/>
           </a:p>
@@ -1832,7 +1844,7 @@
           <a:p>
             <a:fld id="{6CD14F0C-FDCF-4194-8431-39569BE287B9}" type="datetimeFigureOut">
               <a:rPr lang="de-AT" smtClean="0"/>
-              <a:t>31.01.2017</a:t>
+              <a:t>21.02.2017</a:t>
             </a:fld>
             <a:endParaRPr lang="de-AT"/>
           </a:p>
@@ -2109,7 +2121,7 @@
           <a:p>
             <a:fld id="{6CD14F0C-FDCF-4194-8431-39569BE287B9}" type="datetimeFigureOut">
               <a:rPr lang="de-AT" smtClean="0"/>
-              <a:t>31.01.2017</a:t>
+              <a:t>21.02.2017</a:t>
             </a:fld>
             <a:endParaRPr lang="de-AT"/>
           </a:p>
@@ -2362,7 +2374,7 @@
           <a:p>
             <a:fld id="{6CD14F0C-FDCF-4194-8431-39569BE287B9}" type="datetimeFigureOut">
               <a:rPr lang="de-AT" smtClean="0"/>
-              <a:t>31.01.2017</a:t>
+              <a:t>21.02.2017</a:t>
             </a:fld>
             <a:endParaRPr lang="de-AT"/>
           </a:p>
@@ -2575,7 +2587,7 @@
           <a:p>
             <a:fld id="{6CD14F0C-FDCF-4194-8431-39569BE287B9}" type="datetimeFigureOut">
               <a:rPr lang="de-AT" smtClean="0"/>
-              <a:t>31.01.2017</a:t>
+              <a:t>21.02.2017</a:t>
             </a:fld>
             <a:endParaRPr lang="de-AT"/>
           </a:p>
@@ -5007,6 +5019,1234 @@
 </p:sld>
 </file>
 
+<file path=ppt/slides/slide4.xml><?xml version="1.0" encoding="utf-8"?>
+<p:sld xmlns:a="http://schemas.openxmlformats.org/drawingml/2006/main" xmlns:r="http://schemas.openxmlformats.org/officeDocument/2006/relationships" xmlns:p="http://schemas.openxmlformats.org/presentationml/2006/main">
+  <p:cSld>
+    <p:spTree>
+      <p:nvGrpSpPr>
+        <p:cNvPr id="1" name=""/>
+        <p:cNvGrpSpPr/>
+        <p:nvPr/>
+      </p:nvGrpSpPr>
+      <p:grpSpPr>
+        <a:xfrm>
+          <a:off x="0" y="0"/>
+          <a:ext cx="0" cy="0"/>
+          <a:chOff x="0" y="0"/>
+          <a:chExt cx="0" cy="0"/>
+        </a:xfrm>
+      </p:grpSpPr>
+      <p:sp>
+        <p:nvSpPr>
+          <p:cNvPr id="18" name="Titel 17"/>
+          <p:cNvSpPr>
+            <a:spLocks noGrp="1"/>
+          </p:cNvSpPr>
+          <p:nvPr>
+            <p:ph type="title"/>
+          </p:nvPr>
+        </p:nvSpPr>
+        <p:spPr/>
+        <p:txBody>
+          <a:bodyPr>
+            <a:normAutofit/>
+          </a:bodyPr>
+          <a:lstStyle/>
+          <a:p>
+            <a:r>
+              <a:rPr lang="en-US" dirty="0" err="1"/>
+              <a:t>npm</a:t>
+            </a:r>
+            <a:r>
+              <a:rPr lang="en-US" dirty="0"/>
+              <a:t>-Deployment</a:t>
+            </a:r>
+            <a:endParaRPr lang="de-AT" dirty="0"/>
+          </a:p>
+        </p:txBody>
+      </p:sp>
+      <p:sp>
+        <p:nvSpPr>
+          <p:cNvPr id="10" name="Rechteck 9"/>
+          <p:cNvSpPr/>
+          <p:nvPr/>
+        </p:nvSpPr>
+        <p:spPr>
+          <a:xfrm>
+            <a:off x="12371078" y="0"/>
+            <a:ext cx="1983277" cy="955991"/>
+          </a:xfrm>
+          <a:prstGeom prst="rect">
+            <a:avLst/>
+          </a:prstGeom>
+          <a:solidFill>
+            <a:srgbClr val="FFFF00"/>
+          </a:solidFill>
+          <a:ln>
+            <a:noFill/>
+          </a:ln>
+        </p:spPr>
+        <p:style>
+          <a:lnRef idx="2">
+            <a:schemeClr val="accent1">
+              <a:shade val="50000"/>
+            </a:schemeClr>
+          </a:lnRef>
+          <a:fillRef idx="1">
+            <a:schemeClr val="accent1"/>
+          </a:fillRef>
+          <a:effectRef idx="0">
+            <a:schemeClr val="accent1"/>
+          </a:effectRef>
+          <a:fontRef idx="minor">
+            <a:schemeClr val="lt1"/>
+          </a:fontRef>
+        </p:style>
+        <p:txBody>
+          <a:bodyPr rtlCol="0" anchor="ctr"/>
+          <a:lstStyle/>
+          <a:p>
+            <a:pPr algn="ctr"/>
+            <a:r>
+              <a:rPr lang="en-US" sz="2400" dirty="0">
+                <a:solidFill>
+                  <a:schemeClr val="tx1"/>
+                </a:solidFill>
+                <a:latin typeface="CMU Serif" panose="02000603000000000000" pitchFamily="2" charset="0"/>
+                <a:ea typeface="CMU Serif" panose="02000603000000000000" pitchFamily="2" charset="0"/>
+                <a:cs typeface="CMU Serif" panose="02000603000000000000" pitchFamily="2" charset="0"/>
+              </a:rPr>
+              <a:t>yellow</a:t>
+            </a:r>
+            <a:endParaRPr lang="de-AT" sz="2400" dirty="0">
+              <a:solidFill>
+                <a:schemeClr val="tx1"/>
+              </a:solidFill>
+              <a:latin typeface="CMU Serif" panose="02000603000000000000" pitchFamily="2" charset="0"/>
+              <a:ea typeface="CMU Serif" panose="02000603000000000000" pitchFamily="2" charset="0"/>
+              <a:cs typeface="CMU Serif" panose="02000603000000000000" pitchFamily="2" charset="0"/>
+            </a:endParaRPr>
+          </a:p>
+        </p:txBody>
+      </p:sp>
+      <p:sp>
+        <p:nvSpPr>
+          <p:cNvPr id="65" name="Textfeld 64"/>
+          <p:cNvSpPr txBox="1"/>
+          <p:nvPr/>
+        </p:nvSpPr>
+        <p:spPr>
+          <a:xfrm>
+            <a:off x="12371078" y="1308394"/>
+            <a:ext cx="1983277" cy="584775"/>
+          </a:xfrm>
+          <a:prstGeom prst="rect">
+            <a:avLst/>
+          </a:prstGeom>
+          <a:noFill/>
+          <a:ln w="25400">
+            <a:noFill/>
+          </a:ln>
+        </p:spPr>
+        <p:txBody>
+          <a:bodyPr wrap="square" rtlCol="0" anchor="ctr">
+            <a:spAutoFit/>
+          </a:bodyPr>
+          <a:lstStyle/>
+          <a:p>
+            <a:pPr algn="ctr"/>
+            <a:r>
+              <a:rPr lang="en-US" sz="1600">
+                <a:latin typeface="Lato Light" panose="020F0502020204030203" pitchFamily="34" charset="0"/>
+                <a:ea typeface="Lato Light" panose="020F0502020204030203" pitchFamily="34" charset="0"/>
+                <a:cs typeface="Lato Light" panose="020F0502020204030203" pitchFamily="34" charset="0"/>
+              </a:rPr>
+              <a:t>⓪①②③④⑤⑥⑦⑧⑨⑩</a:t>
+            </a:r>
+            <a:endParaRPr lang="de-AT" sz="1600" dirty="0">
+              <a:latin typeface="CMU Serif" panose="02000603000000000000"/>
+            </a:endParaRPr>
+          </a:p>
+        </p:txBody>
+      </p:sp>
+      <p:grpSp>
+        <p:nvGrpSpPr>
+          <p:cNvPr id="76" name="Gruppieren 75"/>
+          <p:cNvGrpSpPr/>
+          <p:nvPr/>
+        </p:nvGrpSpPr>
+        <p:grpSpPr>
+          <a:xfrm>
+            <a:off x="475616" y="883475"/>
+            <a:ext cx="11240768" cy="5091050"/>
+            <a:chOff x="229236" y="1168822"/>
+            <a:chExt cx="11240768" cy="5091050"/>
+          </a:xfrm>
+        </p:grpSpPr>
+        <p:sp>
+          <p:nvSpPr>
+            <p:cNvPr id="2" name="Flussdiagramm: Dokument 1"/>
+            <p:cNvSpPr/>
+            <p:nvPr/>
+          </p:nvSpPr>
+          <p:spPr>
+            <a:xfrm>
+              <a:off x="1483427" y="4994409"/>
+              <a:ext cx="1763486" cy="1265463"/>
+            </a:xfrm>
+            <a:prstGeom prst="flowChartDocument">
+              <a:avLst/>
+            </a:prstGeom>
+            <a:solidFill>
+              <a:schemeClr val="accent3">
+                <a:lumMod val="40000"/>
+                <a:lumOff val="60000"/>
+              </a:schemeClr>
+            </a:solidFill>
+            <a:ln>
+              <a:noFill/>
+            </a:ln>
+          </p:spPr>
+          <p:style>
+            <a:lnRef idx="2">
+              <a:schemeClr val="accent1">
+                <a:shade val="50000"/>
+              </a:schemeClr>
+            </a:lnRef>
+            <a:fillRef idx="1">
+              <a:schemeClr val="accent1"/>
+            </a:fillRef>
+            <a:effectRef idx="0">
+              <a:schemeClr val="accent1"/>
+            </a:effectRef>
+            <a:fontRef idx="minor">
+              <a:schemeClr val="lt1"/>
+            </a:fontRef>
+          </p:style>
+          <p:txBody>
+            <a:bodyPr rtlCol="0" anchor="ctr"/>
+            <a:lstStyle/>
+            <a:p>
+              <a:pPr algn="ctr"/>
+              <a:r>
+                <a:rPr lang="en-US" dirty="0" err="1">
+                  <a:solidFill>
+                    <a:schemeClr val="tx1"/>
+                  </a:solidFill>
+                  <a:latin typeface="CMU Serif" panose="02000603000000000000" pitchFamily="2" charset="0"/>
+                  <a:ea typeface="CMU Serif" panose="02000603000000000000" pitchFamily="2" charset="0"/>
+                  <a:cs typeface="CMU Serif" panose="02000603000000000000" pitchFamily="2" charset="0"/>
+                </a:rPr>
+                <a:t>vorgefertigtes</a:t>
+              </a:r>
+              <a:r>
+                <a:rPr lang="en-US" dirty="0">
+                  <a:solidFill>
+                    <a:schemeClr val="tx1"/>
+                  </a:solidFill>
+                  <a:latin typeface="CMU Serif" panose="02000603000000000000" pitchFamily="2" charset="0"/>
+                  <a:ea typeface="CMU Serif" panose="02000603000000000000" pitchFamily="2" charset="0"/>
+                  <a:cs typeface="CMU Serif" panose="02000603000000000000" pitchFamily="2" charset="0"/>
+                </a:rPr>
+                <a:t> Ubuntu-AMI</a:t>
+              </a:r>
+              <a:endParaRPr lang="de-AT" dirty="0">
+                <a:solidFill>
+                  <a:schemeClr val="tx1"/>
+                </a:solidFill>
+                <a:latin typeface="CMU Serif" panose="02000603000000000000" pitchFamily="2" charset="0"/>
+                <a:ea typeface="CMU Serif" panose="02000603000000000000" pitchFamily="2" charset="0"/>
+                <a:cs typeface="CMU Serif" panose="02000603000000000000" pitchFamily="2" charset="0"/>
+              </a:endParaRPr>
+            </a:p>
+          </p:txBody>
+        </p:sp>
+        <p:sp>
+          <p:nvSpPr>
+            <p:cNvPr id="19" name="Cube 18"/>
+            <p:cNvSpPr/>
+            <p:nvPr/>
+          </p:nvSpPr>
+          <p:spPr>
+            <a:xfrm>
+              <a:off x="1361744" y="1168822"/>
+              <a:ext cx="2107900" cy="843160"/>
+            </a:xfrm>
+            <a:prstGeom prst="cube">
+              <a:avLst>
+                <a:gd name="adj" fmla="val 13661"/>
+              </a:avLst>
+            </a:prstGeom>
+            <a:solidFill>
+              <a:srgbClr val="6DD9FF"/>
+            </a:solidFill>
+            <a:ln>
+              <a:noFill/>
+            </a:ln>
+          </p:spPr>
+          <p:style>
+            <a:lnRef idx="2">
+              <a:schemeClr val="accent1">
+                <a:shade val="50000"/>
+              </a:schemeClr>
+            </a:lnRef>
+            <a:fillRef idx="1">
+              <a:schemeClr val="accent1"/>
+            </a:fillRef>
+            <a:effectRef idx="0">
+              <a:schemeClr val="accent1"/>
+            </a:effectRef>
+            <a:fontRef idx="minor">
+              <a:schemeClr val="lt1"/>
+            </a:fontRef>
+          </p:style>
+          <p:txBody>
+            <a:bodyPr tIns="46800" rtlCol="0" anchor="ctr"/>
+            <a:lstStyle/>
+            <a:p>
+              <a:pPr algn="ctr"/>
+              <a:r>
+                <a:rPr lang="en-US" sz="2400" dirty="0">
+                  <a:solidFill>
+                    <a:schemeClr val="tx1"/>
+                  </a:solidFill>
+                  <a:latin typeface="CMU Serif" panose="02000603000000000000" pitchFamily="2" charset="0"/>
+                  <a:ea typeface="CMU Serif" panose="02000603000000000000" pitchFamily="2" charset="0"/>
+                  <a:cs typeface="CMU Serif" panose="02000603000000000000" pitchFamily="2" charset="0"/>
+                </a:rPr>
+                <a:t>Packer</a:t>
+              </a:r>
+              <a:endParaRPr lang="de-AT" sz="2400" dirty="0">
+                <a:solidFill>
+                  <a:schemeClr val="tx1"/>
+                </a:solidFill>
+                <a:latin typeface="CMU Serif" panose="02000603000000000000" pitchFamily="2" charset="0"/>
+                <a:ea typeface="CMU Serif" panose="02000603000000000000" pitchFamily="2" charset="0"/>
+                <a:cs typeface="CMU Serif" panose="02000603000000000000" pitchFamily="2" charset="0"/>
+              </a:endParaRPr>
+            </a:p>
+          </p:txBody>
+        </p:sp>
+        <p:sp>
+          <p:nvSpPr>
+            <p:cNvPr id="22" name="Cube 21"/>
+            <p:cNvSpPr/>
+            <p:nvPr/>
+          </p:nvSpPr>
+          <p:spPr>
+            <a:xfrm>
+              <a:off x="7902674" y="1168822"/>
+              <a:ext cx="2107900" cy="843160"/>
+            </a:xfrm>
+            <a:prstGeom prst="cube">
+              <a:avLst>
+                <a:gd name="adj" fmla="val 13661"/>
+              </a:avLst>
+            </a:prstGeom>
+            <a:solidFill>
+              <a:srgbClr val="FFC000"/>
+            </a:solidFill>
+            <a:ln>
+              <a:noFill/>
+            </a:ln>
+          </p:spPr>
+          <p:style>
+            <a:lnRef idx="2">
+              <a:schemeClr val="accent1">
+                <a:shade val="50000"/>
+              </a:schemeClr>
+            </a:lnRef>
+            <a:fillRef idx="1">
+              <a:schemeClr val="accent1"/>
+            </a:fillRef>
+            <a:effectRef idx="0">
+              <a:schemeClr val="accent1"/>
+            </a:effectRef>
+            <a:fontRef idx="minor">
+              <a:schemeClr val="lt1"/>
+            </a:fontRef>
+          </p:style>
+          <p:txBody>
+            <a:bodyPr tIns="46800" rtlCol="0" anchor="ctr"/>
+            <a:lstStyle/>
+            <a:p>
+              <a:pPr algn="ctr"/>
+              <a:r>
+                <a:rPr lang="en-US" sz="2400" dirty="0" err="1">
+                  <a:solidFill>
+                    <a:schemeClr val="tx1"/>
+                  </a:solidFill>
+                  <a:latin typeface="CMU Serif" panose="02000603000000000000" pitchFamily="2" charset="0"/>
+                  <a:ea typeface="CMU Serif" panose="02000603000000000000" pitchFamily="2" charset="0"/>
+                  <a:cs typeface="CMU Serif" panose="02000603000000000000" pitchFamily="2" charset="0"/>
+                </a:rPr>
+                <a:t>Ansible</a:t>
+              </a:r>
+              <a:endParaRPr lang="de-AT" sz="2400" dirty="0">
+                <a:solidFill>
+                  <a:schemeClr val="tx1"/>
+                </a:solidFill>
+                <a:latin typeface="CMU Serif" panose="02000603000000000000" pitchFamily="2" charset="0"/>
+                <a:ea typeface="CMU Serif" panose="02000603000000000000" pitchFamily="2" charset="0"/>
+                <a:cs typeface="CMU Serif" panose="02000603000000000000" pitchFamily="2" charset="0"/>
+              </a:endParaRPr>
+            </a:p>
+          </p:txBody>
+        </p:sp>
+        <p:sp>
+          <p:nvSpPr>
+            <p:cNvPr id="23" name="Cube 22"/>
+            <p:cNvSpPr/>
+            <p:nvPr/>
+          </p:nvSpPr>
+          <p:spPr>
+            <a:xfrm>
+              <a:off x="4219167" y="1168822"/>
+              <a:ext cx="2107900" cy="843160"/>
+            </a:xfrm>
+            <a:prstGeom prst="cube">
+              <a:avLst>
+                <a:gd name="adj" fmla="val 13661"/>
+              </a:avLst>
+            </a:prstGeom>
+            <a:solidFill>
+              <a:srgbClr val="92D050"/>
+            </a:solidFill>
+            <a:ln>
+              <a:noFill/>
+            </a:ln>
+          </p:spPr>
+          <p:style>
+            <a:lnRef idx="2">
+              <a:schemeClr val="accent1">
+                <a:shade val="50000"/>
+              </a:schemeClr>
+            </a:lnRef>
+            <a:fillRef idx="1">
+              <a:schemeClr val="accent1"/>
+            </a:fillRef>
+            <a:effectRef idx="0">
+              <a:schemeClr val="accent1"/>
+            </a:effectRef>
+            <a:fontRef idx="minor">
+              <a:schemeClr val="lt1"/>
+            </a:fontRef>
+          </p:style>
+          <p:txBody>
+            <a:bodyPr tIns="46800" rtlCol="0" anchor="ctr"/>
+            <a:lstStyle/>
+            <a:p>
+              <a:pPr algn="ctr"/>
+              <a:r>
+                <a:rPr lang="en-US" sz="2400" dirty="0">
+                  <a:solidFill>
+                    <a:schemeClr val="tx1"/>
+                  </a:solidFill>
+                  <a:latin typeface="CMU Serif" panose="02000603000000000000" pitchFamily="2" charset="0"/>
+                  <a:ea typeface="CMU Serif" panose="02000603000000000000" pitchFamily="2" charset="0"/>
+                  <a:cs typeface="CMU Serif" panose="02000603000000000000" pitchFamily="2" charset="0"/>
+                </a:rPr>
+                <a:t>Terraform</a:t>
+              </a:r>
+              <a:endParaRPr lang="de-AT" sz="2400" dirty="0">
+                <a:solidFill>
+                  <a:schemeClr val="tx1"/>
+                </a:solidFill>
+                <a:latin typeface="CMU Serif" panose="02000603000000000000" pitchFamily="2" charset="0"/>
+                <a:ea typeface="CMU Serif" panose="02000603000000000000" pitchFamily="2" charset="0"/>
+                <a:cs typeface="CMU Serif" panose="02000603000000000000" pitchFamily="2" charset="0"/>
+              </a:endParaRPr>
+            </a:p>
+          </p:txBody>
+        </p:sp>
+        <p:cxnSp>
+          <p:nvCxnSpPr>
+            <p:cNvPr id="8" name="Gerade Verbindung mit Pfeil 7"/>
+            <p:cNvCxnSpPr>
+              <a:stCxn id="19" idx="3"/>
+              <a:endCxn id="2" idx="0"/>
+            </p:cNvCxnSpPr>
+            <p:nvPr/>
+          </p:nvCxnSpPr>
+          <p:spPr>
+            <a:xfrm>
+              <a:off x="2358102" y="2011982"/>
+              <a:ext cx="7068" cy="2982427"/>
+            </a:xfrm>
+            <a:prstGeom prst="straightConnector1">
+              <a:avLst/>
+            </a:prstGeom>
+            <a:ln w="25400">
+              <a:solidFill>
+                <a:schemeClr val="tx1"/>
+              </a:solidFill>
+              <a:tailEnd type="triangle" w="lg" len="lg"/>
+            </a:ln>
+          </p:spPr>
+          <p:style>
+            <a:lnRef idx="1">
+              <a:schemeClr val="accent1"/>
+            </a:lnRef>
+            <a:fillRef idx="0">
+              <a:schemeClr val="accent1"/>
+            </a:fillRef>
+            <a:effectRef idx="0">
+              <a:schemeClr val="accent1"/>
+            </a:effectRef>
+            <a:fontRef idx="minor">
+              <a:schemeClr val="tx1"/>
+            </a:fontRef>
+          </p:style>
+        </p:cxnSp>
+        <p:sp>
+          <p:nvSpPr>
+            <p:cNvPr id="14" name="Textfeld 13"/>
+            <p:cNvSpPr txBox="1"/>
+            <p:nvPr/>
+          </p:nvSpPr>
+          <p:spPr>
+            <a:xfrm>
+              <a:off x="2358103" y="3318529"/>
+              <a:ext cx="881742" cy="615553"/>
+            </a:xfrm>
+            <a:prstGeom prst="rect">
+              <a:avLst/>
+            </a:prstGeom>
+            <a:noFill/>
+            <a:ln w="25400">
+              <a:noFill/>
+            </a:ln>
+          </p:spPr>
+          <p:txBody>
+            <a:bodyPr wrap="square" rtlCol="0">
+              <a:spAutoFit/>
+            </a:bodyPr>
+            <a:lstStyle/>
+            <a:p>
+              <a:pPr algn="ctr"/>
+              <a:r>
+                <a:rPr lang="en-US" dirty="0" err="1">
+                  <a:latin typeface="CMU Serif" panose="02000603000000000000"/>
+                </a:rPr>
+                <a:t>erstellt</a:t>
+              </a:r>
+              <a:br>
+                <a:rPr lang="en-US" dirty="0">
+                  <a:latin typeface="CMU Serif" panose="02000603000000000000"/>
+                </a:rPr>
+              </a:br>
+              <a:r>
+                <a:rPr lang="en-US" sz="1600" dirty="0">
+                  <a:latin typeface="Lato Light" panose="020F0502020204030203" pitchFamily="34" charset="0"/>
+                  <a:ea typeface="Lato Light" panose="020F0502020204030203" pitchFamily="34" charset="0"/>
+                  <a:cs typeface="Lato Light" panose="020F0502020204030203" pitchFamily="34" charset="0"/>
+                </a:rPr>
+                <a:t>⓪</a:t>
+              </a:r>
+              <a:endParaRPr lang="de-AT" dirty="0">
+                <a:latin typeface="CMU Serif" panose="02000603000000000000"/>
+              </a:endParaRPr>
+            </a:p>
+          </p:txBody>
+        </p:sp>
+        <p:sp>
+          <p:nvSpPr>
+            <p:cNvPr id="24" name="Legende mit Linie 1 23"/>
+            <p:cNvSpPr/>
+            <p:nvPr/>
+          </p:nvSpPr>
+          <p:spPr>
+            <a:xfrm>
+              <a:off x="229236" y="3763001"/>
+              <a:ext cx="1792114" cy="679269"/>
+            </a:xfrm>
+            <a:prstGeom prst="borderCallout1">
+              <a:avLst>
+                <a:gd name="adj1" fmla="val 100143"/>
+                <a:gd name="adj2" fmla="val 70848"/>
+                <a:gd name="adj3" fmla="val 180918"/>
+                <a:gd name="adj4" fmla="val 86475"/>
+              </a:avLst>
+            </a:prstGeom>
+            <a:solidFill>
+              <a:schemeClr val="bg1"/>
+            </a:solidFill>
+            <a:ln>
+              <a:solidFill>
+                <a:schemeClr val="tx1">
+                  <a:lumMod val="50000"/>
+                  <a:lumOff val="50000"/>
+                </a:schemeClr>
+              </a:solidFill>
+            </a:ln>
+          </p:spPr>
+          <p:style>
+            <a:lnRef idx="2">
+              <a:schemeClr val="accent1">
+                <a:shade val="50000"/>
+              </a:schemeClr>
+            </a:lnRef>
+            <a:fillRef idx="1">
+              <a:schemeClr val="accent1"/>
+            </a:fillRef>
+            <a:effectRef idx="0">
+              <a:schemeClr val="accent1"/>
+            </a:effectRef>
+            <a:fontRef idx="minor">
+              <a:schemeClr val="lt1"/>
+            </a:fontRef>
+          </p:style>
+          <p:txBody>
+            <a:bodyPr rtlCol="0" anchor="ctr"/>
+            <a:lstStyle/>
+            <a:p>
+              <a:pPr algn="ctr"/>
+              <a:r>
+                <a:rPr lang="en-US" sz="1600" dirty="0" err="1">
+                  <a:solidFill>
+                    <a:schemeClr val="tx1"/>
+                  </a:solidFill>
+                  <a:latin typeface="CMU Serif" panose="02000603000000000000"/>
+                </a:rPr>
+                <a:t>inkl</a:t>
+              </a:r>
+              <a:r>
+                <a:rPr lang="en-US" sz="1600" dirty="0">
+                  <a:solidFill>
+                    <a:schemeClr val="tx1"/>
+                  </a:solidFill>
+                  <a:latin typeface="CMU Serif" panose="02000603000000000000"/>
+                </a:rPr>
+                <a:t>. Node.js und Monitoring-System</a:t>
+              </a:r>
+              <a:endParaRPr lang="de-AT" sz="1600" dirty="0">
+                <a:solidFill>
+                  <a:schemeClr val="tx1"/>
+                </a:solidFill>
+                <a:latin typeface="CMU Serif" panose="02000603000000000000"/>
+              </a:endParaRPr>
+            </a:p>
+          </p:txBody>
+        </p:sp>
+        <p:cxnSp>
+          <p:nvCxnSpPr>
+            <p:cNvPr id="25" name="Gerade Verbindung mit Pfeil 24"/>
+            <p:cNvCxnSpPr>
+              <a:endCxn id="30" idx="1"/>
+            </p:cNvCxnSpPr>
+            <p:nvPr/>
+          </p:nvCxnSpPr>
+          <p:spPr>
+            <a:xfrm>
+              <a:off x="5075493" y="5627141"/>
+              <a:ext cx="2931651" cy="0"/>
+            </a:xfrm>
+            <a:prstGeom prst="straightConnector1">
+              <a:avLst/>
+            </a:prstGeom>
+            <a:ln w="25400">
+              <a:solidFill>
+                <a:schemeClr val="tx1"/>
+              </a:solidFill>
+              <a:prstDash val="solid"/>
+              <a:tailEnd type="triangle" w="lg" len="lg"/>
+            </a:ln>
+          </p:spPr>
+          <p:style>
+            <a:lnRef idx="1">
+              <a:schemeClr val="accent1"/>
+            </a:lnRef>
+            <a:fillRef idx="0">
+              <a:schemeClr val="accent1"/>
+            </a:fillRef>
+            <a:effectRef idx="0">
+              <a:schemeClr val="accent1"/>
+            </a:effectRef>
+            <a:fontRef idx="minor">
+              <a:schemeClr val="tx1"/>
+            </a:fontRef>
+          </p:style>
+        </p:cxnSp>
+        <p:sp>
+          <p:nvSpPr>
+            <p:cNvPr id="29" name="Flussdiagramm: Mehrere Dokumente 28"/>
+            <p:cNvSpPr/>
+            <p:nvPr/>
+          </p:nvSpPr>
+          <p:spPr>
+            <a:xfrm>
+              <a:off x="9556437" y="2733321"/>
+              <a:ext cx="1913567" cy="1539749"/>
+            </a:xfrm>
+            <a:prstGeom prst="flowChartMultidocument">
+              <a:avLst/>
+            </a:prstGeom>
+            <a:solidFill>
+              <a:schemeClr val="accent3">
+                <a:lumMod val="40000"/>
+                <a:lumOff val="60000"/>
+              </a:schemeClr>
+            </a:solidFill>
+            <a:ln>
+              <a:noFill/>
+            </a:ln>
+          </p:spPr>
+          <p:style>
+            <a:lnRef idx="2">
+              <a:schemeClr val="accent1">
+                <a:shade val="50000"/>
+              </a:schemeClr>
+            </a:lnRef>
+            <a:fillRef idx="1">
+              <a:schemeClr val="accent1"/>
+            </a:fillRef>
+            <a:effectRef idx="0">
+              <a:schemeClr val="accent1"/>
+            </a:effectRef>
+            <a:fontRef idx="minor">
+              <a:schemeClr val="lt1"/>
+            </a:fontRef>
+          </p:style>
+          <p:txBody>
+            <a:bodyPr rtlCol="0" anchor="ctr"/>
+            <a:lstStyle/>
+            <a:p>
+              <a:pPr algn="ctr"/>
+              <a:r>
+                <a:rPr lang="en-US" sz="1400" dirty="0">
+                  <a:solidFill>
+                    <a:schemeClr val="tx1"/>
+                  </a:solidFill>
+                  <a:latin typeface="CMU Serif" panose="02000603000000000000"/>
+                </a:rPr>
+                <a:t>Services, </a:t>
+              </a:r>
+              <a:r>
+                <a:rPr lang="en-US" sz="1400" dirty="0" err="1">
+                  <a:solidFill>
+                    <a:schemeClr val="tx1"/>
+                  </a:solidFill>
+                  <a:latin typeface="CMU Serif" panose="02000603000000000000"/>
+                </a:rPr>
+                <a:t>Webhooks</a:t>
+              </a:r>
+              <a:r>
+                <a:rPr lang="en-US" sz="1400" dirty="0">
+                  <a:solidFill>
+                    <a:schemeClr val="tx1"/>
+                  </a:solidFill>
+                  <a:latin typeface="CMU Serif" panose="02000603000000000000"/>
+                </a:rPr>
+                <a:t>, Deployment-</a:t>
+              </a:r>
+              <a:r>
+                <a:rPr lang="en-US" sz="1400" dirty="0" err="1">
+                  <a:solidFill>
+                    <a:schemeClr val="tx1"/>
+                  </a:solidFill>
+                  <a:latin typeface="CMU Serif" panose="02000603000000000000"/>
+                </a:rPr>
+                <a:t>Skripte</a:t>
+              </a:r>
+              <a:endParaRPr lang="de-AT" sz="1400" dirty="0">
+                <a:solidFill>
+                  <a:schemeClr val="tx1"/>
+                </a:solidFill>
+                <a:latin typeface="CMU Serif" panose="02000603000000000000"/>
+              </a:endParaRPr>
+            </a:p>
+          </p:txBody>
+        </p:sp>
+        <p:sp>
+          <p:nvSpPr>
+            <p:cNvPr id="30" name="Flussdiagramm: Dokument 29"/>
+            <p:cNvSpPr/>
+            <p:nvPr/>
+          </p:nvSpPr>
+          <p:spPr>
+            <a:xfrm>
+              <a:off x="8007144" y="4994409"/>
+              <a:ext cx="1763486" cy="1265463"/>
+            </a:xfrm>
+            <a:prstGeom prst="flowChartDocument">
+              <a:avLst/>
+            </a:prstGeom>
+            <a:solidFill>
+              <a:schemeClr val="accent3">
+                <a:lumMod val="40000"/>
+                <a:lumOff val="60000"/>
+              </a:schemeClr>
+            </a:solidFill>
+            <a:ln>
+              <a:noFill/>
+            </a:ln>
+          </p:spPr>
+          <p:style>
+            <a:lnRef idx="2">
+              <a:schemeClr val="accent1">
+                <a:shade val="50000"/>
+              </a:schemeClr>
+            </a:lnRef>
+            <a:fillRef idx="1">
+              <a:schemeClr val="accent1"/>
+            </a:fillRef>
+            <a:effectRef idx="0">
+              <a:schemeClr val="accent1"/>
+            </a:effectRef>
+            <a:fontRef idx="minor">
+              <a:schemeClr val="lt1"/>
+            </a:fontRef>
+          </p:style>
+          <p:txBody>
+            <a:bodyPr rtlCol="0" anchor="ctr"/>
+            <a:lstStyle/>
+            <a:p>
+              <a:pPr algn="ctr"/>
+              <a:r>
+                <a:rPr lang="en-US" dirty="0">
+                  <a:solidFill>
+                    <a:schemeClr val="tx1"/>
+                  </a:solidFill>
+                  <a:latin typeface="CMU Serif" panose="02000603000000000000" pitchFamily="2" charset="0"/>
+                  <a:ea typeface="CMU Serif" panose="02000603000000000000" pitchFamily="2" charset="0"/>
+                  <a:cs typeface="CMU Serif" panose="02000603000000000000" pitchFamily="2" charset="0"/>
+                </a:rPr>
+                <a:t>VM-</a:t>
+              </a:r>
+              <a:r>
+                <a:rPr lang="en-US" dirty="0" err="1">
+                  <a:solidFill>
+                    <a:schemeClr val="tx1"/>
+                  </a:solidFill>
+                  <a:latin typeface="CMU Serif" panose="02000603000000000000" pitchFamily="2" charset="0"/>
+                  <a:ea typeface="CMU Serif" panose="02000603000000000000" pitchFamily="2" charset="0"/>
+                  <a:cs typeface="CMU Serif" panose="02000603000000000000" pitchFamily="2" charset="0"/>
+                </a:rPr>
+                <a:t>Instanz</a:t>
+              </a:r>
+              <a:endParaRPr lang="de-AT" dirty="0">
+                <a:solidFill>
+                  <a:schemeClr val="tx1"/>
+                </a:solidFill>
+                <a:latin typeface="CMU Serif" panose="02000603000000000000" pitchFamily="2" charset="0"/>
+                <a:ea typeface="CMU Serif" panose="02000603000000000000" pitchFamily="2" charset="0"/>
+                <a:cs typeface="CMU Serif" panose="02000603000000000000" pitchFamily="2" charset="0"/>
+              </a:endParaRPr>
+            </a:p>
+          </p:txBody>
+        </p:sp>
+        <p:cxnSp>
+          <p:nvCxnSpPr>
+            <p:cNvPr id="31" name="Gerade Verbindung mit Pfeil 30"/>
+            <p:cNvCxnSpPr>
+              <a:stCxn id="23" idx="3"/>
+            </p:cNvCxnSpPr>
+            <p:nvPr/>
+          </p:nvCxnSpPr>
+          <p:spPr>
+            <a:xfrm>
+              <a:off x="5215525" y="2011982"/>
+              <a:ext cx="0" cy="3615158"/>
+            </a:xfrm>
+            <a:prstGeom prst="straightConnector1">
+              <a:avLst/>
+            </a:prstGeom>
+            <a:ln w="25400">
+              <a:solidFill>
+                <a:schemeClr val="tx1"/>
+              </a:solidFill>
+              <a:tailEnd type="none" w="lg" len="lg"/>
+            </a:ln>
+          </p:spPr>
+          <p:style>
+            <a:lnRef idx="1">
+              <a:schemeClr val="accent1"/>
+            </a:lnRef>
+            <a:fillRef idx="0">
+              <a:schemeClr val="accent1"/>
+            </a:fillRef>
+            <a:effectRef idx="0">
+              <a:schemeClr val="accent1"/>
+            </a:effectRef>
+            <a:fontRef idx="minor">
+              <a:schemeClr val="tx1"/>
+            </a:fontRef>
+          </p:style>
+        </p:cxnSp>
+        <p:sp>
+          <p:nvSpPr>
+            <p:cNvPr id="35" name="Textfeld 34"/>
+            <p:cNvSpPr txBox="1"/>
+            <p:nvPr/>
+          </p:nvSpPr>
+          <p:spPr>
+            <a:xfrm>
+              <a:off x="5248310" y="3318528"/>
+              <a:ext cx="892802" cy="615553"/>
+            </a:xfrm>
+            <a:prstGeom prst="rect">
+              <a:avLst/>
+            </a:prstGeom>
+            <a:noFill/>
+            <a:ln w="25400">
+              <a:noFill/>
+            </a:ln>
+          </p:spPr>
+          <p:txBody>
+            <a:bodyPr wrap="square" rtlCol="0" anchor="ctr">
+              <a:spAutoFit/>
+            </a:bodyPr>
+            <a:lstStyle/>
+            <a:p>
+              <a:pPr algn="ctr"/>
+              <a:r>
+                <a:rPr lang="en-US" dirty="0" err="1">
+                  <a:latin typeface="CMU Serif" panose="02000603000000000000"/>
+                </a:rPr>
+                <a:t>erzeugt</a:t>
+              </a:r>
+              <a:br>
+                <a:rPr lang="en-US" dirty="0">
+                  <a:latin typeface="CMU Serif" panose="02000603000000000000"/>
+                </a:rPr>
+              </a:br>
+              <a:r>
+                <a:rPr lang="en-US" sz="1600" dirty="0">
+                  <a:latin typeface="Lato Light" panose="020F0502020204030203" pitchFamily="34" charset="0"/>
+                  <a:ea typeface="Lato Light" panose="020F0502020204030203" pitchFamily="34" charset="0"/>
+                  <a:cs typeface="Lato Light" panose="020F0502020204030203" pitchFamily="34" charset="0"/>
+                </a:rPr>
+                <a:t>②</a:t>
+              </a:r>
+              <a:endParaRPr lang="de-AT" dirty="0">
+                <a:latin typeface="CMU Serif" panose="02000603000000000000"/>
+              </a:endParaRPr>
+            </a:p>
+          </p:txBody>
+        </p:sp>
+        <p:cxnSp>
+          <p:nvCxnSpPr>
+            <p:cNvPr id="50" name="Gerade Verbindung mit Pfeil 49"/>
+            <p:cNvCxnSpPr>
+              <a:stCxn id="2" idx="3"/>
+            </p:cNvCxnSpPr>
+            <p:nvPr/>
+          </p:nvCxnSpPr>
+          <p:spPr>
+            <a:xfrm>
+              <a:off x="3246913" y="5627141"/>
+              <a:ext cx="1968612" cy="0"/>
+            </a:xfrm>
+            <a:prstGeom prst="straightConnector1">
+              <a:avLst/>
+            </a:prstGeom>
+            <a:ln w="25400">
+              <a:solidFill>
+                <a:schemeClr val="tx1"/>
+              </a:solidFill>
+              <a:prstDash val="dash"/>
+              <a:tailEnd type="none" w="lg" len="lg"/>
+            </a:ln>
+          </p:spPr>
+          <p:style>
+            <a:lnRef idx="1">
+              <a:schemeClr val="accent1"/>
+            </a:lnRef>
+            <a:fillRef idx="0">
+              <a:schemeClr val="accent1"/>
+            </a:fillRef>
+            <a:effectRef idx="0">
+              <a:schemeClr val="accent1"/>
+            </a:effectRef>
+            <a:fontRef idx="minor">
+              <a:schemeClr val="tx1"/>
+            </a:fontRef>
+          </p:style>
+        </p:cxnSp>
+        <p:cxnSp>
+          <p:nvCxnSpPr>
+            <p:cNvPr id="53" name="Gerade Verbindung mit Pfeil 52"/>
+            <p:cNvCxnSpPr>
+              <a:stCxn id="23" idx="4"/>
+              <a:endCxn id="22" idx="2"/>
+            </p:cNvCxnSpPr>
+            <p:nvPr/>
+          </p:nvCxnSpPr>
+          <p:spPr>
+            <a:xfrm>
+              <a:off x="6211883" y="1647994"/>
+              <a:ext cx="1690791" cy="0"/>
+            </a:xfrm>
+            <a:prstGeom prst="straightConnector1">
+              <a:avLst/>
+            </a:prstGeom>
+            <a:ln w="25400">
+              <a:solidFill>
+                <a:schemeClr val="tx1"/>
+              </a:solidFill>
+              <a:tailEnd type="triangle" w="lg" len="lg"/>
+            </a:ln>
+          </p:spPr>
+          <p:style>
+            <a:lnRef idx="1">
+              <a:schemeClr val="accent1"/>
+            </a:lnRef>
+            <a:fillRef idx="0">
+              <a:schemeClr val="accent1"/>
+            </a:fillRef>
+            <a:effectRef idx="0">
+              <a:schemeClr val="accent1"/>
+            </a:effectRef>
+            <a:fontRef idx="minor">
+              <a:schemeClr val="tx1"/>
+            </a:fontRef>
+          </p:style>
+        </p:cxnSp>
+        <p:sp>
+          <p:nvSpPr>
+            <p:cNvPr id="57" name="Textfeld 56"/>
+            <p:cNvSpPr txBox="1"/>
+            <p:nvPr/>
+          </p:nvSpPr>
+          <p:spPr>
+            <a:xfrm>
+              <a:off x="6647258" y="1638252"/>
+              <a:ext cx="809897" cy="615553"/>
+            </a:xfrm>
+            <a:prstGeom prst="rect">
+              <a:avLst/>
+            </a:prstGeom>
+            <a:noFill/>
+            <a:ln w="25400">
+              <a:noFill/>
+            </a:ln>
+          </p:spPr>
+          <p:txBody>
+            <a:bodyPr wrap="square" rtlCol="0">
+              <a:spAutoFit/>
+            </a:bodyPr>
+            <a:lstStyle/>
+            <a:p>
+              <a:pPr algn="ctr"/>
+              <a:r>
+                <a:rPr lang="en-US" dirty="0" err="1">
+                  <a:latin typeface="CMU Serif" panose="02000603000000000000"/>
+                </a:rPr>
+                <a:t>startet</a:t>
+              </a:r>
+              <a:br>
+                <a:rPr lang="en-US" dirty="0">
+                  <a:latin typeface="CMU Serif" panose="02000603000000000000"/>
+                </a:rPr>
+              </a:br>
+              <a:r>
+                <a:rPr lang="en-US" sz="1600" dirty="0">
+                  <a:latin typeface="Lato Light" panose="020F0502020204030203" pitchFamily="34" charset="0"/>
+                  <a:ea typeface="Lato Light" panose="020F0502020204030203" pitchFamily="34" charset="0"/>
+                  <a:cs typeface="Lato Light" panose="020F0502020204030203" pitchFamily="34" charset="0"/>
+                </a:rPr>
+                <a:t>③</a:t>
+              </a:r>
+              <a:endParaRPr lang="de-AT" dirty="0">
+                <a:latin typeface="CMU Serif" panose="02000603000000000000"/>
+              </a:endParaRPr>
+            </a:p>
+          </p:txBody>
+        </p:sp>
+        <p:sp>
+          <p:nvSpPr>
+            <p:cNvPr id="58" name="Textfeld 57"/>
+            <p:cNvSpPr txBox="1"/>
+            <p:nvPr/>
+          </p:nvSpPr>
+          <p:spPr>
+            <a:xfrm>
+              <a:off x="3638990" y="5610328"/>
+              <a:ext cx="1192234" cy="615553"/>
+            </a:xfrm>
+            <a:prstGeom prst="rect">
+              <a:avLst/>
+            </a:prstGeom>
+            <a:noFill/>
+            <a:ln w="25400">
+              <a:noFill/>
+            </a:ln>
+          </p:spPr>
+          <p:txBody>
+            <a:bodyPr wrap="square" rtlCol="0" anchor="ctr">
+              <a:spAutoFit/>
+            </a:bodyPr>
+            <a:lstStyle/>
+            <a:p>
+              <a:pPr algn="ctr"/>
+              <a:r>
+                <a:rPr lang="en-US" dirty="0" err="1">
+                  <a:latin typeface="CMU Serif" panose="02000603000000000000"/>
+                </a:rPr>
+                <a:t>verwendet</a:t>
+              </a:r>
+              <a:br>
+                <a:rPr lang="en-US" dirty="0">
+                  <a:latin typeface="CMU Serif" panose="02000603000000000000"/>
+                </a:rPr>
+              </a:br>
+              <a:r>
+                <a:rPr lang="en-US" sz="1600" dirty="0">
+                  <a:latin typeface="Lato Light" panose="020F0502020204030203" pitchFamily="34" charset="0"/>
+                  <a:ea typeface="Lato Light" panose="020F0502020204030203" pitchFamily="34" charset="0"/>
+                  <a:cs typeface="Lato Light" panose="020F0502020204030203" pitchFamily="34" charset="0"/>
+                </a:rPr>
+                <a:t>①</a:t>
+              </a:r>
+              <a:endParaRPr lang="de-AT" dirty="0">
+                <a:latin typeface="CMU Serif" panose="02000603000000000000"/>
+              </a:endParaRPr>
+            </a:p>
+          </p:txBody>
+        </p:sp>
+        <p:cxnSp>
+          <p:nvCxnSpPr>
+            <p:cNvPr id="66" name="Gerade Verbindung mit Pfeil 65"/>
+            <p:cNvCxnSpPr>
+              <a:stCxn id="22" idx="3"/>
+              <a:endCxn id="30" idx="0"/>
+            </p:cNvCxnSpPr>
+            <p:nvPr/>
+          </p:nvCxnSpPr>
+          <p:spPr>
+            <a:xfrm flipH="1">
+              <a:off x="8888887" y="2011982"/>
+              <a:ext cx="10145" cy="2982427"/>
+            </a:xfrm>
+            <a:prstGeom prst="straightConnector1">
+              <a:avLst/>
+            </a:prstGeom>
+            <a:ln w="25400">
+              <a:solidFill>
+                <a:schemeClr val="tx1"/>
+              </a:solidFill>
+              <a:tailEnd type="triangle" w="lg" len="lg"/>
+            </a:ln>
+          </p:spPr>
+          <p:style>
+            <a:lnRef idx="1">
+              <a:schemeClr val="accent1"/>
+            </a:lnRef>
+            <a:fillRef idx="0">
+              <a:schemeClr val="accent1"/>
+            </a:fillRef>
+            <a:effectRef idx="0">
+              <a:schemeClr val="accent1"/>
+            </a:effectRef>
+            <a:fontRef idx="minor">
+              <a:schemeClr val="tx1"/>
+            </a:fontRef>
+          </p:style>
+        </p:cxnSp>
+        <p:cxnSp>
+          <p:nvCxnSpPr>
+            <p:cNvPr id="71" name="Gerade Verbindung mit Pfeil 70"/>
+            <p:cNvCxnSpPr>
+              <a:endCxn id="29" idx="1"/>
+            </p:cNvCxnSpPr>
+            <p:nvPr/>
+          </p:nvCxnSpPr>
+          <p:spPr>
+            <a:xfrm>
+              <a:off x="8888887" y="3503196"/>
+              <a:ext cx="667550" cy="0"/>
+            </a:xfrm>
+            <a:prstGeom prst="straightConnector1">
+              <a:avLst/>
+            </a:prstGeom>
+            <a:ln w="25400">
+              <a:solidFill>
+                <a:schemeClr val="tx1"/>
+              </a:solidFill>
+              <a:prstDash val="dash"/>
+              <a:tailEnd type="none" w="lg" len="lg"/>
+            </a:ln>
+          </p:spPr>
+          <p:style>
+            <a:lnRef idx="1">
+              <a:schemeClr val="accent1"/>
+            </a:lnRef>
+            <a:fillRef idx="0">
+              <a:schemeClr val="accent1"/>
+            </a:fillRef>
+            <a:effectRef idx="0">
+              <a:schemeClr val="accent1"/>
+            </a:effectRef>
+            <a:fontRef idx="minor">
+              <a:schemeClr val="tx1"/>
+            </a:fontRef>
+          </p:style>
+        </p:cxnSp>
+        <p:sp>
+          <p:nvSpPr>
+            <p:cNvPr id="75" name="Textfeld 74"/>
+            <p:cNvSpPr txBox="1"/>
+            <p:nvPr/>
+          </p:nvSpPr>
+          <p:spPr>
+            <a:xfrm>
+              <a:off x="7507662" y="3318528"/>
+              <a:ext cx="1381225" cy="615553"/>
+            </a:xfrm>
+            <a:prstGeom prst="rect">
+              <a:avLst/>
+            </a:prstGeom>
+            <a:noFill/>
+            <a:ln w="25400">
+              <a:noFill/>
+            </a:ln>
+          </p:spPr>
+          <p:txBody>
+            <a:bodyPr wrap="square" rtlCol="0" anchor="ctr">
+              <a:spAutoFit/>
+            </a:bodyPr>
+            <a:lstStyle/>
+            <a:p>
+              <a:pPr algn="ctr"/>
+              <a:r>
+                <a:rPr lang="en-US" dirty="0" err="1">
+                  <a:latin typeface="CMU Serif" panose="02000603000000000000"/>
+                </a:rPr>
+                <a:t>konfiguriert</a:t>
+              </a:r>
+              <a:br>
+                <a:rPr lang="en-US" dirty="0">
+                  <a:latin typeface="CMU Serif" panose="02000603000000000000"/>
+                </a:rPr>
+              </a:br>
+              <a:r>
+                <a:rPr lang="en-US" sz="1600" dirty="0">
+                  <a:latin typeface="Lato Light" panose="020F0502020204030203" pitchFamily="34" charset="0"/>
+                  <a:ea typeface="Lato Light" panose="020F0502020204030203" pitchFamily="34" charset="0"/>
+                  <a:cs typeface="Lato Light" panose="020F0502020204030203" pitchFamily="34" charset="0"/>
+                </a:rPr>
+                <a:t>④</a:t>
+              </a:r>
+              <a:endParaRPr lang="de-AT" dirty="0">
+                <a:latin typeface="CMU Serif" panose="02000603000000000000"/>
+              </a:endParaRPr>
+            </a:p>
+          </p:txBody>
+        </p:sp>
+      </p:grpSp>
+    </p:spTree>
+    <p:extLst>
+      <p:ext uri="{BB962C8B-B14F-4D97-AF65-F5344CB8AC3E}">
+        <p14:creationId xmlns:p14="http://schemas.microsoft.com/office/powerpoint/2010/main" val="3527793828"/>
+      </p:ext>
+    </p:extLst>
+  </p:cSld>
+  <p:clrMapOvr>
+    <a:masterClrMapping/>
+  </p:clrMapOvr>
+</p:sld>
+</file>
+
 <file path=ppt/theme/theme1.xml><?xml version="1.0" encoding="utf-8"?>
 <a:theme xmlns:a="http://schemas.openxmlformats.org/drawingml/2006/main" name="Office">
   <a:themeElements>

--- a/images/graphics.pptx
+++ b/images/graphics.pptx
@@ -5156,7 +5156,7 @@
           <a:p>
             <a:pPr algn="ctr"/>
             <a:r>
-              <a:rPr lang="en-US" sz="1600">
+              <a:rPr lang="en-US" sz="1600" dirty="0">
                 <a:latin typeface="Lato Light" panose="020F0502020204030203" pitchFamily="34" charset="0"/>
                 <a:ea typeface="Lato Light" panose="020F0502020204030203" pitchFamily="34" charset="0"/>
                 <a:cs typeface="Lato Light" panose="020F0502020204030203" pitchFamily="34" charset="0"/>
@@ -5171,16 +5171,16 @@
       </p:sp>
       <p:grpSp>
         <p:nvGrpSpPr>
-          <p:cNvPr id="76" name="Gruppieren 75"/>
+          <p:cNvPr id="55" name="Gruppieren 54"/>
           <p:cNvGrpSpPr/>
           <p:nvPr/>
         </p:nvGrpSpPr>
         <p:grpSpPr>
           <a:xfrm>
-            <a:off x="475616" y="883475"/>
-            <a:ext cx="11240768" cy="5091050"/>
-            <a:chOff x="229236" y="1168822"/>
-            <a:chExt cx="11240768" cy="5091050"/>
+            <a:off x="362016" y="390109"/>
+            <a:ext cx="11467969" cy="6077783"/>
+            <a:chOff x="316590" y="324675"/>
+            <a:chExt cx="11467969" cy="6077783"/>
           </a:xfrm>
         </p:grpSpPr>
         <p:sp>
@@ -5191,7 +5191,7 @@
           </p:nvSpPr>
           <p:spPr>
             <a:xfrm>
-              <a:off x="1483427" y="4994409"/>
+              <a:off x="1570781" y="3332981"/>
               <a:ext cx="1763486" cy="1265463"/>
             </a:xfrm>
             <a:prstGeom prst="flowChartDocument">
@@ -5269,7 +5269,7 @@
           </p:nvSpPr>
           <p:spPr>
             <a:xfrm>
-              <a:off x="1361744" y="1168822"/>
+              <a:off x="1449098" y="324675"/>
               <a:ext cx="2107900" cy="843160"/>
             </a:xfrm>
             <a:prstGeom prst="cube">
@@ -5335,7 +5335,7 @@
           </p:nvSpPr>
           <p:spPr>
             <a:xfrm>
-              <a:off x="7902674" y="1168822"/>
+              <a:off x="7773407" y="324675"/>
               <a:ext cx="2107900" cy="843160"/>
             </a:xfrm>
             <a:prstGeom prst="cube">
@@ -5401,7 +5401,7 @@
           </p:nvSpPr>
           <p:spPr>
             <a:xfrm>
-              <a:off x="4219167" y="1168822"/>
+              <a:off x="4216010" y="324675"/>
               <a:ext cx="2107900" cy="843160"/>
             </a:xfrm>
             <a:prstGeom prst="cube">
@@ -5470,8 +5470,8 @@
           </p:nvCxnSpPr>
           <p:spPr>
             <a:xfrm>
-              <a:off x="2358102" y="2011982"/>
-              <a:ext cx="7068" cy="2982427"/>
+              <a:off x="2445456" y="1167835"/>
+              <a:ext cx="7068" cy="2165146"/>
             </a:xfrm>
             <a:prstGeom prst="straightConnector1">
               <a:avLst/>
@@ -5506,7 +5506,7 @@
           </p:nvSpPr>
           <p:spPr>
             <a:xfrm>
-              <a:off x="2358103" y="3318529"/>
+              <a:off x="2445457" y="1942631"/>
               <a:ext cx="881742" cy="615553"/>
             </a:xfrm>
             <a:prstGeom prst="rect">
@@ -5557,7 +5557,7 @@
           </p:nvSpPr>
           <p:spPr>
             <a:xfrm>
-              <a:off x="229236" y="3763001"/>
+              <a:off x="316590" y="2101573"/>
               <a:ext cx="1792114" cy="679269"/>
             </a:xfrm>
             <a:prstGeom prst="borderCallout1">
@@ -5628,57 +5628,18 @@
             </a:p>
           </p:txBody>
         </p:sp>
-        <p:cxnSp>
-          <p:nvCxnSpPr>
-            <p:cNvPr id="25" name="Gerade Verbindung mit Pfeil 24"/>
-            <p:cNvCxnSpPr>
-              <a:endCxn id="30" idx="1"/>
-            </p:cNvCxnSpPr>
-            <p:nvPr/>
-          </p:nvCxnSpPr>
-          <p:spPr>
-            <a:xfrm>
-              <a:off x="5075493" y="5627141"/>
-              <a:ext cx="2931651" cy="0"/>
-            </a:xfrm>
-            <a:prstGeom prst="straightConnector1">
-              <a:avLst/>
-            </a:prstGeom>
-            <a:ln w="25400">
-              <a:solidFill>
-                <a:schemeClr val="tx1"/>
-              </a:solidFill>
-              <a:prstDash val="solid"/>
-              <a:tailEnd type="triangle" w="lg" len="lg"/>
-            </a:ln>
-          </p:spPr>
-          <p:style>
-            <a:lnRef idx="1">
-              <a:schemeClr val="accent1"/>
-            </a:lnRef>
-            <a:fillRef idx="0">
-              <a:schemeClr val="accent1"/>
-            </a:fillRef>
-            <a:effectRef idx="0">
-              <a:schemeClr val="accent1"/>
-            </a:effectRef>
-            <a:fontRef idx="minor">
-              <a:schemeClr val="tx1"/>
-            </a:fontRef>
-          </p:style>
-        </p:cxnSp>
         <p:sp>
           <p:nvSpPr>
-            <p:cNvPr id="29" name="Flussdiagramm: Mehrere Dokumente 28"/>
+            <p:cNvPr id="29" name="Flussdiagramm: Dokument 28"/>
             <p:cNvSpPr/>
             <p:nvPr/>
           </p:nvSpPr>
           <p:spPr>
             <a:xfrm>
-              <a:off x="9556437" y="2733321"/>
-              <a:ext cx="1913567" cy="1539749"/>
+              <a:off x="10233576" y="1667868"/>
+              <a:ext cx="1550983" cy="756000"/>
             </a:xfrm>
-            <a:prstGeom prst="flowChartMultidocument">
+            <a:prstGeom prst="flowChartDocument">
               <a:avLst/>
             </a:prstGeom>
             <a:solidFill>
@@ -5719,34 +5680,7 @@
                   </a:solidFill>
                   <a:latin typeface="CMU Serif" panose="02000603000000000000"/>
                 </a:rPr>
-                <a:t>Services, </a:t>
-              </a:r>
-              <a:r>
-                <a:rPr lang="en-US" sz="1400" dirty="0" err="1">
-                  <a:solidFill>
-                    <a:schemeClr val="tx1"/>
-                  </a:solidFill>
-                  <a:latin typeface="CMU Serif" panose="02000603000000000000"/>
-                </a:rPr>
-                <a:t>Webhooks</a:t>
-              </a:r>
-              <a:r>
-                <a:rPr lang="en-US" sz="1400" dirty="0">
-                  <a:solidFill>
-                    <a:schemeClr val="tx1"/>
-                  </a:solidFill>
-                  <a:latin typeface="CMU Serif" panose="02000603000000000000"/>
-                </a:rPr>
-                <a:t>, Deployment-</a:t>
-              </a:r>
-              <a:r>
-                <a:rPr lang="en-US" sz="1400" dirty="0" err="1">
-                  <a:solidFill>
-                    <a:schemeClr val="tx1"/>
-                  </a:solidFill>
-                  <a:latin typeface="CMU Serif" panose="02000603000000000000"/>
-                </a:rPr>
-                <a:t>Skripte</a:t>
+                <a:t>Services</a:t>
               </a:r>
               <a:endParaRPr lang="de-AT" sz="1400" dirty="0">
                 <a:solidFill>
@@ -5765,7 +5699,7 @@
           </p:nvSpPr>
           <p:spPr>
             <a:xfrm>
-              <a:off x="8007144" y="4994409"/>
+              <a:off x="4635425" y="5136995"/>
               <a:ext cx="1763486" cy="1265463"/>
             </a:xfrm>
             <a:prstGeom prst="flowChartDocument">
@@ -5845,8 +5779,8 @@
           </p:nvCxnSpPr>
           <p:spPr>
             <a:xfrm>
-              <a:off x="5215525" y="2011982"/>
-              <a:ext cx="0" cy="3615158"/>
+              <a:off x="5212368" y="1167835"/>
+              <a:ext cx="0" cy="3969160"/>
             </a:xfrm>
             <a:prstGeom prst="straightConnector1">
               <a:avLst/>
@@ -5855,7 +5789,7 @@
               <a:solidFill>
                 <a:schemeClr val="tx1"/>
               </a:solidFill>
-              <a:tailEnd type="none" w="lg" len="lg"/>
+              <a:tailEnd type="triangle" w="lg" len="lg"/>
             </a:ln>
           </p:spPr>
           <p:style>
@@ -5881,7 +5815,7 @@
           </p:nvSpPr>
           <p:spPr>
             <a:xfrm>
-              <a:off x="5248310" y="3318528"/>
+              <a:off x="5245153" y="2844638"/>
               <a:ext cx="892802" cy="615553"/>
             </a:xfrm>
             <a:prstGeom prst="rect">
@@ -5916,7 +5850,7 @@
                   <a:ea typeface="Lato Light" panose="020F0502020204030203" pitchFamily="34" charset="0"/>
                   <a:cs typeface="Lato Light" panose="020F0502020204030203" pitchFamily="34" charset="0"/>
                 </a:rPr>
-                <a:t>②</a:t>
+                <a:t>①</a:t>
               </a:r>
               <a:endParaRPr lang="de-AT" dirty="0">
                 <a:latin typeface="CMU Serif" panose="02000603000000000000"/>
@@ -5934,8 +5868,8 @@
           </p:nvCxnSpPr>
           <p:spPr>
             <a:xfrm>
-              <a:off x="3246913" y="5627141"/>
-              <a:ext cx="1968612" cy="0"/>
+              <a:off x="3334267" y="3965713"/>
+              <a:ext cx="1878101" cy="0"/>
             </a:xfrm>
             <a:prstGeom prst="straightConnector1">
               <a:avLst/>
@@ -5974,8 +5908,8 @@
           </p:nvCxnSpPr>
           <p:spPr>
             <a:xfrm>
-              <a:off x="6211883" y="1647994"/>
-              <a:ext cx="1690791" cy="0"/>
+              <a:off x="6208726" y="803847"/>
+              <a:ext cx="1564681" cy="0"/>
             </a:xfrm>
             <a:prstGeom prst="straightConnector1">
               <a:avLst/>
@@ -6010,7 +5944,7 @@
           </p:nvSpPr>
           <p:spPr>
             <a:xfrm>
-              <a:off x="6647258" y="1638252"/>
+              <a:off x="6644101" y="794105"/>
               <a:ext cx="809897" cy="615553"/>
             </a:xfrm>
             <a:prstGeom prst="rect">
@@ -6045,7 +5979,7 @@
                   <a:ea typeface="Lato Light" panose="020F0502020204030203" pitchFamily="34" charset="0"/>
                   <a:cs typeface="Lato Light" panose="020F0502020204030203" pitchFamily="34" charset="0"/>
                 </a:rPr>
-                <a:t>③</a:t>
+                <a:t>②</a:t>
               </a:r>
               <a:endParaRPr lang="de-AT" dirty="0">
                 <a:latin typeface="CMU Serif" panose="02000603000000000000"/>
@@ -6053,96 +5987,6 @@
             </a:p>
           </p:txBody>
         </p:sp>
-        <p:sp>
-          <p:nvSpPr>
-            <p:cNvPr id="58" name="Textfeld 57"/>
-            <p:cNvSpPr txBox="1"/>
-            <p:nvPr/>
-          </p:nvSpPr>
-          <p:spPr>
-            <a:xfrm>
-              <a:off x="3638990" y="5610328"/>
-              <a:ext cx="1192234" cy="615553"/>
-            </a:xfrm>
-            <a:prstGeom prst="rect">
-              <a:avLst/>
-            </a:prstGeom>
-            <a:noFill/>
-            <a:ln w="25400">
-              <a:noFill/>
-            </a:ln>
-          </p:spPr>
-          <p:txBody>
-            <a:bodyPr wrap="square" rtlCol="0" anchor="ctr">
-              <a:spAutoFit/>
-            </a:bodyPr>
-            <a:lstStyle/>
-            <a:p>
-              <a:pPr algn="ctr"/>
-              <a:r>
-                <a:rPr lang="en-US" dirty="0" err="1">
-                  <a:latin typeface="CMU Serif" panose="02000603000000000000"/>
-                </a:rPr>
-                <a:t>verwendet</a:t>
-              </a:r>
-              <a:br>
-                <a:rPr lang="en-US" dirty="0">
-                  <a:latin typeface="CMU Serif" panose="02000603000000000000"/>
-                </a:rPr>
-              </a:br>
-              <a:r>
-                <a:rPr lang="en-US" sz="1600" dirty="0">
-                  <a:latin typeface="Lato Light" panose="020F0502020204030203" pitchFamily="34" charset="0"/>
-                  <a:ea typeface="Lato Light" panose="020F0502020204030203" pitchFamily="34" charset="0"/>
-                  <a:cs typeface="Lato Light" panose="020F0502020204030203" pitchFamily="34" charset="0"/>
-                </a:rPr>
-                <a:t>①</a:t>
-              </a:r>
-              <a:endParaRPr lang="de-AT" dirty="0">
-                <a:latin typeface="CMU Serif" panose="02000603000000000000"/>
-              </a:endParaRPr>
-            </a:p>
-          </p:txBody>
-        </p:sp>
-        <p:cxnSp>
-          <p:nvCxnSpPr>
-            <p:cNvPr id="66" name="Gerade Verbindung mit Pfeil 65"/>
-            <p:cNvCxnSpPr>
-              <a:stCxn id="22" idx="3"/>
-              <a:endCxn id="30" idx="0"/>
-            </p:cNvCxnSpPr>
-            <p:nvPr/>
-          </p:nvCxnSpPr>
-          <p:spPr>
-            <a:xfrm flipH="1">
-              <a:off x="8888887" y="2011982"/>
-              <a:ext cx="10145" cy="2982427"/>
-            </a:xfrm>
-            <a:prstGeom prst="straightConnector1">
-              <a:avLst/>
-            </a:prstGeom>
-            <a:ln w="25400">
-              <a:solidFill>
-                <a:schemeClr val="tx1"/>
-              </a:solidFill>
-              <a:tailEnd type="triangle" w="lg" len="lg"/>
-            </a:ln>
-          </p:spPr>
-          <p:style>
-            <a:lnRef idx="1">
-              <a:schemeClr val="accent1"/>
-            </a:lnRef>
-            <a:fillRef idx="0">
-              <a:schemeClr val="accent1"/>
-            </a:fillRef>
-            <a:effectRef idx="0">
-              <a:schemeClr val="accent1"/>
-            </a:effectRef>
-            <a:fontRef idx="minor">
-              <a:schemeClr val="tx1"/>
-            </a:fontRef>
-          </p:style>
-        </p:cxnSp>
         <p:cxnSp>
           <p:nvCxnSpPr>
             <p:cNvPr id="71" name="Gerade Verbindung mit Pfeil 70"/>
@@ -6153,8 +5997,8 @@
           </p:nvCxnSpPr>
           <p:spPr>
             <a:xfrm>
-              <a:off x="8888887" y="3503196"/>
-              <a:ext cx="667550" cy="0"/>
+              <a:off x="8769766" y="2045868"/>
+              <a:ext cx="1463810" cy="0"/>
             </a:xfrm>
             <a:prstGeom prst="straightConnector1">
               <a:avLst/>
@@ -6164,6 +6008,7 @@
                 <a:schemeClr val="tx1"/>
               </a:solidFill>
               <a:prstDash val="dash"/>
+              <a:headEnd type="none" w="lg" len="lg"/>
               <a:tailEnd type="none" w="lg" len="lg"/>
             </a:ln>
           </p:spPr>
@@ -6190,7 +6035,7 @@
           </p:nvSpPr>
           <p:spPr>
             <a:xfrm>
-              <a:off x="7507662" y="3318528"/>
+              <a:off x="7378395" y="2844637"/>
               <a:ext cx="1381225" cy="615553"/>
             </a:xfrm>
             <a:prstGeom prst="rect">
@@ -6225,7 +6070,426 @@
                   <a:ea typeface="Lato Light" panose="020F0502020204030203" pitchFamily="34" charset="0"/>
                   <a:cs typeface="Lato Light" panose="020F0502020204030203" pitchFamily="34" charset="0"/>
                 </a:rPr>
-                <a:t>④</a:t>
+                <a:t>③</a:t>
+              </a:r>
+              <a:endParaRPr lang="de-AT" dirty="0">
+                <a:latin typeface="CMU Serif" panose="02000603000000000000"/>
+              </a:endParaRPr>
+            </a:p>
+          </p:txBody>
+        </p:sp>
+        <p:sp>
+          <p:nvSpPr>
+            <p:cNvPr id="32" name="Flussdiagramm: Dokument 31"/>
+            <p:cNvSpPr/>
+            <p:nvPr/>
+          </p:nvSpPr>
+          <p:spPr>
+            <a:xfrm>
+              <a:off x="10233576" y="2639699"/>
+              <a:ext cx="1550983" cy="756000"/>
+            </a:xfrm>
+            <a:prstGeom prst="flowChartDocument">
+              <a:avLst/>
+            </a:prstGeom>
+            <a:solidFill>
+              <a:schemeClr val="accent3">
+                <a:lumMod val="40000"/>
+                <a:lumOff val="60000"/>
+              </a:schemeClr>
+            </a:solidFill>
+            <a:ln>
+              <a:noFill/>
+            </a:ln>
+          </p:spPr>
+          <p:style>
+            <a:lnRef idx="2">
+              <a:schemeClr val="accent1">
+                <a:shade val="50000"/>
+              </a:schemeClr>
+            </a:lnRef>
+            <a:fillRef idx="1">
+              <a:schemeClr val="accent1"/>
+            </a:fillRef>
+            <a:effectRef idx="0">
+              <a:schemeClr val="accent1"/>
+            </a:effectRef>
+            <a:fontRef idx="minor">
+              <a:schemeClr val="lt1"/>
+            </a:fontRef>
+          </p:style>
+          <p:txBody>
+            <a:bodyPr rtlCol="0" anchor="ctr"/>
+            <a:lstStyle/>
+            <a:p>
+              <a:pPr algn="ctr"/>
+              <a:r>
+                <a:rPr lang="en-US" sz="1400" dirty="0" err="1">
+                  <a:solidFill>
+                    <a:schemeClr val="tx1"/>
+                  </a:solidFill>
+                  <a:latin typeface="CMU Serif" panose="02000603000000000000"/>
+                </a:rPr>
+                <a:t>Webhooks</a:t>
+              </a:r>
+              <a:endParaRPr lang="de-AT" sz="1400" dirty="0">
+                <a:solidFill>
+                  <a:schemeClr val="tx1"/>
+                </a:solidFill>
+                <a:latin typeface="CMU Serif" panose="02000603000000000000"/>
+              </a:endParaRPr>
+            </a:p>
+          </p:txBody>
+        </p:sp>
+        <p:sp>
+          <p:nvSpPr>
+            <p:cNvPr id="33" name="Flussdiagramm: Dokument 32"/>
+            <p:cNvSpPr/>
+            <p:nvPr/>
+          </p:nvSpPr>
+          <p:spPr>
+            <a:xfrm>
+              <a:off x="10233576" y="3611530"/>
+              <a:ext cx="1550983" cy="756000"/>
+            </a:xfrm>
+            <a:prstGeom prst="flowChartDocument">
+              <a:avLst/>
+            </a:prstGeom>
+            <a:solidFill>
+              <a:schemeClr val="accent3">
+                <a:lumMod val="40000"/>
+                <a:lumOff val="60000"/>
+              </a:schemeClr>
+            </a:solidFill>
+            <a:ln>
+              <a:noFill/>
+            </a:ln>
+          </p:spPr>
+          <p:style>
+            <a:lnRef idx="2">
+              <a:schemeClr val="accent1">
+                <a:shade val="50000"/>
+              </a:schemeClr>
+            </a:lnRef>
+            <a:fillRef idx="1">
+              <a:schemeClr val="accent1"/>
+            </a:fillRef>
+            <a:effectRef idx="0">
+              <a:schemeClr val="accent1"/>
+            </a:effectRef>
+            <a:fontRef idx="minor">
+              <a:schemeClr val="lt1"/>
+            </a:fontRef>
+          </p:style>
+          <p:txBody>
+            <a:bodyPr rtlCol="0" anchor="ctr"/>
+            <a:lstStyle/>
+            <a:p>
+              <a:pPr algn="ctr"/>
+              <a:r>
+                <a:rPr lang="en-US" sz="1400" dirty="0">
+                  <a:solidFill>
+                    <a:schemeClr val="tx1"/>
+                  </a:solidFill>
+                  <a:latin typeface="CMU Serif" panose="02000603000000000000"/>
+                </a:rPr>
+                <a:t>Deployment-</a:t>
+              </a:r>
+              <a:r>
+                <a:rPr lang="en-US" sz="1400" dirty="0" err="1">
+                  <a:solidFill>
+                    <a:schemeClr val="tx1"/>
+                  </a:solidFill>
+                  <a:latin typeface="CMU Serif" panose="02000603000000000000"/>
+                </a:rPr>
+                <a:t>Skripte</a:t>
+              </a:r>
+              <a:endParaRPr lang="de-AT" sz="1400" dirty="0">
+                <a:solidFill>
+                  <a:schemeClr val="tx1"/>
+                </a:solidFill>
+                <a:latin typeface="CMU Serif" panose="02000603000000000000"/>
+              </a:endParaRPr>
+            </a:p>
+          </p:txBody>
+        </p:sp>
+        <p:cxnSp>
+          <p:nvCxnSpPr>
+            <p:cNvPr id="12" name="Gewinkelter Verbinder 11"/>
+            <p:cNvCxnSpPr>
+              <a:stCxn id="22" idx="3"/>
+            </p:cNvCxnSpPr>
+            <p:nvPr/>
+          </p:nvCxnSpPr>
+          <p:spPr>
+            <a:xfrm rot="5400000">
+              <a:off x="5294959" y="1662189"/>
+              <a:ext cx="3969160" cy="2980453"/>
+            </a:xfrm>
+            <a:prstGeom prst="bentConnector3">
+              <a:avLst>
+                <a:gd name="adj1" fmla="val 90977"/>
+              </a:avLst>
+            </a:prstGeom>
+            <a:ln w="25400">
+              <a:solidFill>
+                <a:schemeClr val="tx1"/>
+              </a:solidFill>
+              <a:tailEnd type="triangle" w="lg" len="lg"/>
+            </a:ln>
+          </p:spPr>
+          <p:style>
+            <a:lnRef idx="1">
+              <a:schemeClr val="accent1"/>
+            </a:lnRef>
+            <a:fillRef idx="0">
+              <a:schemeClr val="accent1"/>
+            </a:fillRef>
+            <a:effectRef idx="0">
+              <a:schemeClr val="accent1"/>
+            </a:effectRef>
+            <a:fontRef idx="minor">
+              <a:schemeClr val="tx1"/>
+            </a:fontRef>
+          </p:style>
+        </p:cxnSp>
+        <p:cxnSp>
+          <p:nvCxnSpPr>
+            <p:cNvPr id="41" name="Gerade Verbindung mit Pfeil 40"/>
+            <p:cNvCxnSpPr>
+              <a:endCxn id="32" idx="1"/>
+            </p:cNvCxnSpPr>
+            <p:nvPr/>
+          </p:nvCxnSpPr>
+          <p:spPr>
+            <a:xfrm>
+              <a:off x="8769766" y="3011488"/>
+              <a:ext cx="1463810" cy="6211"/>
+            </a:xfrm>
+            <a:prstGeom prst="straightConnector1">
+              <a:avLst/>
+            </a:prstGeom>
+            <a:ln w="25400">
+              <a:solidFill>
+                <a:schemeClr val="tx1"/>
+              </a:solidFill>
+              <a:prstDash val="dash"/>
+              <a:headEnd type="none" w="lg" len="lg"/>
+              <a:tailEnd type="none" w="lg" len="lg"/>
+            </a:ln>
+          </p:spPr>
+          <p:style>
+            <a:lnRef idx="1">
+              <a:schemeClr val="accent1"/>
+            </a:lnRef>
+            <a:fillRef idx="0">
+              <a:schemeClr val="accent1"/>
+            </a:fillRef>
+            <a:effectRef idx="0">
+              <a:schemeClr val="accent1"/>
+            </a:effectRef>
+            <a:fontRef idx="minor">
+              <a:schemeClr val="tx1"/>
+            </a:fontRef>
+          </p:style>
+        </p:cxnSp>
+        <p:cxnSp>
+          <p:nvCxnSpPr>
+            <p:cNvPr id="42" name="Gerade Verbindung mit Pfeil 41"/>
+            <p:cNvCxnSpPr>
+              <a:endCxn id="33" idx="1"/>
+            </p:cNvCxnSpPr>
+            <p:nvPr/>
+          </p:nvCxnSpPr>
+          <p:spPr>
+            <a:xfrm>
+              <a:off x="8769766" y="3989530"/>
+              <a:ext cx="1463810" cy="0"/>
+            </a:xfrm>
+            <a:prstGeom prst="straightConnector1">
+              <a:avLst/>
+            </a:prstGeom>
+            <a:ln w="25400">
+              <a:solidFill>
+                <a:schemeClr val="tx1"/>
+              </a:solidFill>
+              <a:prstDash val="dash"/>
+              <a:headEnd type="none" w="lg" len="lg"/>
+              <a:tailEnd type="none" w="lg" len="lg"/>
+            </a:ln>
+          </p:spPr>
+          <p:style>
+            <a:lnRef idx="1">
+              <a:schemeClr val="accent1"/>
+            </a:lnRef>
+            <a:fillRef idx="0">
+              <a:schemeClr val="accent1"/>
+            </a:fillRef>
+            <a:effectRef idx="0">
+              <a:schemeClr val="accent1"/>
+            </a:effectRef>
+            <a:fontRef idx="minor">
+              <a:schemeClr val="tx1"/>
+            </a:fontRef>
+          </p:style>
+        </p:cxnSp>
+        <p:sp>
+          <p:nvSpPr>
+            <p:cNvPr id="62" name="Textfeld 61"/>
+            <p:cNvSpPr txBox="1"/>
+            <p:nvPr/>
+          </p:nvSpPr>
+          <p:spPr>
+            <a:xfrm>
+              <a:off x="3522268" y="3965712"/>
+              <a:ext cx="1495032" cy="369332"/>
+            </a:xfrm>
+            <a:prstGeom prst="rect">
+              <a:avLst/>
+            </a:prstGeom>
+            <a:noFill/>
+            <a:ln w="25400">
+              <a:noFill/>
+            </a:ln>
+          </p:spPr>
+          <p:txBody>
+            <a:bodyPr wrap="square" rtlCol="0" anchor="ctr">
+              <a:spAutoFit/>
+            </a:bodyPr>
+            <a:lstStyle/>
+            <a:p>
+              <a:pPr algn="ctr"/>
+              <a:r>
+                <a:rPr lang="en-US" dirty="0" err="1">
+                  <a:latin typeface="CMU Serif" panose="02000603000000000000"/>
+                </a:rPr>
+                <a:t>verwendet</a:t>
+              </a:r>
+              <a:endParaRPr lang="de-AT" dirty="0">
+                <a:latin typeface="CMU Serif" panose="02000603000000000000"/>
+              </a:endParaRPr>
+            </a:p>
+          </p:txBody>
+        </p:sp>
+        <p:sp>
+          <p:nvSpPr>
+            <p:cNvPr id="64" name="Textfeld 63"/>
+            <p:cNvSpPr txBox="1"/>
+            <p:nvPr/>
+          </p:nvSpPr>
+          <p:spPr>
+            <a:xfrm>
+              <a:off x="8815596" y="2039657"/>
+              <a:ext cx="1495032" cy="369332"/>
+            </a:xfrm>
+            <a:prstGeom prst="rect">
+              <a:avLst/>
+            </a:prstGeom>
+            <a:noFill/>
+            <a:ln w="25400">
+              <a:noFill/>
+            </a:ln>
+          </p:spPr>
+          <p:txBody>
+            <a:bodyPr wrap="square" rtlCol="0" anchor="ctr">
+              <a:spAutoFit/>
+            </a:bodyPr>
+            <a:lstStyle/>
+            <a:p>
+              <a:pPr algn="ctr"/>
+              <a:r>
+                <a:rPr lang="en-US" dirty="0" err="1">
+                  <a:latin typeface="CMU Serif" panose="02000603000000000000"/>
+                </a:rPr>
+                <a:t>startet</a:t>
+              </a:r>
+              <a:endParaRPr lang="de-AT" dirty="0">
+                <a:latin typeface="CMU Serif" panose="02000603000000000000"/>
+              </a:endParaRPr>
+            </a:p>
+          </p:txBody>
+        </p:sp>
+        <p:sp>
+          <p:nvSpPr>
+            <p:cNvPr id="67" name="Textfeld 66"/>
+            <p:cNvSpPr txBox="1"/>
+            <p:nvPr/>
+          </p:nvSpPr>
+          <p:spPr>
+            <a:xfrm>
+              <a:off x="8813869" y="3018185"/>
+              <a:ext cx="1495032" cy="369332"/>
+            </a:xfrm>
+            <a:prstGeom prst="rect">
+              <a:avLst/>
+            </a:prstGeom>
+            <a:noFill/>
+            <a:ln w="25400">
+              <a:noFill/>
+            </a:ln>
+          </p:spPr>
+          <p:txBody>
+            <a:bodyPr wrap="square" rtlCol="0" anchor="ctr">
+              <a:spAutoFit/>
+            </a:bodyPr>
+            <a:lstStyle/>
+            <a:p>
+              <a:pPr algn="ctr"/>
+              <a:r>
+                <a:rPr lang="en-US" dirty="0" err="1">
+                  <a:latin typeface="CMU Serif" panose="02000603000000000000"/>
+                </a:rPr>
+                <a:t>konfiguriert</a:t>
+              </a:r>
+              <a:endParaRPr lang="de-AT" dirty="0">
+                <a:latin typeface="CMU Serif" panose="02000603000000000000"/>
+              </a:endParaRPr>
+            </a:p>
+          </p:txBody>
+        </p:sp>
+        <p:sp>
+          <p:nvSpPr>
+            <p:cNvPr id="68" name="Textfeld 67"/>
+            <p:cNvSpPr txBox="1"/>
+            <p:nvPr/>
+          </p:nvSpPr>
+          <p:spPr>
+            <a:xfrm>
+              <a:off x="8749422" y="3998198"/>
+              <a:ext cx="1495032" cy="369332"/>
+            </a:xfrm>
+            <a:prstGeom prst="rect">
+              <a:avLst/>
+            </a:prstGeom>
+            <a:noFill/>
+            <a:ln w="25400">
+              <a:noFill/>
+            </a:ln>
+          </p:spPr>
+          <p:txBody>
+            <a:bodyPr wrap="square" rtlCol="0" anchor="ctr">
+              <a:spAutoFit/>
+            </a:bodyPr>
+            <a:lstStyle/>
+            <a:p>
+              <a:pPr algn="ctr"/>
+              <a:r>
+                <a:rPr lang="en-US" dirty="0" err="1">
+                  <a:latin typeface="CMU Serif" panose="02000603000000000000"/>
+                </a:rPr>
+                <a:t>führt</a:t>
+              </a:r>
+              <a:r>
+                <a:rPr lang="en-US" dirty="0">
+                  <a:latin typeface="CMU Serif" panose="02000603000000000000"/>
+                </a:rPr>
+                <a:t> </a:t>
+              </a:r>
+              <a:r>
+                <a:rPr lang="en-US" dirty="0" err="1">
+                  <a:latin typeface="CMU Serif" panose="02000603000000000000"/>
+                </a:rPr>
+                <a:t>aus</a:t>
               </a:r>
               <a:endParaRPr lang="de-AT" dirty="0">
                 <a:latin typeface="CMU Serif" panose="02000603000000000000"/>

--- a/images/graphics.pptx
+++ b/images/graphics.pptx
@@ -9,6 +9,8 @@
     <p:sldId id="257" r:id="rId3"/>
     <p:sldId id="258" r:id="rId4"/>
     <p:sldId id="259" r:id="rId5"/>
+    <p:sldId id="260" r:id="rId6"/>
+    <p:sldId id="261" r:id="rId7"/>
   </p:sldIdLst>
   <p:sldSz cx="12192000" cy="6858000"/>
   <p:notesSz cx="6858000" cy="9144000"/>
@@ -257,7 +259,7 @@
           <a:p>
             <a:fld id="{6CD14F0C-FDCF-4194-8431-39569BE287B9}" type="datetimeFigureOut">
               <a:rPr lang="de-AT" smtClean="0"/>
-              <a:t>21.02.2017</a:t>
+              <a:t>22.02.2017</a:t>
             </a:fld>
             <a:endParaRPr lang="de-AT"/>
           </a:p>
@@ -427,7 +429,7 @@
           <a:p>
             <a:fld id="{6CD14F0C-FDCF-4194-8431-39569BE287B9}" type="datetimeFigureOut">
               <a:rPr lang="de-AT" smtClean="0"/>
-              <a:t>21.02.2017</a:t>
+              <a:t>22.02.2017</a:t>
             </a:fld>
             <a:endParaRPr lang="de-AT"/>
           </a:p>
@@ -607,7 +609,7 @@
           <a:p>
             <a:fld id="{6CD14F0C-FDCF-4194-8431-39569BE287B9}" type="datetimeFigureOut">
               <a:rPr lang="de-AT" smtClean="0"/>
-              <a:t>21.02.2017</a:t>
+              <a:t>22.02.2017</a:t>
             </a:fld>
             <a:endParaRPr lang="de-AT"/>
           </a:p>
@@ -777,7 +779,7 @@
           <a:p>
             <a:fld id="{6CD14F0C-FDCF-4194-8431-39569BE287B9}" type="datetimeFigureOut">
               <a:rPr lang="de-AT" smtClean="0"/>
-              <a:t>21.02.2017</a:t>
+              <a:t>22.02.2017</a:t>
             </a:fld>
             <a:endParaRPr lang="de-AT"/>
           </a:p>
@@ -1023,7 +1025,7 @@
           <a:p>
             <a:fld id="{6CD14F0C-FDCF-4194-8431-39569BE287B9}" type="datetimeFigureOut">
               <a:rPr lang="de-AT" smtClean="0"/>
-              <a:t>21.02.2017</a:t>
+              <a:t>22.02.2017</a:t>
             </a:fld>
             <a:endParaRPr lang="de-AT"/>
           </a:p>
@@ -1255,7 +1257,7 @@
           <a:p>
             <a:fld id="{6CD14F0C-FDCF-4194-8431-39569BE287B9}" type="datetimeFigureOut">
               <a:rPr lang="de-AT" smtClean="0"/>
-              <a:t>21.02.2017</a:t>
+              <a:t>22.02.2017</a:t>
             </a:fld>
             <a:endParaRPr lang="de-AT"/>
           </a:p>
@@ -1622,7 +1624,7 @@
           <a:p>
             <a:fld id="{6CD14F0C-FDCF-4194-8431-39569BE287B9}" type="datetimeFigureOut">
               <a:rPr lang="de-AT" smtClean="0"/>
-              <a:t>21.02.2017</a:t>
+              <a:t>22.02.2017</a:t>
             </a:fld>
             <a:endParaRPr lang="de-AT"/>
           </a:p>
@@ -1749,7 +1751,7 @@
           <a:p>
             <a:fld id="{6CD14F0C-FDCF-4194-8431-39569BE287B9}" type="datetimeFigureOut">
               <a:rPr lang="de-AT" smtClean="0"/>
-              <a:t>21.02.2017</a:t>
+              <a:t>22.02.2017</a:t>
             </a:fld>
             <a:endParaRPr lang="de-AT"/>
           </a:p>
@@ -1844,7 +1846,7 @@
           <a:p>
             <a:fld id="{6CD14F0C-FDCF-4194-8431-39569BE287B9}" type="datetimeFigureOut">
               <a:rPr lang="de-AT" smtClean="0"/>
-              <a:t>21.02.2017</a:t>
+              <a:t>22.02.2017</a:t>
             </a:fld>
             <a:endParaRPr lang="de-AT"/>
           </a:p>
@@ -2121,7 +2123,7 @@
           <a:p>
             <a:fld id="{6CD14F0C-FDCF-4194-8431-39569BE287B9}" type="datetimeFigureOut">
               <a:rPr lang="de-AT" smtClean="0"/>
-              <a:t>21.02.2017</a:t>
+              <a:t>22.02.2017</a:t>
             </a:fld>
             <a:endParaRPr lang="de-AT"/>
           </a:p>
@@ -2374,7 +2376,7 @@
           <a:p>
             <a:fld id="{6CD14F0C-FDCF-4194-8431-39569BE287B9}" type="datetimeFigureOut">
               <a:rPr lang="de-AT" smtClean="0"/>
-              <a:t>21.02.2017</a:t>
+              <a:t>22.02.2017</a:t>
             </a:fld>
             <a:endParaRPr lang="de-AT"/>
           </a:p>
@@ -2587,7 +2589,7 @@
           <a:p>
             <a:fld id="{6CD14F0C-FDCF-4194-8431-39569BE287B9}" type="datetimeFigureOut">
               <a:rPr lang="de-AT" smtClean="0"/>
-              <a:t>21.02.2017</a:t>
+              <a:t>22.02.2017</a:t>
             </a:fld>
             <a:endParaRPr lang="de-AT"/>
           </a:p>
@@ -6511,6 +6513,1778 @@
 </p:sld>
 </file>
 
+<file path=ppt/slides/slide5.xml><?xml version="1.0" encoding="utf-8"?>
+<p:sld xmlns:a="http://schemas.openxmlformats.org/drawingml/2006/main" xmlns:r="http://schemas.openxmlformats.org/officeDocument/2006/relationships" xmlns:p="http://schemas.openxmlformats.org/presentationml/2006/main">
+  <p:cSld>
+    <p:spTree>
+      <p:nvGrpSpPr>
+        <p:cNvPr id="1" name=""/>
+        <p:cNvGrpSpPr/>
+        <p:nvPr/>
+      </p:nvGrpSpPr>
+      <p:grpSpPr>
+        <a:xfrm>
+          <a:off x="0" y="0"/>
+          <a:ext cx="0" cy="0"/>
+          <a:chOff x="0" y="0"/>
+          <a:chExt cx="0" cy="0"/>
+        </a:xfrm>
+      </p:grpSpPr>
+      <p:sp>
+        <p:nvSpPr>
+          <p:cNvPr id="18" name="Titel 17"/>
+          <p:cNvSpPr>
+            <a:spLocks noGrp="1"/>
+          </p:cNvSpPr>
+          <p:nvPr>
+            <p:ph type="title"/>
+          </p:nvPr>
+        </p:nvSpPr>
+        <p:spPr/>
+        <p:txBody>
+          <a:bodyPr>
+            <a:normAutofit/>
+          </a:bodyPr>
+          <a:lstStyle/>
+          <a:p>
+            <a:r>
+              <a:rPr lang="en-US" dirty="0"/>
+              <a:t>Docker-Filesystem</a:t>
+            </a:r>
+            <a:endParaRPr lang="de-AT" dirty="0"/>
+          </a:p>
+        </p:txBody>
+      </p:sp>
+      <p:sp>
+        <p:nvSpPr>
+          <p:cNvPr id="10" name="Rechteck 9"/>
+          <p:cNvSpPr/>
+          <p:nvPr/>
+        </p:nvSpPr>
+        <p:spPr>
+          <a:xfrm>
+            <a:off x="12371078" y="0"/>
+            <a:ext cx="1983277" cy="955991"/>
+          </a:xfrm>
+          <a:prstGeom prst="rect">
+            <a:avLst/>
+          </a:prstGeom>
+          <a:solidFill>
+            <a:srgbClr val="FFFF00"/>
+          </a:solidFill>
+          <a:ln>
+            <a:noFill/>
+          </a:ln>
+        </p:spPr>
+        <p:style>
+          <a:lnRef idx="2">
+            <a:schemeClr val="accent1">
+              <a:shade val="50000"/>
+            </a:schemeClr>
+          </a:lnRef>
+          <a:fillRef idx="1">
+            <a:schemeClr val="accent1"/>
+          </a:fillRef>
+          <a:effectRef idx="0">
+            <a:schemeClr val="accent1"/>
+          </a:effectRef>
+          <a:fontRef idx="minor">
+            <a:schemeClr val="lt1"/>
+          </a:fontRef>
+        </p:style>
+        <p:txBody>
+          <a:bodyPr rtlCol="0" anchor="ctr"/>
+          <a:lstStyle/>
+          <a:p>
+            <a:pPr algn="ctr"/>
+            <a:r>
+              <a:rPr lang="en-US" sz="2400" dirty="0">
+                <a:solidFill>
+                  <a:schemeClr val="tx1"/>
+                </a:solidFill>
+                <a:latin typeface="CMU Serif" panose="02000603000000000000" pitchFamily="2" charset="0"/>
+                <a:ea typeface="CMU Serif" panose="02000603000000000000" pitchFamily="2" charset="0"/>
+                <a:cs typeface="CMU Serif" panose="02000603000000000000" pitchFamily="2" charset="0"/>
+              </a:rPr>
+              <a:t>yellow</a:t>
+            </a:r>
+            <a:endParaRPr lang="de-AT" sz="2400" dirty="0">
+              <a:solidFill>
+                <a:schemeClr val="tx1"/>
+              </a:solidFill>
+              <a:latin typeface="CMU Serif" panose="02000603000000000000" pitchFamily="2" charset="0"/>
+              <a:ea typeface="CMU Serif" panose="02000603000000000000" pitchFamily="2" charset="0"/>
+              <a:cs typeface="CMU Serif" panose="02000603000000000000" pitchFamily="2" charset="0"/>
+            </a:endParaRPr>
+          </a:p>
+        </p:txBody>
+      </p:sp>
+      <p:grpSp>
+        <p:nvGrpSpPr>
+          <p:cNvPr id="2" name="Gruppieren 1"/>
+          <p:cNvGrpSpPr/>
+          <p:nvPr/>
+        </p:nvGrpSpPr>
+        <p:grpSpPr>
+          <a:xfrm>
+            <a:off x="2743865" y="1799409"/>
+            <a:ext cx="6704270" cy="3259183"/>
+            <a:chOff x="2938693" y="1784530"/>
+            <a:chExt cx="6704270" cy="3259183"/>
+          </a:xfrm>
+        </p:grpSpPr>
+        <p:sp>
+          <p:nvSpPr>
+            <p:cNvPr id="19" name="Cube 18"/>
+            <p:cNvSpPr/>
+            <p:nvPr/>
+          </p:nvSpPr>
+          <p:spPr>
+            <a:xfrm>
+              <a:off x="2938694" y="3635828"/>
+              <a:ext cx="6704269" cy="1407885"/>
+            </a:xfrm>
+            <a:prstGeom prst="cube">
+              <a:avLst>
+                <a:gd name="adj" fmla="val 67019"/>
+              </a:avLst>
+            </a:prstGeom>
+            <a:solidFill>
+              <a:srgbClr val="92D050"/>
+            </a:solidFill>
+            <a:ln w="6350">
+              <a:solidFill>
+                <a:schemeClr val="accent6">
+                  <a:lumMod val="75000"/>
+                </a:schemeClr>
+              </a:solidFill>
+            </a:ln>
+          </p:spPr>
+          <p:style>
+            <a:lnRef idx="2">
+              <a:schemeClr val="accent1">
+                <a:shade val="50000"/>
+              </a:schemeClr>
+            </a:lnRef>
+            <a:fillRef idx="1">
+              <a:schemeClr val="accent1"/>
+            </a:fillRef>
+            <a:effectRef idx="0">
+              <a:schemeClr val="accent1"/>
+            </a:effectRef>
+            <a:fontRef idx="minor">
+              <a:schemeClr val="lt1"/>
+            </a:fontRef>
+          </p:style>
+          <p:txBody>
+            <a:bodyPr tIns="46800" rtlCol="0" anchor="ctr"/>
+            <a:lstStyle/>
+            <a:p>
+              <a:pPr algn="ctr"/>
+              <a:r>
+                <a:rPr lang="en-US" sz="2400" b="1" dirty="0">
+                  <a:solidFill>
+                    <a:schemeClr val="tx1"/>
+                  </a:solidFill>
+                  <a:latin typeface="CMU Serif" panose="02000603000000000000" pitchFamily="2" charset="0"/>
+                  <a:ea typeface="CMU Serif" panose="02000603000000000000" pitchFamily="2" charset="0"/>
+                  <a:cs typeface="CMU Serif" panose="02000603000000000000" pitchFamily="2" charset="0"/>
+                </a:rPr>
+                <a:t>Kernel (</a:t>
+              </a:r>
+              <a:r>
+                <a:rPr lang="en-US" sz="2400" b="1" dirty="0" err="1">
+                  <a:solidFill>
+                    <a:schemeClr val="tx1"/>
+                  </a:solidFill>
+                  <a:latin typeface="CMU Serif" panose="02000603000000000000" pitchFamily="2" charset="0"/>
+                  <a:ea typeface="CMU Serif" panose="02000603000000000000" pitchFamily="2" charset="0"/>
+                  <a:cs typeface="CMU Serif" panose="02000603000000000000" pitchFamily="2" charset="0"/>
+                </a:rPr>
+                <a:t>bootfs</a:t>
+              </a:r>
+              <a:r>
+                <a:rPr lang="en-US" sz="2400" b="1" dirty="0">
+                  <a:solidFill>
+                    <a:schemeClr val="tx1"/>
+                  </a:solidFill>
+                  <a:latin typeface="CMU Serif" panose="02000603000000000000" pitchFamily="2" charset="0"/>
+                  <a:ea typeface="CMU Serif" panose="02000603000000000000" pitchFamily="2" charset="0"/>
+                  <a:cs typeface="CMU Serif" panose="02000603000000000000" pitchFamily="2" charset="0"/>
+                </a:rPr>
+                <a:t>)</a:t>
+              </a:r>
+              <a:endParaRPr lang="de-AT" sz="2400" b="1" dirty="0">
+                <a:solidFill>
+                  <a:schemeClr val="tx1"/>
+                </a:solidFill>
+                <a:latin typeface="CMU Serif" panose="02000603000000000000" pitchFamily="2" charset="0"/>
+                <a:ea typeface="CMU Serif" panose="02000603000000000000" pitchFamily="2" charset="0"/>
+                <a:cs typeface="CMU Serif" panose="02000603000000000000" pitchFamily="2" charset="0"/>
+              </a:endParaRPr>
+            </a:p>
+          </p:txBody>
+        </p:sp>
+        <p:sp>
+          <p:nvSpPr>
+            <p:cNvPr id="37" name="Cube 36"/>
+            <p:cNvSpPr/>
+            <p:nvPr/>
+          </p:nvSpPr>
+          <p:spPr>
+            <a:xfrm>
+              <a:off x="2938695" y="3173005"/>
+              <a:ext cx="4456334" cy="1407885"/>
+            </a:xfrm>
+            <a:prstGeom prst="cube">
+              <a:avLst>
+                <a:gd name="adj" fmla="val 67019"/>
+              </a:avLst>
+            </a:prstGeom>
+            <a:solidFill>
+              <a:srgbClr val="6DD9FF"/>
+            </a:solidFill>
+            <a:ln w="6350">
+              <a:solidFill>
+                <a:schemeClr val="accent1">
+                  <a:lumMod val="75000"/>
+                </a:schemeClr>
+              </a:solidFill>
+            </a:ln>
+          </p:spPr>
+          <p:style>
+            <a:lnRef idx="2">
+              <a:schemeClr val="accent1">
+                <a:shade val="50000"/>
+              </a:schemeClr>
+            </a:lnRef>
+            <a:fillRef idx="1">
+              <a:schemeClr val="accent1"/>
+            </a:fillRef>
+            <a:effectRef idx="0">
+              <a:schemeClr val="accent1"/>
+            </a:effectRef>
+            <a:fontRef idx="minor">
+              <a:schemeClr val="lt1"/>
+            </a:fontRef>
+          </p:style>
+          <p:txBody>
+            <a:bodyPr tIns="46800" rtlCol="0" anchor="ctr"/>
+            <a:lstStyle/>
+            <a:p>
+              <a:pPr algn="ctr"/>
+              <a:r>
+                <a:rPr lang="en-US" sz="2400" b="1" dirty="0">
+                  <a:solidFill>
+                    <a:schemeClr val="tx1"/>
+                  </a:solidFill>
+                  <a:latin typeface="CMU Serif" panose="02000603000000000000" pitchFamily="2" charset="0"/>
+                  <a:ea typeface="CMU Serif" panose="02000603000000000000" pitchFamily="2" charset="0"/>
+                  <a:cs typeface="CMU Serif" panose="02000603000000000000" pitchFamily="2" charset="0"/>
+                </a:rPr>
+                <a:t>alpine (Base Image)</a:t>
+              </a:r>
+              <a:endParaRPr lang="de-AT" sz="2400" b="1" dirty="0">
+                <a:solidFill>
+                  <a:schemeClr val="tx1"/>
+                </a:solidFill>
+                <a:latin typeface="CMU Serif" panose="02000603000000000000" pitchFamily="2" charset="0"/>
+                <a:ea typeface="CMU Serif" panose="02000603000000000000" pitchFamily="2" charset="0"/>
+                <a:cs typeface="CMU Serif" panose="02000603000000000000" pitchFamily="2" charset="0"/>
+              </a:endParaRPr>
+            </a:p>
+          </p:txBody>
+        </p:sp>
+        <p:sp>
+          <p:nvSpPr>
+            <p:cNvPr id="38" name="Cube 37"/>
+            <p:cNvSpPr/>
+            <p:nvPr/>
+          </p:nvSpPr>
+          <p:spPr>
+            <a:xfrm>
+              <a:off x="2938693" y="2710180"/>
+              <a:ext cx="4456334" cy="1407885"/>
+            </a:xfrm>
+            <a:prstGeom prst="cube">
+              <a:avLst>
+                <a:gd name="adj" fmla="val 67019"/>
+              </a:avLst>
+            </a:prstGeom>
+            <a:solidFill>
+              <a:srgbClr val="6DD9FF"/>
+            </a:solidFill>
+            <a:ln w="6350">
+              <a:solidFill>
+                <a:schemeClr val="accent1">
+                  <a:lumMod val="75000"/>
+                </a:schemeClr>
+              </a:solidFill>
+            </a:ln>
+          </p:spPr>
+          <p:style>
+            <a:lnRef idx="2">
+              <a:schemeClr val="accent1">
+                <a:shade val="50000"/>
+              </a:schemeClr>
+            </a:lnRef>
+            <a:fillRef idx="1">
+              <a:schemeClr val="accent1"/>
+            </a:fillRef>
+            <a:effectRef idx="0">
+              <a:schemeClr val="accent1"/>
+            </a:effectRef>
+            <a:fontRef idx="minor">
+              <a:schemeClr val="lt1"/>
+            </a:fontRef>
+          </p:style>
+          <p:txBody>
+            <a:bodyPr tIns="46800" rtlCol="0" anchor="ctr"/>
+            <a:lstStyle/>
+            <a:p>
+              <a:pPr algn="ctr"/>
+              <a:r>
+                <a:rPr lang="en-US" sz="2400" dirty="0">
+                  <a:solidFill>
+                    <a:schemeClr val="tx1"/>
+                  </a:solidFill>
+                  <a:latin typeface="CMU Serif" panose="02000603000000000000" pitchFamily="2" charset="0"/>
+                  <a:ea typeface="CMU Serif" panose="02000603000000000000" pitchFamily="2" charset="0"/>
+                  <a:cs typeface="CMU Serif" panose="02000603000000000000" pitchFamily="2" charset="0"/>
+                </a:rPr>
+                <a:t>add vi (Image)</a:t>
+              </a:r>
+              <a:endParaRPr lang="de-AT" sz="2400" dirty="0">
+                <a:solidFill>
+                  <a:schemeClr val="tx1"/>
+                </a:solidFill>
+                <a:latin typeface="CMU Serif" panose="02000603000000000000" pitchFamily="2" charset="0"/>
+                <a:ea typeface="CMU Serif" panose="02000603000000000000" pitchFamily="2" charset="0"/>
+                <a:cs typeface="CMU Serif" panose="02000603000000000000" pitchFamily="2" charset="0"/>
+              </a:endParaRPr>
+            </a:p>
+          </p:txBody>
+        </p:sp>
+        <p:sp>
+          <p:nvSpPr>
+            <p:cNvPr id="39" name="Cube 38"/>
+            <p:cNvSpPr/>
+            <p:nvPr/>
+          </p:nvSpPr>
+          <p:spPr>
+            <a:xfrm>
+              <a:off x="2938693" y="2247355"/>
+              <a:ext cx="4456334" cy="1407885"/>
+            </a:xfrm>
+            <a:prstGeom prst="cube">
+              <a:avLst>
+                <a:gd name="adj" fmla="val 67019"/>
+              </a:avLst>
+            </a:prstGeom>
+            <a:solidFill>
+              <a:srgbClr val="6DD9FF"/>
+            </a:solidFill>
+            <a:ln w="6350">
+              <a:solidFill>
+                <a:schemeClr val="accent1">
+                  <a:lumMod val="75000"/>
+                </a:schemeClr>
+              </a:solidFill>
+            </a:ln>
+          </p:spPr>
+          <p:style>
+            <a:lnRef idx="2">
+              <a:schemeClr val="accent1">
+                <a:shade val="50000"/>
+              </a:schemeClr>
+            </a:lnRef>
+            <a:fillRef idx="1">
+              <a:schemeClr val="accent1"/>
+            </a:fillRef>
+            <a:effectRef idx="0">
+              <a:schemeClr val="accent1"/>
+            </a:effectRef>
+            <a:fontRef idx="minor">
+              <a:schemeClr val="lt1"/>
+            </a:fontRef>
+          </p:style>
+          <p:txBody>
+            <a:bodyPr tIns="46800" rtlCol="0" anchor="ctr"/>
+            <a:lstStyle/>
+            <a:p>
+              <a:pPr algn="ctr"/>
+              <a:r>
+                <a:rPr lang="en-US" sz="2400" dirty="0">
+                  <a:solidFill>
+                    <a:schemeClr val="tx1"/>
+                  </a:solidFill>
+                  <a:latin typeface="CMU Serif" panose="02000603000000000000" pitchFamily="2" charset="0"/>
+                  <a:ea typeface="CMU Serif" panose="02000603000000000000" pitchFamily="2" charset="0"/>
+                  <a:cs typeface="CMU Serif" panose="02000603000000000000" pitchFamily="2" charset="0"/>
+                </a:rPr>
+                <a:t>add Java (Image)</a:t>
+              </a:r>
+              <a:endParaRPr lang="de-AT" sz="2400" dirty="0">
+                <a:solidFill>
+                  <a:schemeClr val="tx1"/>
+                </a:solidFill>
+                <a:latin typeface="CMU Serif" panose="02000603000000000000" pitchFamily="2" charset="0"/>
+                <a:ea typeface="CMU Serif" panose="02000603000000000000" pitchFamily="2" charset="0"/>
+                <a:cs typeface="CMU Serif" panose="02000603000000000000" pitchFamily="2" charset="0"/>
+              </a:endParaRPr>
+            </a:p>
+          </p:txBody>
+        </p:sp>
+        <p:sp>
+          <p:nvSpPr>
+            <p:cNvPr id="40" name="Cube 39"/>
+            <p:cNvSpPr/>
+            <p:nvPr/>
+          </p:nvSpPr>
+          <p:spPr>
+            <a:xfrm>
+              <a:off x="2938693" y="1784530"/>
+              <a:ext cx="4456334" cy="1407885"/>
+            </a:xfrm>
+            <a:prstGeom prst="cube">
+              <a:avLst>
+                <a:gd name="adj" fmla="val 67019"/>
+              </a:avLst>
+            </a:prstGeom>
+            <a:solidFill>
+              <a:srgbClr val="6DD9FF">
+                <a:alpha val="50000"/>
+              </a:srgbClr>
+            </a:solidFill>
+            <a:ln w="6350">
+              <a:solidFill>
+                <a:schemeClr val="accent1">
+                  <a:lumMod val="75000"/>
+                </a:schemeClr>
+              </a:solidFill>
+            </a:ln>
+          </p:spPr>
+          <p:style>
+            <a:lnRef idx="2">
+              <a:schemeClr val="accent1">
+                <a:shade val="50000"/>
+              </a:schemeClr>
+            </a:lnRef>
+            <a:fillRef idx="1">
+              <a:schemeClr val="accent1"/>
+            </a:fillRef>
+            <a:effectRef idx="0">
+              <a:schemeClr val="accent1"/>
+            </a:effectRef>
+            <a:fontRef idx="minor">
+              <a:schemeClr val="lt1"/>
+            </a:fontRef>
+          </p:style>
+          <p:txBody>
+            <a:bodyPr tIns="46800" rtlCol="0" anchor="ctr"/>
+            <a:lstStyle/>
+            <a:p>
+              <a:pPr algn="ctr"/>
+              <a:r>
+                <a:rPr lang="en-US" sz="2400" dirty="0">
+                  <a:solidFill>
+                    <a:schemeClr val="tx1"/>
+                  </a:solidFill>
+                  <a:latin typeface="CMU Serif" panose="02000603000000000000" pitchFamily="2" charset="0"/>
+                  <a:ea typeface="CMU Serif" panose="02000603000000000000" pitchFamily="2" charset="0"/>
+                  <a:cs typeface="CMU Serif" panose="02000603000000000000" pitchFamily="2" charset="0"/>
+                </a:rPr>
+                <a:t>writable FS (Container)</a:t>
+              </a:r>
+              <a:endParaRPr lang="de-AT" sz="2400" dirty="0">
+                <a:solidFill>
+                  <a:schemeClr val="tx1"/>
+                </a:solidFill>
+                <a:latin typeface="CMU Serif" panose="02000603000000000000" pitchFamily="2" charset="0"/>
+                <a:ea typeface="CMU Serif" panose="02000603000000000000" pitchFamily="2" charset="0"/>
+                <a:cs typeface="CMU Serif" panose="02000603000000000000" pitchFamily="2" charset="0"/>
+              </a:endParaRPr>
+            </a:p>
+          </p:txBody>
+        </p:sp>
+        <p:sp>
+          <p:nvSpPr>
+            <p:cNvPr id="43" name="Cube 42"/>
+            <p:cNvSpPr/>
+            <p:nvPr/>
+          </p:nvSpPr>
+          <p:spPr>
+            <a:xfrm>
+              <a:off x="6457513" y="3173004"/>
+              <a:ext cx="2377992" cy="1407885"/>
+            </a:xfrm>
+            <a:prstGeom prst="cube">
+              <a:avLst>
+                <a:gd name="adj" fmla="val 67019"/>
+              </a:avLst>
+            </a:prstGeom>
+            <a:solidFill>
+              <a:srgbClr val="FFC000"/>
+            </a:solidFill>
+            <a:ln w="6350">
+              <a:solidFill>
+                <a:schemeClr val="accent2"/>
+              </a:solidFill>
+            </a:ln>
+          </p:spPr>
+          <p:style>
+            <a:lnRef idx="2">
+              <a:schemeClr val="accent1">
+                <a:shade val="50000"/>
+              </a:schemeClr>
+            </a:lnRef>
+            <a:fillRef idx="1">
+              <a:schemeClr val="accent1"/>
+            </a:fillRef>
+            <a:effectRef idx="0">
+              <a:schemeClr val="accent1"/>
+            </a:effectRef>
+            <a:fontRef idx="minor">
+              <a:schemeClr val="lt1"/>
+            </a:fontRef>
+          </p:style>
+          <p:txBody>
+            <a:bodyPr tIns="46800" rtlCol="0" anchor="ctr"/>
+            <a:lstStyle/>
+            <a:p>
+              <a:pPr algn="ctr"/>
+              <a:r>
+                <a:rPr lang="en-US" sz="2400" dirty="0">
+                  <a:solidFill>
+                    <a:schemeClr val="tx1"/>
+                  </a:solidFill>
+                  <a:latin typeface="CMU Serif" panose="02000603000000000000" pitchFamily="2" charset="0"/>
+                  <a:ea typeface="CMU Serif" panose="02000603000000000000" pitchFamily="2" charset="0"/>
+                  <a:cs typeface="CMU Serif" panose="02000603000000000000" pitchFamily="2" charset="0"/>
+                </a:rPr>
+                <a:t>…</a:t>
+              </a:r>
+              <a:endParaRPr lang="de-AT" sz="2400" dirty="0">
+                <a:solidFill>
+                  <a:schemeClr val="tx1"/>
+                </a:solidFill>
+                <a:latin typeface="CMU Serif" panose="02000603000000000000" pitchFamily="2" charset="0"/>
+                <a:ea typeface="CMU Serif" panose="02000603000000000000" pitchFamily="2" charset="0"/>
+                <a:cs typeface="CMU Serif" panose="02000603000000000000" pitchFamily="2" charset="0"/>
+              </a:endParaRPr>
+            </a:p>
+          </p:txBody>
+        </p:sp>
+        <p:sp>
+          <p:nvSpPr>
+            <p:cNvPr id="44" name="Cube 43"/>
+            <p:cNvSpPr/>
+            <p:nvPr/>
+          </p:nvSpPr>
+          <p:spPr>
+            <a:xfrm>
+              <a:off x="6457513" y="2711720"/>
+              <a:ext cx="2377992" cy="1407885"/>
+            </a:xfrm>
+            <a:prstGeom prst="cube">
+              <a:avLst>
+                <a:gd name="adj" fmla="val 67019"/>
+              </a:avLst>
+            </a:prstGeom>
+            <a:solidFill>
+              <a:srgbClr val="FFC000">
+                <a:alpha val="50000"/>
+              </a:srgbClr>
+            </a:solidFill>
+            <a:ln w="6350">
+              <a:solidFill>
+                <a:schemeClr val="accent2"/>
+              </a:solidFill>
+            </a:ln>
+          </p:spPr>
+          <p:style>
+            <a:lnRef idx="2">
+              <a:schemeClr val="accent1">
+                <a:shade val="50000"/>
+              </a:schemeClr>
+            </a:lnRef>
+            <a:fillRef idx="1">
+              <a:schemeClr val="accent1"/>
+            </a:fillRef>
+            <a:effectRef idx="0">
+              <a:schemeClr val="accent1"/>
+            </a:effectRef>
+            <a:fontRef idx="minor">
+              <a:schemeClr val="lt1"/>
+            </a:fontRef>
+          </p:style>
+          <p:txBody>
+            <a:bodyPr tIns="46800" rtlCol="0" anchor="ctr"/>
+            <a:lstStyle/>
+            <a:p>
+              <a:pPr algn="ctr"/>
+              <a:r>
+                <a:rPr lang="en-US" sz="2400" dirty="0">
+                  <a:solidFill>
+                    <a:schemeClr val="tx1"/>
+                  </a:solidFill>
+                  <a:latin typeface="CMU Serif" panose="02000603000000000000" pitchFamily="2" charset="0"/>
+                  <a:ea typeface="CMU Serif" panose="02000603000000000000" pitchFamily="2" charset="0"/>
+                  <a:cs typeface="CMU Serif" panose="02000603000000000000" pitchFamily="2" charset="0"/>
+                </a:rPr>
+                <a:t>…</a:t>
+              </a:r>
+              <a:endParaRPr lang="de-AT" sz="2400" dirty="0">
+                <a:solidFill>
+                  <a:schemeClr val="tx1"/>
+                </a:solidFill>
+                <a:latin typeface="CMU Serif" panose="02000603000000000000" pitchFamily="2" charset="0"/>
+                <a:ea typeface="CMU Serif" panose="02000603000000000000" pitchFamily="2" charset="0"/>
+                <a:cs typeface="CMU Serif" panose="02000603000000000000" pitchFamily="2" charset="0"/>
+              </a:endParaRPr>
+            </a:p>
+          </p:txBody>
+        </p:sp>
+      </p:grpSp>
+    </p:spTree>
+    <p:extLst>
+      <p:ext uri="{BB962C8B-B14F-4D97-AF65-F5344CB8AC3E}">
+        <p14:creationId xmlns:p14="http://schemas.microsoft.com/office/powerpoint/2010/main" val="223306841"/>
+      </p:ext>
+    </p:extLst>
+  </p:cSld>
+  <p:clrMapOvr>
+    <a:masterClrMapping/>
+  </p:clrMapOvr>
+</p:sld>
+</file>
+
+<file path=ppt/slides/slide6.xml><?xml version="1.0" encoding="utf-8"?>
+<p:sld xmlns:a="http://schemas.openxmlformats.org/drawingml/2006/main" xmlns:r="http://schemas.openxmlformats.org/officeDocument/2006/relationships" xmlns:p="http://schemas.openxmlformats.org/presentationml/2006/main">
+  <p:cSld>
+    <p:spTree>
+      <p:nvGrpSpPr>
+        <p:cNvPr id="1" name=""/>
+        <p:cNvGrpSpPr/>
+        <p:nvPr/>
+      </p:nvGrpSpPr>
+      <p:grpSpPr>
+        <a:xfrm>
+          <a:off x="0" y="0"/>
+          <a:ext cx="0" cy="0"/>
+          <a:chOff x="0" y="0"/>
+          <a:chExt cx="0" cy="0"/>
+        </a:xfrm>
+      </p:grpSpPr>
+      <p:sp>
+        <p:nvSpPr>
+          <p:cNvPr id="18" name="Titel 17"/>
+          <p:cNvSpPr>
+            <a:spLocks noGrp="1"/>
+          </p:cNvSpPr>
+          <p:nvPr>
+            <p:ph type="title"/>
+          </p:nvPr>
+        </p:nvSpPr>
+        <p:spPr/>
+        <p:txBody>
+          <a:bodyPr>
+            <a:normAutofit/>
+          </a:bodyPr>
+          <a:lstStyle/>
+          <a:p>
+            <a:r>
+              <a:rPr lang="en-US" dirty="0"/>
+              <a:t>Docker-Filesystem</a:t>
+            </a:r>
+            <a:endParaRPr lang="de-AT" dirty="0"/>
+          </a:p>
+        </p:txBody>
+      </p:sp>
+      <p:sp>
+        <p:nvSpPr>
+          <p:cNvPr id="10" name="Rechteck 9"/>
+          <p:cNvSpPr/>
+          <p:nvPr/>
+        </p:nvSpPr>
+        <p:spPr>
+          <a:xfrm>
+            <a:off x="12371078" y="0"/>
+            <a:ext cx="1983277" cy="955991"/>
+          </a:xfrm>
+          <a:prstGeom prst="rect">
+            <a:avLst/>
+          </a:prstGeom>
+          <a:solidFill>
+            <a:srgbClr val="FFFF00"/>
+          </a:solidFill>
+          <a:ln>
+            <a:noFill/>
+          </a:ln>
+        </p:spPr>
+        <p:style>
+          <a:lnRef idx="2">
+            <a:schemeClr val="accent1">
+              <a:shade val="50000"/>
+            </a:schemeClr>
+          </a:lnRef>
+          <a:fillRef idx="1">
+            <a:schemeClr val="accent1"/>
+          </a:fillRef>
+          <a:effectRef idx="0">
+            <a:schemeClr val="accent1"/>
+          </a:effectRef>
+          <a:fontRef idx="minor">
+            <a:schemeClr val="lt1"/>
+          </a:fontRef>
+        </p:style>
+        <p:txBody>
+          <a:bodyPr rtlCol="0" anchor="ctr"/>
+          <a:lstStyle/>
+          <a:p>
+            <a:pPr algn="ctr"/>
+            <a:r>
+              <a:rPr lang="en-US" sz="2400" dirty="0">
+                <a:solidFill>
+                  <a:schemeClr val="tx1"/>
+                </a:solidFill>
+                <a:latin typeface="CMU Serif" panose="02000603000000000000" pitchFamily="2" charset="0"/>
+                <a:ea typeface="CMU Serif" panose="02000603000000000000" pitchFamily="2" charset="0"/>
+                <a:cs typeface="CMU Serif" panose="02000603000000000000" pitchFamily="2" charset="0"/>
+              </a:rPr>
+              <a:t>yellow</a:t>
+            </a:r>
+            <a:endParaRPr lang="de-AT" sz="2400" dirty="0">
+              <a:solidFill>
+                <a:schemeClr val="tx1"/>
+              </a:solidFill>
+              <a:latin typeface="CMU Serif" panose="02000603000000000000" pitchFamily="2" charset="0"/>
+              <a:ea typeface="CMU Serif" panose="02000603000000000000" pitchFamily="2" charset="0"/>
+              <a:cs typeface="CMU Serif" panose="02000603000000000000" pitchFamily="2" charset="0"/>
+            </a:endParaRPr>
+          </a:p>
+        </p:txBody>
+      </p:sp>
+      <p:grpSp>
+        <p:nvGrpSpPr>
+          <p:cNvPr id="2" name="Gruppieren 1"/>
+          <p:cNvGrpSpPr/>
+          <p:nvPr/>
+        </p:nvGrpSpPr>
+        <p:grpSpPr>
+          <a:xfrm>
+            <a:off x="7352151" y="2663009"/>
+            <a:ext cx="6704270" cy="3259183"/>
+            <a:chOff x="2938693" y="1784530"/>
+            <a:chExt cx="6704270" cy="3259183"/>
+          </a:xfrm>
+        </p:grpSpPr>
+        <p:sp>
+          <p:nvSpPr>
+            <p:cNvPr id="19" name="Cube 18"/>
+            <p:cNvSpPr/>
+            <p:nvPr/>
+          </p:nvSpPr>
+          <p:spPr>
+            <a:xfrm>
+              <a:off x="2938694" y="3635828"/>
+              <a:ext cx="6704269" cy="1407885"/>
+            </a:xfrm>
+            <a:prstGeom prst="cube">
+              <a:avLst>
+                <a:gd name="adj" fmla="val 67019"/>
+              </a:avLst>
+            </a:prstGeom>
+            <a:solidFill>
+              <a:srgbClr val="92D050"/>
+            </a:solidFill>
+            <a:ln w="6350">
+              <a:solidFill>
+                <a:schemeClr val="accent6">
+                  <a:lumMod val="75000"/>
+                </a:schemeClr>
+              </a:solidFill>
+            </a:ln>
+          </p:spPr>
+          <p:style>
+            <a:lnRef idx="2">
+              <a:schemeClr val="accent1">
+                <a:shade val="50000"/>
+              </a:schemeClr>
+            </a:lnRef>
+            <a:fillRef idx="1">
+              <a:schemeClr val="accent1"/>
+            </a:fillRef>
+            <a:effectRef idx="0">
+              <a:schemeClr val="accent1"/>
+            </a:effectRef>
+            <a:fontRef idx="minor">
+              <a:schemeClr val="lt1"/>
+            </a:fontRef>
+          </p:style>
+          <p:txBody>
+            <a:bodyPr tIns="46800" rtlCol="0" anchor="ctr"/>
+            <a:lstStyle/>
+            <a:p>
+              <a:pPr algn="ctr"/>
+              <a:r>
+                <a:rPr lang="en-US" sz="2400" b="1" dirty="0">
+                  <a:solidFill>
+                    <a:schemeClr val="tx1"/>
+                  </a:solidFill>
+                  <a:latin typeface="CMU Serif" panose="02000603000000000000" pitchFamily="2" charset="0"/>
+                  <a:ea typeface="CMU Serif" panose="02000603000000000000" pitchFamily="2" charset="0"/>
+                  <a:cs typeface="CMU Serif" panose="02000603000000000000" pitchFamily="2" charset="0"/>
+                </a:rPr>
+                <a:t>Kernel (</a:t>
+              </a:r>
+              <a:r>
+                <a:rPr lang="en-US" sz="2400" b="1" dirty="0" err="1">
+                  <a:solidFill>
+                    <a:schemeClr val="tx1"/>
+                  </a:solidFill>
+                  <a:latin typeface="CMU Serif" panose="02000603000000000000" pitchFamily="2" charset="0"/>
+                  <a:ea typeface="CMU Serif" panose="02000603000000000000" pitchFamily="2" charset="0"/>
+                  <a:cs typeface="CMU Serif" panose="02000603000000000000" pitchFamily="2" charset="0"/>
+                </a:rPr>
+                <a:t>bootfs</a:t>
+              </a:r>
+              <a:r>
+                <a:rPr lang="en-US" sz="2400" b="1" dirty="0">
+                  <a:solidFill>
+                    <a:schemeClr val="tx1"/>
+                  </a:solidFill>
+                  <a:latin typeface="CMU Serif" panose="02000603000000000000" pitchFamily="2" charset="0"/>
+                  <a:ea typeface="CMU Serif" panose="02000603000000000000" pitchFamily="2" charset="0"/>
+                  <a:cs typeface="CMU Serif" panose="02000603000000000000" pitchFamily="2" charset="0"/>
+                </a:rPr>
+                <a:t>)</a:t>
+              </a:r>
+              <a:endParaRPr lang="de-AT" sz="2400" b="1" dirty="0">
+                <a:solidFill>
+                  <a:schemeClr val="tx1"/>
+                </a:solidFill>
+                <a:latin typeface="CMU Serif" panose="02000603000000000000" pitchFamily="2" charset="0"/>
+                <a:ea typeface="CMU Serif" panose="02000603000000000000" pitchFamily="2" charset="0"/>
+                <a:cs typeface="CMU Serif" panose="02000603000000000000" pitchFamily="2" charset="0"/>
+              </a:endParaRPr>
+            </a:p>
+          </p:txBody>
+        </p:sp>
+        <p:sp>
+          <p:nvSpPr>
+            <p:cNvPr id="37" name="Cube 36"/>
+            <p:cNvSpPr/>
+            <p:nvPr/>
+          </p:nvSpPr>
+          <p:spPr>
+            <a:xfrm>
+              <a:off x="2938695" y="3173005"/>
+              <a:ext cx="4456334" cy="1407885"/>
+            </a:xfrm>
+            <a:prstGeom prst="cube">
+              <a:avLst>
+                <a:gd name="adj" fmla="val 67019"/>
+              </a:avLst>
+            </a:prstGeom>
+            <a:solidFill>
+              <a:srgbClr val="6DD9FF"/>
+            </a:solidFill>
+            <a:ln w="6350">
+              <a:solidFill>
+                <a:schemeClr val="accent1">
+                  <a:lumMod val="75000"/>
+                </a:schemeClr>
+              </a:solidFill>
+            </a:ln>
+          </p:spPr>
+          <p:style>
+            <a:lnRef idx="2">
+              <a:schemeClr val="accent1">
+                <a:shade val="50000"/>
+              </a:schemeClr>
+            </a:lnRef>
+            <a:fillRef idx="1">
+              <a:schemeClr val="accent1"/>
+            </a:fillRef>
+            <a:effectRef idx="0">
+              <a:schemeClr val="accent1"/>
+            </a:effectRef>
+            <a:fontRef idx="minor">
+              <a:schemeClr val="lt1"/>
+            </a:fontRef>
+          </p:style>
+          <p:txBody>
+            <a:bodyPr tIns="46800" rtlCol="0" anchor="ctr"/>
+            <a:lstStyle/>
+            <a:p>
+              <a:pPr algn="ctr"/>
+              <a:r>
+                <a:rPr lang="en-US" sz="2400" b="1" dirty="0">
+                  <a:solidFill>
+                    <a:schemeClr val="tx1"/>
+                  </a:solidFill>
+                  <a:latin typeface="CMU Serif" panose="02000603000000000000" pitchFamily="2" charset="0"/>
+                  <a:ea typeface="CMU Serif" panose="02000603000000000000" pitchFamily="2" charset="0"/>
+                  <a:cs typeface="CMU Serif" panose="02000603000000000000" pitchFamily="2" charset="0"/>
+                </a:rPr>
+                <a:t>alpine (Base Image)</a:t>
+              </a:r>
+              <a:endParaRPr lang="de-AT" sz="2400" b="1" dirty="0">
+                <a:solidFill>
+                  <a:schemeClr val="tx1"/>
+                </a:solidFill>
+                <a:latin typeface="CMU Serif" panose="02000603000000000000" pitchFamily="2" charset="0"/>
+                <a:ea typeface="CMU Serif" panose="02000603000000000000" pitchFamily="2" charset="0"/>
+                <a:cs typeface="CMU Serif" panose="02000603000000000000" pitchFamily="2" charset="0"/>
+              </a:endParaRPr>
+            </a:p>
+          </p:txBody>
+        </p:sp>
+        <p:sp>
+          <p:nvSpPr>
+            <p:cNvPr id="38" name="Cube 37"/>
+            <p:cNvSpPr/>
+            <p:nvPr/>
+          </p:nvSpPr>
+          <p:spPr>
+            <a:xfrm>
+              <a:off x="2938693" y="2710180"/>
+              <a:ext cx="4456334" cy="1407885"/>
+            </a:xfrm>
+            <a:prstGeom prst="cube">
+              <a:avLst>
+                <a:gd name="adj" fmla="val 67019"/>
+              </a:avLst>
+            </a:prstGeom>
+            <a:solidFill>
+              <a:srgbClr val="6DD9FF"/>
+            </a:solidFill>
+            <a:ln w="6350">
+              <a:solidFill>
+                <a:schemeClr val="accent1">
+                  <a:lumMod val="75000"/>
+                </a:schemeClr>
+              </a:solidFill>
+            </a:ln>
+          </p:spPr>
+          <p:style>
+            <a:lnRef idx="2">
+              <a:schemeClr val="accent1">
+                <a:shade val="50000"/>
+              </a:schemeClr>
+            </a:lnRef>
+            <a:fillRef idx="1">
+              <a:schemeClr val="accent1"/>
+            </a:fillRef>
+            <a:effectRef idx="0">
+              <a:schemeClr val="accent1"/>
+            </a:effectRef>
+            <a:fontRef idx="minor">
+              <a:schemeClr val="lt1"/>
+            </a:fontRef>
+          </p:style>
+          <p:txBody>
+            <a:bodyPr tIns="46800" rtlCol="0" anchor="ctr"/>
+            <a:lstStyle/>
+            <a:p>
+              <a:pPr algn="ctr"/>
+              <a:r>
+                <a:rPr lang="en-US" sz="2400" dirty="0">
+                  <a:solidFill>
+                    <a:schemeClr val="tx1"/>
+                  </a:solidFill>
+                  <a:latin typeface="CMU Serif" panose="02000603000000000000" pitchFamily="2" charset="0"/>
+                  <a:ea typeface="CMU Serif" panose="02000603000000000000" pitchFamily="2" charset="0"/>
+                  <a:cs typeface="CMU Serif" panose="02000603000000000000" pitchFamily="2" charset="0"/>
+                </a:rPr>
+                <a:t>add vi (Image)</a:t>
+              </a:r>
+              <a:endParaRPr lang="de-AT" sz="2400" dirty="0">
+                <a:solidFill>
+                  <a:schemeClr val="tx1"/>
+                </a:solidFill>
+                <a:latin typeface="CMU Serif" panose="02000603000000000000" pitchFamily="2" charset="0"/>
+                <a:ea typeface="CMU Serif" panose="02000603000000000000" pitchFamily="2" charset="0"/>
+                <a:cs typeface="CMU Serif" panose="02000603000000000000" pitchFamily="2" charset="0"/>
+              </a:endParaRPr>
+            </a:p>
+          </p:txBody>
+        </p:sp>
+        <p:sp>
+          <p:nvSpPr>
+            <p:cNvPr id="39" name="Cube 38"/>
+            <p:cNvSpPr/>
+            <p:nvPr/>
+          </p:nvSpPr>
+          <p:spPr>
+            <a:xfrm>
+              <a:off x="2938693" y="2247355"/>
+              <a:ext cx="4456334" cy="1407885"/>
+            </a:xfrm>
+            <a:prstGeom prst="cube">
+              <a:avLst>
+                <a:gd name="adj" fmla="val 67019"/>
+              </a:avLst>
+            </a:prstGeom>
+            <a:solidFill>
+              <a:srgbClr val="6DD9FF"/>
+            </a:solidFill>
+            <a:ln w="6350">
+              <a:solidFill>
+                <a:schemeClr val="accent1">
+                  <a:lumMod val="75000"/>
+                </a:schemeClr>
+              </a:solidFill>
+            </a:ln>
+          </p:spPr>
+          <p:style>
+            <a:lnRef idx="2">
+              <a:schemeClr val="accent1">
+                <a:shade val="50000"/>
+              </a:schemeClr>
+            </a:lnRef>
+            <a:fillRef idx="1">
+              <a:schemeClr val="accent1"/>
+            </a:fillRef>
+            <a:effectRef idx="0">
+              <a:schemeClr val="accent1"/>
+            </a:effectRef>
+            <a:fontRef idx="minor">
+              <a:schemeClr val="lt1"/>
+            </a:fontRef>
+          </p:style>
+          <p:txBody>
+            <a:bodyPr tIns="46800" rtlCol="0" anchor="ctr"/>
+            <a:lstStyle/>
+            <a:p>
+              <a:pPr algn="ctr"/>
+              <a:r>
+                <a:rPr lang="en-US" sz="2400" dirty="0">
+                  <a:solidFill>
+                    <a:schemeClr val="tx1"/>
+                  </a:solidFill>
+                  <a:latin typeface="CMU Serif" panose="02000603000000000000" pitchFamily="2" charset="0"/>
+                  <a:ea typeface="CMU Serif" panose="02000603000000000000" pitchFamily="2" charset="0"/>
+                  <a:cs typeface="CMU Serif" panose="02000603000000000000" pitchFamily="2" charset="0"/>
+                </a:rPr>
+                <a:t>add Java (Image)</a:t>
+              </a:r>
+              <a:endParaRPr lang="de-AT" sz="2400" dirty="0">
+                <a:solidFill>
+                  <a:schemeClr val="tx1"/>
+                </a:solidFill>
+                <a:latin typeface="CMU Serif" panose="02000603000000000000" pitchFamily="2" charset="0"/>
+                <a:ea typeface="CMU Serif" panose="02000603000000000000" pitchFamily="2" charset="0"/>
+                <a:cs typeface="CMU Serif" panose="02000603000000000000" pitchFamily="2" charset="0"/>
+              </a:endParaRPr>
+            </a:p>
+          </p:txBody>
+        </p:sp>
+        <p:sp>
+          <p:nvSpPr>
+            <p:cNvPr id="40" name="Cube 39"/>
+            <p:cNvSpPr/>
+            <p:nvPr/>
+          </p:nvSpPr>
+          <p:spPr>
+            <a:xfrm>
+              <a:off x="2938693" y="1784530"/>
+              <a:ext cx="4456334" cy="1407885"/>
+            </a:xfrm>
+            <a:prstGeom prst="cube">
+              <a:avLst>
+                <a:gd name="adj" fmla="val 67019"/>
+              </a:avLst>
+            </a:prstGeom>
+            <a:solidFill>
+              <a:srgbClr val="6DD9FF">
+                <a:alpha val="50000"/>
+              </a:srgbClr>
+            </a:solidFill>
+            <a:ln w="6350">
+              <a:solidFill>
+                <a:schemeClr val="accent1">
+                  <a:lumMod val="75000"/>
+                </a:schemeClr>
+              </a:solidFill>
+            </a:ln>
+          </p:spPr>
+          <p:style>
+            <a:lnRef idx="2">
+              <a:schemeClr val="accent1">
+                <a:shade val="50000"/>
+              </a:schemeClr>
+            </a:lnRef>
+            <a:fillRef idx="1">
+              <a:schemeClr val="accent1"/>
+            </a:fillRef>
+            <a:effectRef idx="0">
+              <a:schemeClr val="accent1"/>
+            </a:effectRef>
+            <a:fontRef idx="minor">
+              <a:schemeClr val="lt1"/>
+            </a:fontRef>
+          </p:style>
+          <p:txBody>
+            <a:bodyPr tIns="46800" rtlCol="0" anchor="ctr"/>
+            <a:lstStyle/>
+            <a:p>
+              <a:pPr algn="ctr"/>
+              <a:r>
+                <a:rPr lang="en-US" sz="2400" dirty="0">
+                  <a:solidFill>
+                    <a:schemeClr val="tx1"/>
+                  </a:solidFill>
+                  <a:latin typeface="CMU Serif" panose="02000603000000000000" pitchFamily="2" charset="0"/>
+                  <a:ea typeface="CMU Serif" panose="02000603000000000000" pitchFamily="2" charset="0"/>
+                  <a:cs typeface="CMU Serif" panose="02000603000000000000" pitchFamily="2" charset="0"/>
+                </a:rPr>
+                <a:t>writable FS (Container)</a:t>
+              </a:r>
+              <a:endParaRPr lang="de-AT" sz="2400" dirty="0">
+                <a:solidFill>
+                  <a:schemeClr val="tx1"/>
+                </a:solidFill>
+                <a:latin typeface="CMU Serif" panose="02000603000000000000" pitchFamily="2" charset="0"/>
+                <a:ea typeface="CMU Serif" panose="02000603000000000000" pitchFamily="2" charset="0"/>
+                <a:cs typeface="CMU Serif" panose="02000603000000000000" pitchFamily="2" charset="0"/>
+              </a:endParaRPr>
+            </a:p>
+          </p:txBody>
+        </p:sp>
+        <p:sp>
+          <p:nvSpPr>
+            <p:cNvPr id="43" name="Cube 42"/>
+            <p:cNvSpPr/>
+            <p:nvPr/>
+          </p:nvSpPr>
+          <p:spPr>
+            <a:xfrm>
+              <a:off x="6457513" y="3173004"/>
+              <a:ext cx="2377992" cy="1407885"/>
+            </a:xfrm>
+            <a:prstGeom prst="cube">
+              <a:avLst>
+                <a:gd name="adj" fmla="val 67019"/>
+              </a:avLst>
+            </a:prstGeom>
+            <a:solidFill>
+              <a:srgbClr val="FFC000"/>
+            </a:solidFill>
+            <a:ln w="6350">
+              <a:solidFill>
+                <a:schemeClr val="accent2"/>
+              </a:solidFill>
+            </a:ln>
+          </p:spPr>
+          <p:style>
+            <a:lnRef idx="2">
+              <a:schemeClr val="accent1">
+                <a:shade val="50000"/>
+              </a:schemeClr>
+            </a:lnRef>
+            <a:fillRef idx="1">
+              <a:schemeClr val="accent1"/>
+            </a:fillRef>
+            <a:effectRef idx="0">
+              <a:schemeClr val="accent1"/>
+            </a:effectRef>
+            <a:fontRef idx="minor">
+              <a:schemeClr val="lt1"/>
+            </a:fontRef>
+          </p:style>
+          <p:txBody>
+            <a:bodyPr tIns="46800" rtlCol="0" anchor="ctr"/>
+            <a:lstStyle/>
+            <a:p>
+              <a:pPr algn="ctr"/>
+              <a:r>
+                <a:rPr lang="en-US" sz="2400" dirty="0">
+                  <a:solidFill>
+                    <a:schemeClr val="tx1"/>
+                  </a:solidFill>
+                  <a:latin typeface="CMU Serif" panose="02000603000000000000" pitchFamily="2" charset="0"/>
+                  <a:ea typeface="CMU Serif" panose="02000603000000000000" pitchFamily="2" charset="0"/>
+                  <a:cs typeface="CMU Serif" panose="02000603000000000000" pitchFamily="2" charset="0"/>
+                </a:rPr>
+                <a:t>…</a:t>
+              </a:r>
+              <a:endParaRPr lang="de-AT" sz="2400" dirty="0">
+                <a:solidFill>
+                  <a:schemeClr val="tx1"/>
+                </a:solidFill>
+                <a:latin typeface="CMU Serif" panose="02000603000000000000" pitchFamily="2" charset="0"/>
+                <a:ea typeface="CMU Serif" panose="02000603000000000000" pitchFamily="2" charset="0"/>
+                <a:cs typeface="CMU Serif" panose="02000603000000000000" pitchFamily="2" charset="0"/>
+              </a:endParaRPr>
+            </a:p>
+          </p:txBody>
+        </p:sp>
+        <p:sp>
+          <p:nvSpPr>
+            <p:cNvPr id="44" name="Cube 43"/>
+            <p:cNvSpPr/>
+            <p:nvPr/>
+          </p:nvSpPr>
+          <p:spPr>
+            <a:xfrm>
+              <a:off x="6457513" y="2711720"/>
+              <a:ext cx="2377992" cy="1407885"/>
+            </a:xfrm>
+            <a:prstGeom prst="cube">
+              <a:avLst>
+                <a:gd name="adj" fmla="val 67019"/>
+              </a:avLst>
+            </a:prstGeom>
+            <a:solidFill>
+              <a:srgbClr val="FFC000">
+                <a:alpha val="50000"/>
+              </a:srgbClr>
+            </a:solidFill>
+            <a:ln w="6350">
+              <a:solidFill>
+                <a:schemeClr val="accent2"/>
+              </a:solidFill>
+            </a:ln>
+          </p:spPr>
+          <p:style>
+            <a:lnRef idx="2">
+              <a:schemeClr val="accent1">
+                <a:shade val="50000"/>
+              </a:schemeClr>
+            </a:lnRef>
+            <a:fillRef idx="1">
+              <a:schemeClr val="accent1"/>
+            </a:fillRef>
+            <a:effectRef idx="0">
+              <a:schemeClr val="accent1"/>
+            </a:effectRef>
+            <a:fontRef idx="minor">
+              <a:schemeClr val="lt1"/>
+            </a:fontRef>
+          </p:style>
+          <p:txBody>
+            <a:bodyPr tIns="46800" rtlCol="0" anchor="ctr"/>
+            <a:lstStyle/>
+            <a:p>
+              <a:pPr algn="ctr"/>
+              <a:r>
+                <a:rPr lang="en-US" sz="2400" dirty="0">
+                  <a:solidFill>
+                    <a:schemeClr val="tx1"/>
+                  </a:solidFill>
+                  <a:latin typeface="CMU Serif" panose="02000603000000000000" pitchFamily="2" charset="0"/>
+                  <a:ea typeface="CMU Serif" panose="02000603000000000000" pitchFamily="2" charset="0"/>
+                  <a:cs typeface="CMU Serif" panose="02000603000000000000" pitchFamily="2" charset="0"/>
+                </a:rPr>
+                <a:t>…</a:t>
+              </a:r>
+              <a:endParaRPr lang="de-AT" sz="2400" dirty="0">
+                <a:solidFill>
+                  <a:schemeClr val="tx1"/>
+                </a:solidFill>
+                <a:latin typeface="CMU Serif" panose="02000603000000000000" pitchFamily="2" charset="0"/>
+                <a:ea typeface="CMU Serif" panose="02000603000000000000" pitchFamily="2" charset="0"/>
+                <a:cs typeface="CMU Serif" panose="02000603000000000000" pitchFamily="2" charset="0"/>
+              </a:endParaRPr>
+            </a:p>
+          </p:txBody>
+        </p:sp>
+      </p:grpSp>
+      <p:sp>
+        <p:nvSpPr>
+          <p:cNvPr id="3" name="Rechteck 2"/>
+          <p:cNvSpPr/>
+          <p:nvPr/>
+        </p:nvSpPr>
+        <p:spPr>
+          <a:xfrm>
+            <a:off x="1756228" y="1821542"/>
+            <a:ext cx="5428343" cy="3998687"/>
+          </a:xfrm>
+          <a:prstGeom prst="rect">
+            <a:avLst/>
+          </a:prstGeom>
+          <a:solidFill>
+            <a:schemeClr val="bg1">
+              <a:lumMod val="95000"/>
+            </a:schemeClr>
+          </a:solidFill>
+          <a:ln>
+            <a:solidFill>
+              <a:schemeClr val="bg1">
+                <a:lumMod val="65000"/>
+              </a:schemeClr>
+            </a:solidFill>
+          </a:ln>
+        </p:spPr>
+        <p:style>
+          <a:lnRef idx="2">
+            <a:schemeClr val="accent1">
+              <a:shade val="50000"/>
+            </a:schemeClr>
+          </a:lnRef>
+          <a:fillRef idx="1">
+            <a:schemeClr val="accent1"/>
+          </a:fillRef>
+          <a:effectRef idx="0">
+            <a:schemeClr val="accent1"/>
+          </a:effectRef>
+          <a:fontRef idx="minor">
+            <a:schemeClr val="lt1"/>
+          </a:fontRef>
+        </p:style>
+        <p:txBody>
+          <a:bodyPr rtlCol="0" anchor="b"/>
+          <a:lstStyle/>
+          <a:p>
+            <a:pPr algn="ctr"/>
+            <a:r>
+              <a:rPr lang="en-US" dirty="0">
+                <a:solidFill>
+                  <a:schemeClr val="tx1"/>
+                </a:solidFill>
+              </a:rPr>
+              <a:t>&lt;base-image&gt;</a:t>
+            </a:r>
+            <a:endParaRPr lang="de-AT" dirty="0">
+              <a:solidFill>
+                <a:schemeClr val="tx1"/>
+              </a:solidFill>
+            </a:endParaRPr>
+          </a:p>
+        </p:txBody>
+      </p:sp>
+      <p:sp>
+        <p:nvSpPr>
+          <p:cNvPr id="13" name="Rechteck 12"/>
+          <p:cNvSpPr/>
+          <p:nvPr/>
+        </p:nvSpPr>
+        <p:spPr>
+          <a:xfrm>
+            <a:off x="2242232" y="2421892"/>
+            <a:ext cx="4456334" cy="547732"/>
+          </a:xfrm>
+          <a:prstGeom prst="rect">
+            <a:avLst/>
+          </a:prstGeom>
+          <a:solidFill>
+            <a:srgbClr val="6DD9FF"/>
+          </a:solidFill>
+          <a:ln w="6350">
+            <a:noFill/>
+          </a:ln>
+        </p:spPr>
+        <p:style>
+          <a:lnRef idx="2">
+            <a:schemeClr val="accent1">
+              <a:shade val="50000"/>
+            </a:schemeClr>
+          </a:lnRef>
+          <a:fillRef idx="1">
+            <a:schemeClr val="accent1"/>
+          </a:fillRef>
+          <a:effectRef idx="0">
+            <a:schemeClr val="accent1"/>
+          </a:effectRef>
+          <a:fontRef idx="minor">
+            <a:schemeClr val="lt1"/>
+          </a:fontRef>
+        </p:style>
+        <p:txBody>
+          <a:bodyPr tIns="46800" rtlCol="0" anchor="ctr"/>
+          <a:lstStyle/>
+          <a:p>
+            <a:pPr algn="ctr"/>
+            <a:r>
+              <a:rPr lang="en-US" sz="2400" dirty="0">
+                <a:solidFill>
+                  <a:schemeClr val="tx1"/>
+                </a:solidFill>
+                <a:latin typeface="CMU Serif" panose="02000603000000000000" pitchFamily="2" charset="0"/>
+                <a:ea typeface="CMU Serif" panose="02000603000000000000" pitchFamily="2" charset="0"/>
+                <a:cs typeface="CMU Serif" panose="02000603000000000000" pitchFamily="2" charset="0"/>
+              </a:rPr>
+              <a:t>f4e06eb</a:t>
+            </a:r>
+            <a:endParaRPr lang="de-AT" sz="2400" dirty="0">
+              <a:solidFill>
+                <a:schemeClr val="tx1"/>
+              </a:solidFill>
+              <a:latin typeface="CMU Serif" panose="02000603000000000000" pitchFamily="2" charset="0"/>
+              <a:ea typeface="CMU Serif" panose="02000603000000000000" pitchFamily="2" charset="0"/>
+              <a:cs typeface="CMU Serif" panose="02000603000000000000" pitchFamily="2" charset="0"/>
+            </a:endParaRPr>
+          </a:p>
+        </p:txBody>
+      </p:sp>
+      <p:sp>
+        <p:nvSpPr>
+          <p:cNvPr id="14" name="Rechteck 13"/>
+          <p:cNvSpPr/>
+          <p:nvPr/>
+        </p:nvSpPr>
+        <p:spPr>
+          <a:xfrm>
+            <a:off x="720575" y="907290"/>
+            <a:ext cx="9242031" cy="1407885"/>
+          </a:xfrm>
+          <a:prstGeom prst="rect">
+            <a:avLst/>
+          </a:prstGeom>
+          <a:solidFill>
+            <a:srgbClr val="92D050"/>
+          </a:solidFill>
+          <a:ln w="6350">
+            <a:noFill/>
+          </a:ln>
+        </p:spPr>
+        <p:style>
+          <a:lnRef idx="2">
+            <a:schemeClr val="accent1">
+              <a:shade val="50000"/>
+            </a:schemeClr>
+          </a:lnRef>
+          <a:fillRef idx="1">
+            <a:schemeClr val="accent1"/>
+          </a:fillRef>
+          <a:effectRef idx="0">
+            <a:schemeClr val="accent1"/>
+          </a:effectRef>
+          <a:fontRef idx="minor">
+            <a:schemeClr val="lt1"/>
+          </a:fontRef>
+        </p:style>
+        <p:txBody>
+          <a:bodyPr tIns="46800" rtlCol="0" anchor="ctr"/>
+          <a:lstStyle/>
+          <a:p>
+            <a:pPr algn="ctr"/>
+            <a:r>
+              <a:rPr lang="en-US" sz="2400" dirty="0">
+                <a:solidFill>
+                  <a:schemeClr val="tx1"/>
+                </a:solidFill>
+                <a:latin typeface="CMU Serif" panose="02000603000000000000" pitchFamily="2" charset="0"/>
+                <a:ea typeface="CMU Serif" panose="02000603000000000000" pitchFamily="2" charset="0"/>
+                <a:cs typeface="CMU Serif" panose="02000603000000000000" pitchFamily="2" charset="0"/>
+              </a:rPr>
+              <a:t>Random UUID (</a:t>
+            </a:r>
+            <a:r>
+              <a:rPr lang="en-US" sz="2400" dirty="0" err="1">
+                <a:solidFill>
+                  <a:schemeClr val="tx1"/>
+                </a:solidFill>
+                <a:latin typeface="CMU Serif" panose="02000603000000000000" pitchFamily="2" charset="0"/>
+                <a:ea typeface="CMU Serif" panose="02000603000000000000" pitchFamily="2" charset="0"/>
+                <a:cs typeface="CMU Serif" panose="02000603000000000000" pitchFamily="2" charset="0"/>
+              </a:rPr>
+              <a:t>alle</a:t>
+            </a:r>
+            <a:r>
+              <a:rPr lang="en-US" sz="2400" dirty="0">
+                <a:solidFill>
+                  <a:schemeClr val="tx1"/>
+                </a:solidFill>
+                <a:latin typeface="CMU Serif" panose="02000603000000000000" pitchFamily="2" charset="0"/>
+                <a:ea typeface="CMU Serif" panose="02000603000000000000" pitchFamily="2" charset="0"/>
+                <a:cs typeface="CMU Serif" panose="02000603000000000000" pitchFamily="2" charset="0"/>
+              </a:rPr>
+              <a:t> </a:t>
+            </a:r>
+            <a:r>
+              <a:rPr lang="en-US" sz="2400" dirty="0" err="1">
+                <a:solidFill>
+                  <a:schemeClr val="tx1"/>
+                </a:solidFill>
+                <a:latin typeface="CMU Serif" panose="02000603000000000000" pitchFamily="2" charset="0"/>
+                <a:ea typeface="CMU Serif" panose="02000603000000000000" pitchFamily="2" charset="0"/>
+                <a:cs typeface="CMU Serif" panose="02000603000000000000" pitchFamily="2" charset="0"/>
+              </a:rPr>
+              <a:t>Modifikationen</a:t>
+            </a:r>
+            <a:r>
+              <a:rPr lang="en-US" sz="2400" dirty="0">
+                <a:solidFill>
+                  <a:schemeClr val="tx1"/>
+                </a:solidFill>
+                <a:latin typeface="CMU Serif" panose="02000603000000000000" pitchFamily="2" charset="0"/>
+                <a:ea typeface="CMU Serif" panose="02000603000000000000" pitchFamily="2" charset="0"/>
+                <a:cs typeface="CMU Serif" panose="02000603000000000000" pitchFamily="2" charset="0"/>
+              </a:rPr>
+              <a:t> warden </a:t>
+            </a:r>
+            <a:r>
+              <a:rPr lang="en-US" sz="2400" dirty="0" err="1">
+                <a:solidFill>
+                  <a:schemeClr val="tx1"/>
+                </a:solidFill>
+                <a:latin typeface="CMU Serif" panose="02000603000000000000" pitchFamily="2" charset="0"/>
+                <a:ea typeface="CMU Serif" panose="02000603000000000000" pitchFamily="2" charset="0"/>
+                <a:cs typeface="CMU Serif" panose="02000603000000000000" pitchFamily="2" charset="0"/>
+              </a:rPr>
+              <a:t>hierdurchgeführt</a:t>
+            </a:r>
+            <a:r>
+              <a:rPr lang="en-US" sz="2400" dirty="0">
+                <a:solidFill>
+                  <a:schemeClr val="tx1"/>
+                </a:solidFill>
+                <a:latin typeface="CMU Serif" panose="02000603000000000000" pitchFamily="2" charset="0"/>
+                <a:ea typeface="CMU Serif" panose="02000603000000000000" pitchFamily="2" charset="0"/>
+                <a:cs typeface="CMU Serif" panose="02000603000000000000" pitchFamily="2" charset="0"/>
+              </a:rPr>
+              <a:t>)</a:t>
+            </a:r>
+            <a:endParaRPr lang="de-AT" sz="2400" dirty="0">
+              <a:solidFill>
+                <a:schemeClr val="tx1"/>
+              </a:solidFill>
+              <a:latin typeface="CMU Serif" panose="02000603000000000000" pitchFamily="2" charset="0"/>
+              <a:ea typeface="CMU Serif" panose="02000603000000000000" pitchFamily="2" charset="0"/>
+              <a:cs typeface="CMU Serif" panose="02000603000000000000" pitchFamily="2" charset="0"/>
+            </a:endParaRPr>
+          </a:p>
+        </p:txBody>
+      </p:sp>
+      <p:pic>
+        <p:nvPicPr>
+          <p:cNvPr id="4" name="Grafik 3"/>
+          <p:cNvPicPr>
+            <a:picLocks noChangeAspect="1"/>
+          </p:cNvPicPr>
+          <p:nvPr/>
+        </p:nvPicPr>
+        <p:blipFill>
+          <a:blip r:embed="rId2">
+            <a:extLst>
+              <a:ext uri="{28A0092B-C50C-407E-A947-70E740481C1C}">
+                <a14:useLocalDpi xmlns:a14="http://schemas.microsoft.com/office/drawing/2010/main" val="0"/>
+              </a:ext>
+            </a:extLst>
+          </a:blip>
+          <a:stretch>
+            <a:fillRect/>
+          </a:stretch>
+        </p:blipFill>
+        <p:spPr>
+          <a:xfrm>
+            <a:off x="7892361" y="1801768"/>
+            <a:ext cx="2438400" cy="2438400"/>
+          </a:xfrm>
+          <a:prstGeom prst="rect">
+            <a:avLst/>
+          </a:prstGeom>
+        </p:spPr>
+      </p:pic>
+      <p:sp>
+        <p:nvSpPr>
+          <p:cNvPr id="16" name="Rechteck 15"/>
+          <p:cNvSpPr/>
+          <p:nvPr/>
+        </p:nvSpPr>
+        <p:spPr>
+          <a:xfrm>
+            <a:off x="2242232" y="3077395"/>
+            <a:ext cx="4456334" cy="547732"/>
+          </a:xfrm>
+          <a:prstGeom prst="rect">
+            <a:avLst/>
+          </a:prstGeom>
+          <a:solidFill>
+            <a:srgbClr val="6DD9FF"/>
+          </a:solidFill>
+          <a:ln w="6350">
+            <a:noFill/>
+          </a:ln>
+        </p:spPr>
+        <p:style>
+          <a:lnRef idx="2">
+            <a:schemeClr val="accent1">
+              <a:shade val="50000"/>
+            </a:schemeClr>
+          </a:lnRef>
+          <a:fillRef idx="1">
+            <a:schemeClr val="accent1"/>
+          </a:fillRef>
+          <a:effectRef idx="0">
+            <a:schemeClr val="accent1"/>
+          </a:effectRef>
+          <a:fontRef idx="minor">
+            <a:schemeClr val="lt1"/>
+          </a:fontRef>
+        </p:style>
+        <p:txBody>
+          <a:bodyPr tIns="46800" rtlCol="0" anchor="ctr"/>
+          <a:lstStyle/>
+          <a:p>
+            <a:pPr algn="ctr"/>
+            <a:r>
+              <a:rPr lang="en-US" sz="2400" dirty="0">
+                <a:solidFill>
+                  <a:schemeClr val="tx1"/>
+                </a:solidFill>
+                <a:latin typeface="CMU Serif" panose="02000603000000000000" pitchFamily="2" charset="0"/>
+                <a:ea typeface="CMU Serif" panose="02000603000000000000" pitchFamily="2" charset="0"/>
+                <a:cs typeface="CMU Serif" panose="02000603000000000000" pitchFamily="2" charset="0"/>
+              </a:rPr>
+              <a:t>f4e06eb</a:t>
+            </a:r>
+            <a:endParaRPr lang="de-AT" sz="2400" dirty="0">
+              <a:solidFill>
+                <a:schemeClr val="tx1"/>
+              </a:solidFill>
+              <a:latin typeface="CMU Serif" panose="02000603000000000000" pitchFamily="2" charset="0"/>
+              <a:ea typeface="CMU Serif" panose="02000603000000000000" pitchFamily="2" charset="0"/>
+              <a:cs typeface="CMU Serif" panose="02000603000000000000" pitchFamily="2" charset="0"/>
+            </a:endParaRPr>
+          </a:p>
+        </p:txBody>
+      </p:sp>
+      <p:sp>
+        <p:nvSpPr>
+          <p:cNvPr id="17" name="Rechteck 16"/>
+          <p:cNvSpPr/>
+          <p:nvPr/>
+        </p:nvSpPr>
+        <p:spPr>
+          <a:xfrm>
+            <a:off x="2242232" y="3677234"/>
+            <a:ext cx="4456334" cy="547732"/>
+          </a:xfrm>
+          <a:prstGeom prst="rect">
+            <a:avLst/>
+          </a:prstGeom>
+          <a:solidFill>
+            <a:srgbClr val="6DD9FF"/>
+          </a:solidFill>
+          <a:ln w="6350">
+            <a:noFill/>
+          </a:ln>
+        </p:spPr>
+        <p:style>
+          <a:lnRef idx="2">
+            <a:schemeClr val="accent1">
+              <a:shade val="50000"/>
+            </a:schemeClr>
+          </a:lnRef>
+          <a:fillRef idx="1">
+            <a:schemeClr val="accent1"/>
+          </a:fillRef>
+          <a:effectRef idx="0">
+            <a:schemeClr val="accent1"/>
+          </a:effectRef>
+          <a:fontRef idx="minor">
+            <a:schemeClr val="lt1"/>
+          </a:fontRef>
+        </p:style>
+        <p:txBody>
+          <a:bodyPr tIns="46800" rtlCol="0" anchor="ctr"/>
+          <a:lstStyle/>
+          <a:p>
+            <a:pPr algn="ctr"/>
+            <a:r>
+              <a:rPr lang="en-US" sz="2400" dirty="0">
+                <a:solidFill>
+                  <a:schemeClr val="tx1"/>
+                </a:solidFill>
+                <a:latin typeface="CMU Serif" panose="02000603000000000000" pitchFamily="2" charset="0"/>
+                <a:ea typeface="CMU Serif" panose="02000603000000000000" pitchFamily="2" charset="0"/>
+                <a:cs typeface="CMU Serif" panose="02000603000000000000" pitchFamily="2" charset="0"/>
+              </a:rPr>
+              <a:t>f4e06eb</a:t>
+            </a:r>
+            <a:endParaRPr lang="de-AT" sz="2400" dirty="0">
+              <a:solidFill>
+                <a:schemeClr val="tx1"/>
+              </a:solidFill>
+              <a:latin typeface="CMU Serif" panose="02000603000000000000" pitchFamily="2" charset="0"/>
+              <a:ea typeface="CMU Serif" panose="02000603000000000000" pitchFamily="2" charset="0"/>
+              <a:cs typeface="CMU Serif" panose="02000603000000000000" pitchFamily="2" charset="0"/>
+            </a:endParaRPr>
+          </a:p>
+        </p:txBody>
+      </p:sp>
+      <p:sp>
+        <p:nvSpPr>
+          <p:cNvPr id="20" name="Rechteck 19"/>
+          <p:cNvSpPr/>
+          <p:nvPr/>
+        </p:nvSpPr>
+        <p:spPr>
+          <a:xfrm>
+            <a:off x="2242232" y="4448812"/>
+            <a:ext cx="4456334" cy="547732"/>
+          </a:xfrm>
+          <a:prstGeom prst="rect">
+            <a:avLst/>
+          </a:prstGeom>
+          <a:solidFill>
+            <a:srgbClr val="6DD9FF"/>
+          </a:solidFill>
+          <a:ln w="6350">
+            <a:noFill/>
+          </a:ln>
+        </p:spPr>
+        <p:style>
+          <a:lnRef idx="2">
+            <a:schemeClr val="accent1">
+              <a:shade val="50000"/>
+            </a:schemeClr>
+          </a:lnRef>
+          <a:fillRef idx="1">
+            <a:schemeClr val="accent1"/>
+          </a:fillRef>
+          <a:effectRef idx="0">
+            <a:schemeClr val="accent1"/>
+          </a:effectRef>
+          <a:fontRef idx="minor">
+            <a:schemeClr val="lt1"/>
+          </a:fontRef>
+        </p:style>
+        <p:txBody>
+          <a:bodyPr tIns="46800" rtlCol="0" anchor="ctr"/>
+          <a:lstStyle/>
+          <a:p>
+            <a:pPr algn="ctr"/>
+            <a:r>
+              <a:rPr lang="en-US" sz="2400" dirty="0">
+                <a:solidFill>
+                  <a:schemeClr val="tx1"/>
+                </a:solidFill>
+                <a:latin typeface="CMU Serif" panose="02000603000000000000" pitchFamily="2" charset="0"/>
+                <a:ea typeface="CMU Serif" panose="02000603000000000000" pitchFamily="2" charset="0"/>
+                <a:cs typeface="CMU Serif" panose="02000603000000000000" pitchFamily="2" charset="0"/>
+              </a:rPr>
+              <a:t>f4e06eb</a:t>
+            </a:r>
+            <a:endParaRPr lang="de-AT" sz="2400" dirty="0">
+              <a:solidFill>
+                <a:schemeClr val="tx1"/>
+              </a:solidFill>
+              <a:latin typeface="CMU Serif" panose="02000603000000000000" pitchFamily="2" charset="0"/>
+              <a:ea typeface="CMU Serif" panose="02000603000000000000" pitchFamily="2" charset="0"/>
+              <a:cs typeface="CMU Serif" panose="02000603000000000000" pitchFamily="2" charset="0"/>
+            </a:endParaRPr>
+          </a:p>
+        </p:txBody>
+      </p:sp>
+    </p:spTree>
+    <p:extLst>
+      <p:ext uri="{BB962C8B-B14F-4D97-AF65-F5344CB8AC3E}">
+        <p14:creationId xmlns:p14="http://schemas.microsoft.com/office/powerpoint/2010/main" val="3411109483"/>
+      </p:ext>
+    </p:extLst>
+  </p:cSld>
+  <p:clrMapOvr>
+    <a:masterClrMapping/>
+  </p:clrMapOvr>
+</p:sld>
+</file>
+
 <file path=ppt/theme/theme1.xml><?xml version="1.0" encoding="utf-8"?>
 <a:theme xmlns:a="http://schemas.openxmlformats.org/drawingml/2006/main" name="Office">
   <a:themeElements>

--- a/images/graphics.pptx
+++ b/images/graphics.pptx
@@ -11,6 +11,7 @@
     <p:sldId id="259" r:id="rId5"/>
     <p:sldId id="260" r:id="rId6"/>
     <p:sldId id="261" r:id="rId7"/>
+    <p:sldId id="262" r:id="rId8"/>
   </p:sldIdLst>
   <p:sldSz cx="12192000" cy="6858000"/>
   <p:notesSz cx="6858000" cy="9144000"/>
@@ -259,7 +260,7 @@
           <a:p>
             <a:fld id="{6CD14F0C-FDCF-4194-8431-39569BE287B9}" type="datetimeFigureOut">
               <a:rPr lang="de-AT" smtClean="0"/>
-              <a:t>22.02.2017</a:t>
+              <a:t>23.02.2017</a:t>
             </a:fld>
             <a:endParaRPr lang="de-AT"/>
           </a:p>
@@ -429,7 +430,7 @@
           <a:p>
             <a:fld id="{6CD14F0C-FDCF-4194-8431-39569BE287B9}" type="datetimeFigureOut">
               <a:rPr lang="de-AT" smtClean="0"/>
-              <a:t>22.02.2017</a:t>
+              <a:t>23.02.2017</a:t>
             </a:fld>
             <a:endParaRPr lang="de-AT"/>
           </a:p>
@@ -609,7 +610,7 @@
           <a:p>
             <a:fld id="{6CD14F0C-FDCF-4194-8431-39569BE287B9}" type="datetimeFigureOut">
               <a:rPr lang="de-AT" smtClean="0"/>
-              <a:t>22.02.2017</a:t>
+              <a:t>23.02.2017</a:t>
             </a:fld>
             <a:endParaRPr lang="de-AT"/>
           </a:p>
@@ -779,7 +780,7 @@
           <a:p>
             <a:fld id="{6CD14F0C-FDCF-4194-8431-39569BE287B9}" type="datetimeFigureOut">
               <a:rPr lang="de-AT" smtClean="0"/>
-              <a:t>22.02.2017</a:t>
+              <a:t>23.02.2017</a:t>
             </a:fld>
             <a:endParaRPr lang="de-AT"/>
           </a:p>
@@ -1025,7 +1026,7 @@
           <a:p>
             <a:fld id="{6CD14F0C-FDCF-4194-8431-39569BE287B9}" type="datetimeFigureOut">
               <a:rPr lang="de-AT" smtClean="0"/>
-              <a:t>22.02.2017</a:t>
+              <a:t>23.02.2017</a:t>
             </a:fld>
             <a:endParaRPr lang="de-AT"/>
           </a:p>
@@ -1257,7 +1258,7 @@
           <a:p>
             <a:fld id="{6CD14F0C-FDCF-4194-8431-39569BE287B9}" type="datetimeFigureOut">
               <a:rPr lang="de-AT" smtClean="0"/>
-              <a:t>22.02.2017</a:t>
+              <a:t>23.02.2017</a:t>
             </a:fld>
             <a:endParaRPr lang="de-AT"/>
           </a:p>
@@ -1624,7 +1625,7 @@
           <a:p>
             <a:fld id="{6CD14F0C-FDCF-4194-8431-39569BE287B9}" type="datetimeFigureOut">
               <a:rPr lang="de-AT" smtClean="0"/>
-              <a:t>22.02.2017</a:t>
+              <a:t>23.02.2017</a:t>
             </a:fld>
             <a:endParaRPr lang="de-AT"/>
           </a:p>
@@ -1751,7 +1752,7 @@
           <a:p>
             <a:fld id="{6CD14F0C-FDCF-4194-8431-39569BE287B9}" type="datetimeFigureOut">
               <a:rPr lang="de-AT" smtClean="0"/>
-              <a:t>22.02.2017</a:t>
+              <a:t>23.02.2017</a:t>
             </a:fld>
             <a:endParaRPr lang="de-AT"/>
           </a:p>
@@ -1846,7 +1847,7 @@
           <a:p>
             <a:fld id="{6CD14F0C-FDCF-4194-8431-39569BE287B9}" type="datetimeFigureOut">
               <a:rPr lang="de-AT" smtClean="0"/>
-              <a:t>22.02.2017</a:t>
+              <a:t>23.02.2017</a:t>
             </a:fld>
             <a:endParaRPr lang="de-AT"/>
           </a:p>
@@ -2123,7 +2124,7 @@
           <a:p>
             <a:fld id="{6CD14F0C-FDCF-4194-8431-39569BE287B9}" type="datetimeFigureOut">
               <a:rPr lang="de-AT" smtClean="0"/>
-              <a:t>22.02.2017</a:t>
+              <a:t>23.02.2017</a:t>
             </a:fld>
             <a:endParaRPr lang="de-AT"/>
           </a:p>
@@ -2376,7 +2377,7 @@
           <a:p>
             <a:fld id="{6CD14F0C-FDCF-4194-8431-39569BE287B9}" type="datetimeFigureOut">
               <a:rPr lang="de-AT" smtClean="0"/>
-              <a:t>22.02.2017</a:t>
+              <a:t>23.02.2017</a:t>
             </a:fld>
             <a:endParaRPr lang="de-AT"/>
           </a:p>
@@ -2589,7 +2590,7 @@
           <a:p>
             <a:fld id="{6CD14F0C-FDCF-4194-8431-39569BE287B9}" type="datetimeFigureOut">
               <a:rPr lang="de-AT" smtClean="0"/>
-              <a:t>22.02.2017</a:t>
+              <a:t>23.02.2017</a:t>
             </a:fld>
             <a:endParaRPr lang="de-AT"/>
           </a:p>
@@ -8285,6 +8286,1228 @@
 </p:sld>
 </file>
 
+<file path=ppt/slides/slide7.xml><?xml version="1.0" encoding="utf-8"?>
+<p:sld xmlns:a="http://schemas.openxmlformats.org/drawingml/2006/main" xmlns:r="http://schemas.openxmlformats.org/officeDocument/2006/relationships" xmlns:p="http://schemas.openxmlformats.org/presentationml/2006/main">
+  <p:cSld>
+    <p:spTree>
+      <p:nvGrpSpPr>
+        <p:cNvPr id="1" name=""/>
+        <p:cNvGrpSpPr/>
+        <p:nvPr/>
+      </p:nvGrpSpPr>
+      <p:grpSpPr>
+        <a:xfrm>
+          <a:off x="0" y="0"/>
+          <a:ext cx="0" cy="0"/>
+          <a:chOff x="0" y="0"/>
+          <a:chExt cx="0" cy="0"/>
+        </a:xfrm>
+      </p:grpSpPr>
+      <p:sp>
+        <p:nvSpPr>
+          <p:cNvPr id="18" name="Titel 17"/>
+          <p:cNvSpPr>
+            <a:spLocks noGrp="1"/>
+          </p:cNvSpPr>
+          <p:nvPr>
+            <p:ph type="title"/>
+          </p:nvPr>
+        </p:nvSpPr>
+        <p:spPr/>
+        <p:txBody>
+          <a:bodyPr>
+            <a:normAutofit/>
+          </a:bodyPr>
+          <a:lstStyle/>
+          <a:p>
+            <a:r>
+              <a:rPr lang="en-US" dirty="0"/>
+              <a:t>Docker-</a:t>
+            </a:r>
+            <a:r>
+              <a:rPr lang="en-US" dirty="0" err="1"/>
+              <a:t>Architektur</a:t>
+            </a:r>
+            <a:endParaRPr lang="de-AT" dirty="0"/>
+          </a:p>
+        </p:txBody>
+      </p:sp>
+      <p:sp>
+        <p:nvSpPr>
+          <p:cNvPr id="10" name="Rechteck 9"/>
+          <p:cNvSpPr/>
+          <p:nvPr/>
+        </p:nvSpPr>
+        <p:spPr>
+          <a:xfrm>
+            <a:off x="12371078" y="0"/>
+            <a:ext cx="1983277" cy="955991"/>
+          </a:xfrm>
+          <a:prstGeom prst="rect">
+            <a:avLst/>
+          </a:prstGeom>
+          <a:solidFill>
+            <a:srgbClr val="FFFF00"/>
+          </a:solidFill>
+          <a:ln>
+            <a:noFill/>
+          </a:ln>
+        </p:spPr>
+        <p:style>
+          <a:lnRef idx="2">
+            <a:schemeClr val="accent1">
+              <a:shade val="50000"/>
+            </a:schemeClr>
+          </a:lnRef>
+          <a:fillRef idx="1">
+            <a:schemeClr val="accent1"/>
+          </a:fillRef>
+          <a:effectRef idx="0">
+            <a:schemeClr val="accent1"/>
+          </a:effectRef>
+          <a:fontRef idx="minor">
+            <a:schemeClr val="lt1"/>
+          </a:fontRef>
+        </p:style>
+        <p:txBody>
+          <a:bodyPr rtlCol="0" anchor="ctr"/>
+          <a:lstStyle/>
+          <a:p>
+            <a:pPr algn="ctr"/>
+            <a:r>
+              <a:rPr lang="en-US" sz="2400" dirty="0">
+                <a:solidFill>
+                  <a:schemeClr val="tx1"/>
+                </a:solidFill>
+                <a:latin typeface="CMU Serif" panose="02000603000000000000" pitchFamily="2" charset="0"/>
+                <a:ea typeface="CMU Serif" panose="02000603000000000000" pitchFamily="2" charset="0"/>
+                <a:cs typeface="CMU Serif" panose="02000603000000000000" pitchFamily="2" charset="0"/>
+              </a:rPr>
+              <a:t>yellow</a:t>
+            </a:r>
+            <a:endParaRPr lang="de-AT" sz="2400" dirty="0">
+              <a:solidFill>
+                <a:schemeClr val="tx1"/>
+              </a:solidFill>
+              <a:latin typeface="CMU Serif" panose="02000603000000000000" pitchFamily="2" charset="0"/>
+              <a:ea typeface="CMU Serif" panose="02000603000000000000" pitchFamily="2" charset="0"/>
+              <a:cs typeface="CMU Serif" panose="02000603000000000000" pitchFamily="2" charset="0"/>
+            </a:endParaRPr>
+          </a:p>
+        </p:txBody>
+      </p:sp>
+      <p:grpSp>
+        <p:nvGrpSpPr>
+          <p:cNvPr id="70" name="Gruppieren 69"/>
+          <p:cNvGrpSpPr/>
+          <p:nvPr/>
+        </p:nvGrpSpPr>
+        <p:grpSpPr>
+          <a:xfrm>
+            <a:off x="975811" y="1339081"/>
+            <a:ext cx="10242609" cy="4179838"/>
+            <a:chOff x="761841" y="871556"/>
+            <a:chExt cx="10242609" cy="4179838"/>
+          </a:xfrm>
+        </p:grpSpPr>
+        <p:grpSp>
+          <p:nvGrpSpPr>
+            <p:cNvPr id="6" name="Gruppieren 5"/>
+            <p:cNvGrpSpPr/>
+            <p:nvPr/>
+          </p:nvGrpSpPr>
+          <p:grpSpPr>
+            <a:xfrm>
+              <a:off x="761841" y="871556"/>
+              <a:ext cx="2556807" cy="1380247"/>
+              <a:chOff x="571404" y="881690"/>
+              <a:chExt cx="2556807" cy="1380247"/>
+            </a:xfrm>
+          </p:grpSpPr>
+          <p:sp>
+            <p:nvSpPr>
+              <p:cNvPr id="3" name="Rechteck 2"/>
+              <p:cNvSpPr/>
+              <p:nvPr/>
+            </p:nvSpPr>
+            <p:spPr>
+              <a:xfrm>
+                <a:off x="571404" y="881690"/>
+                <a:ext cx="2556807" cy="1380247"/>
+              </a:xfrm>
+              <a:prstGeom prst="rect">
+                <a:avLst/>
+              </a:prstGeom>
+              <a:solidFill>
+                <a:schemeClr val="bg1">
+                  <a:lumMod val="95000"/>
+                </a:schemeClr>
+              </a:solidFill>
+              <a:ln>
+                <a:solidFill>
+                  <a:schemeClr val="bg1">
+                    <a:lumMod val="65000"/>
+                  </a:schemeClr>
+                </a:solidFill>
+              </a:ln>
+            </p:spPr>
+            <p:style>
+              <a:lnRef idx="2">
+                <a:schemeClr val="accent1">
+                  <a:shade val="50000"/>
+                </a:schemeClr>
+              </a:lnRef>
+              <a:fillRef idx="1">
+                <a:schemeClr val="accent1"/>
+              </a:fillRef>
+              <a:effectRef idx="0">
+                <a:schemeClr val="accent1"/>
+              </a:effectRef>
+              <a:fontRef idx="minor">
+                <a:schemeClr val="lt1"/>
+              </a:fontRef>
+            </p:style>
+            <p:txBody>
+              <a:bodyPr rtlCol="0" anchor="t"/>
+              <a:lstStyle/>
+              <a:p>
+                <a:pPr algn="ctr"/>
+                <a:r>
+                  <a:rPr lang="en-US" sz="2400" dirty="0">
+                    <a:solidFill>
+                      <a:schemeClr val="tx1"/>
+                    </a:solidFill>
+                    <a:latin typeface="CMU Serif" panose="02000603000000000000"/>
+                  </a:rPr>
+                  <a:t>Client</a:t>
+                </a:r>
+                <a:endParaRPr lang="de-AT" sz="2400" dirty="0">
+                  <a:solidFill>
+                    <a:schemeClr val="tx1"/>
+                  </a:solidFill>
+                  <a:latin typeface="CMU Serif" panose="02000603000000000000"/>
+                </a:endParaRPr>
+              </a:p>
+            </p:txBody>
+          </p:sp>
+          <p:sp>
+            <p:nvSpPr>
+              <p:cNvPr id="24" name="Rechteck 23"/>
+              <p:cNvSpPr/>
+              <p:nvPr/>
+            </p:nvSpPr>
+            <p:spPr>
+              <a:xfrm>
+                <a:off x="858168" y="1491672"/>
+                <a:ext cx="1983277" cy="576185"/>
+              </a:xfrm>
+              <a:prstGeom prst="rect">
+                <a:avLst/>
+              </a:prstGeom>
+              <a:solidFill>
+                <a:srgbClr val="6DD9FF"/>
+              </a:solidFill>
+              <a:ln>
+                <a:noFill/>
+              </a:ln>
+            </p:spPr>
+            <p:style>
+              <a:lnRef idx="2">
+                <a:schemeClr val="accent1">
+                  <a:shade val="50000"/>
+                </a:schemeClr>
+              </a:lnRef>
+              <a:fillRef idx="1">
+                <a:schemeClr val="accent1"/>
+              </a:fillRef>
+              <a:effectRef idx="0">
+                <a:schemeClr val="accent1"/>
+              </a:effectRef>
+              <a:fontRef idx="minor">
+                <a:schemeClr val="lt1"/>
+              </a:fontRef>
+            </p:style>
+            <p:txBody>
+              <a:bodyPr rtlCol="0" anchor="ctr"/>
+              <a:lstStyle/>
+              <a:p>
+                <a:pPr algn="ctr"/>
+                <a:r>
+                  <a:rPr lang="en-US" sz="2400" dirty="0" err="1">
+                    <a:solidFill>
+                      <a:schemeClr val="tx1"/>
+                    </a:solidFill>
+                    <a:latin typeface="CMU Serif" panose="02000603000000000000" pitchFamily="2" charset="0"/>
+                    <a:ea typeface="CMU Serif" panose="02000603000000000000" pitchFamily="2" charset="0"/>
+                    <a:cs typeface="CMU Serif" panose="02000603000000000000" pitchFamily="2" charset="0"/>
+                  </a:rPr>
+                  <a:t>docker</a:t>
+                </a:r>
+                <a:r>
+                  <a:rPr lang="en-US" sz="2400" dirty="0">
+                    <a:solidFill>
+                      <a:schemeClr val="tx1"/>
+                    </a:solidFill>
+                    <a:latin typeface="CMU Serif" panose="02000603000000000000" pitchFamily="2" charset="0"/>
+                    <a:ea typeface="CMU Serif" panose="02000603000000000000" pitchFamily="2" charset="0"/>
+                    <a:cs typeface="CMU Serif" panose="02000603000000000000" pitchFamily="2" charset="0"/>
+                  </a:rPr>
+                  <a:t> run</a:t>
+                </a:r>
+                <a:endParaRPr lang="de-AT" sz="2400" dirty="0">
+                  <a:solidFill>
+                    <a:schemeClr val="tx1"/>
+                  </a:solidFill>
+                  <a:latin typeface="CMU Serif" panose="02000603000000000000" pitchFamily="2" charset="0"/>
+                  <a:ea typeface="CMU Serif" panose="02000603000000000000" pitchFamily="2" charset="0"/>
+                  <a:cs typeface="CMU Serif" panose="02000603000000000000" pitchFamily="2" charset="0"/>
+                </a:endParaRPr>
+              </a:p>
+            </p:txBody>
+          </p:sp>
+        </p:grpSp>
+        <p:grpSp>
+          <p:nvGrpSpPr>
+            <p:cNvPr id="69" name="Gruppieren 68"/>
+            <p:cNvGrpSpPr/>
+            <p:nvPr/>
+          </p:nvGrpSpPr>
+          <p:grpSpPr>
+            <a:xfrm>
+              <a:off x="9204804" y="871557"/>
+              <a:ext cx="1799646" cy="2037595"/>
+              <a:chOff x="9204804" y="871557"/>
+              <a:chExt cx="1799646" cy="2037595"/>
+            </a:xfrm>
+          </p:grpSpPr>
+          <p:sp>
+            <p:nvSpPr>
+              <p:cNvPr id="23" name="Rechteck 22"/>
+              <p:cNvSpPr/>
+              <p:nvPr/>
+            </p:nvSpPr>
+            <p:spPr>
+              <a:xfrm>
+                <a:off x="9204804" y="871557"/>
+                <a:ext cx="1721429" cy="1820110"/>
+              </a:xfrm>
+              <a:prstGeom prst="rect">
+                <a:avLst/>
+              </a:prstGeom>
+              <a:solidFill>
+                <a:schemeClr val="bg1">
+                  <a:lumMod val="95000"/>
+                </a:schemeClr>
+              </a:solidFill>
+              <a:ln>
+                <a:solidFill>
+                  <a:schemeClr val="bg1">
+                    <a:lumMod val="65000"/>
+                  </a:schemeClr>
+                </a:solidFill>
+              </a:ln>
+            </p:spPr>
+            <p:style>
+              <a:lnRef idx="2">
+                <a:schemeClr val="accent1">
+                  <a:shade val="50000"/>
+                </a:schemeClr>
+              </a:lnRef>
+              <a:fillRef idx="1">
+                <a:schemeClr val="accent1"/>
+              </a:fillRef>
+              <a:effectRef idx="0">
+                <a:schemeClr val="accent1"/>
+              </a:effectRef>
+              <a:fontRef idx="minor">
+                <a:schemeClr val="lt1"/>
+              </a:fontRef>
+            </p:style>
+            <p:txBody>
+              <a:bodyPr rtlCol="0" anchor="t"/>
+              <a:lstStyle/>
+              <a:p>
+                <a:pPr algn="ctr"/>
+                <a:r>
+                  <a:rPr lang="en-US" sz="2400" dirty="0">
+                    <a:solidFill>
+                      <a:schemeClr val="tx1"/>
+                    </a:solidFill>
+                    <a:latin typeface="CMU Serif" panose="02000603000000000000"/>
+                  </a:rPr>
+                  <a:t>Registry</a:t>
+                </a:r>
+                <a:endParaRPr lang="de-AT" sz="2400" dirty="0">
+                  <a:solidFill>
+                    <a:schemeClr val="tx1"/>
+                  </a:solidFill>
+                  <a:latin typeface="CMU Serif" panose="02000603000000000000"/>
+                </a:endParaRPr>
+              </a:p>
+            </p:txBody>
+          </p:sp>
+          <p:pic>
+            <p:nvPicPr>
+              <p:cNvPr id="5" name="Grafik 4"/>
+              <p:cNvPicPr>
+                <a:picLocks noChangeAspect="1"/>
+              </p:cNvPicPr>
+              <p:nvPr/>
+            </p:nvPicPr>
+            <p:blipFill>
+              <a:blip r:embed="rId2">
+                <a:extLst>
+                  <a:ext uri="{28A0092B-C50C-407E-A947-70E740481C1C}">
+                    <a14:useLocalDpi xmlns:a14="http://schemas.microsoft.com/office/drawing/2010/main" val="0"/>
+                  </a:ext>
+                </a:extLst>
+              </a:blip>
+              <a:stretch>
+                <a:fillRect/>
+              </a:stretch>
+            </p:blipFill>
+            <p:spPr>
+              <a:xfrm>
+                <a:off x="9412177" y="1390780"/>
+                <a:ext cx="767190" cy="767190"/>
+              </a:xfrm>
+              <a:prstGeom prst="rect">
+                <a:avLst/>
+              </a:prstGeom>
+            </p:spPr>
+          </p:pic>
+          <p:pic>
+            <p:nvPicPr>
+              <p:cNvPr id="7" name="Grafik 6"/>
+              <p:cNvPicPr>
+                <a:picLocks noChangeAspect="1"/>
+              </p:cNvPicPr>
+              <p:nvPr/>
+            </p:nvPicPr>
+            <p:blipFill rotWithShape="1">
+              <a:blip r:embed="rId3">
+                <a:extLst>
+                  <a:ext uri="{28A0092B-C50C-407E-A947-70E740481C1C}">
+                    <a14:useLocalDpi xmlns:a14="http://schemas.microsoft.com/office/drawing/2010/main" val="0"/>
+                  </a:ext>
+                </a:extLst>
+              </a:blip>
+              <a:srcRect b="33590"/>
+              <a:stretch/>
+            </p:blipFill>
+            <p:spPr>
+              <a:xfrm>
+                <a:off x="9896682" y="2300390"/>
+                <a:ext cx="1107768" cy="608762"/>
+              </a:xfrm>
+              <a:prstGeom prst="rect">
+                <a:avLst/>
+              </a:prstGeom>
+            </p:spPr>
+          </p:pic>
+          <p:grpSp>
+            <p:nvGrpSpPr>
+              <p:cNvPr id="9" name="Gruppieren 8"/>
+              <p:cNvGrpSpPr/>
+              <p:nvPr/>
+            </p:nvGrpSpPr>
+            <p:grpSpPr>
+              <a:xfrm rot="5400000">
+                <a:off x="10490874" y="1605938"/>
+                <a:ext cx="72000" cy="334024"/>
+                <a:chOff x="10338520" y="3871800"/>
+                <a:chExt cx="72000" cy="334024"/>
+              </a:xfrm>
+            </p:grpSpPr>
+            <p:sp>
+              <p:nvSpPr>
+                <p:cNvPr id="8" name="Ellipse 7"/>
+                <p:cNvSpPr/>
+                <p:nvPr/>
+              </p:nvSpPr>
+              <p:spPr>
+                <a:xfrm>
+                  <a:off x="10338520" y="3871800"/>
+                  <a:ext cx="72000" cy="72000"/>
+                </a:xfrm>
+                <a:prstGeom prst="ellipse">
+                  <a:avLst/>
+                </a:prstGeom>
+                <a:solidFill>
+                  <a:schemeClr val="tx1">
+                    <a:lumMod val="50000"/>
+                    <a:lumOff val="50000"/>
+                  </a:schemeClr>
+                </a:solidFill>
+                <a:ln>
+                  <a:noFill/>
+                </a:ln>
+              </p:spPr>
+              <p:style>
+                <a:lnRef idx="2">
+                  <a:schemeClr val="accent1">
+                    <a:shade val="50000"/>
+                  </a:schemeClr>
+                </a:lnRef>
+                <a:fillRef idx="1">
+                  <a:schemeClr val="accent1"/>
+                </a:fillRef>
+                <a:effectRef idx="0">
+                  <a:schemeClr val="accent1"/>
+                </a:effectRef>
+                <a:fontRef idx="minor">
+                  <a:schemeClr val="lt1"/>
+                </a:fontRef>
+              </p:style>
+              <p:txBody>
+                <a:bodyPr rtlCol="0" anchor="ctr"/>
+                <a:lstStyle/>
+                <a:p>
+                  <a:pPr algn="ctr"/>
+                  <a:endParaRPr lang="de-AT"/>
+                </a:p>
+              </p:txBody>
+            </p:sp>
+            <p:sp>
+              <p:nvSpPr>
+                <p:cNvPr id="27" name="Ellipse 26"/>
+                <p:cNvSpPr/>
+                <p:nvPr/>
+              </p:nvSpPr>
+              <p:spPr>
+                <a:xfrm>
+                  <a:off x="10338520" y="4004024"/>
+                  <a:ext cx="72000" cy="72000"/>
+                </a:xfrm>
+                <a:prstGeom prst="ellipse">
+                  <a:avLst/>
+                </a:prstGeom>
+                <a:solidFill>
+                  <a:schemeClr val="tx1">
+                    <a:lumMod val="50000"/>
+                    <a:lumOff val="50000"/>
+                  </a:schemeClr>
+                </a:solidFill>
+                <a:ln>
+                  <a:noFill/>
+                </a:ln>
+              </p:spPr>
+              <p:style>
+                <a:lnRef idx="2">
+                  <a:schemeClr val="accent1">
+                    <a:shade val="50000"/>
+                  </a:schemeClr>
+                </a:lnRef>
+                <a:fillRef idx="1">
+                  <a:schemeClr val="accent1"/>
+                </a:fillRef>
+                <a:effectRef idx="0">
+                  <a:schemeClr val="accent1"/>
+                </a:effectRef>
+                <a:fontRef idx="minor">
+                  <a:schemeClr val="lt1"/>
+                </a:fontRef>
+              </p:style>
+              <p:txBody>
+                <a:bodyPr rtlCol="0" anchor="ctr"/>
+                <a:lstStyle/>
+                <a:p>
+                  <a:pPr algn="ctr"/>
+                  <a:endParaRPr lang="de-AT"/>
+                </a:p>
+              </p:txBody>
+            </p:sp>
+            <p:sp>
+              <p:nvSpPr>
+                <p:cNvPr id="28" name="Ellipse 27"/>
+                <p:cNvSpPr/>
+                <p:nvPr/>
+              </p:nvSpPr>
+              <p:spPr>
+                <a:xfrm>
+                  <a:off x="10338520" y="4133824"/>
+                  <a:ext cx="72000" cy="72000"/>
+                </a:xfrm>
+                <a:prstGeom prst="ellipse">
+                  <a:avLst/>
+                </a:prstGeom>
+                <a:solidFill>
+                  <a:schemeClr val="tx1">
+                    <a:lumMod val="50000"/>
+                    <a:lumOff val="50000"/>
+                  </a:schemeClr>
+                </a:solidFill>
+                <a:ln>
+                  <a:noFill/>
+                </a:ln>
+              </p:spPr>
+              <p:style>
+                <a:lnRef idx="2">
+                  <a:schemeClr val="accent1">
+                    <a:shade val="50000"/>
+                  </a:schemeClr>
+                </a:lnRef>
+                <a:fillRef idx="1">
+                  <a:schemeClr val="accent1"/>
+                </a:fillRef>
+                <a:effectRef idx="0">
+                  <a:schemeClr val="accent1"/>
+                </a:effectRef>
+                <a:fontRef idx="minor">
+                  <a:schemeClr val="lt1"/>
+                </a:fontRef>
+              </p:style>
+              <p:txBody>
+                <a:bodyPr rtlCol="0" anchor="ctr"/>
+                <a:lstStyle/>
+                <a:p>
+                  <a:pPr algn="ctr"/>
+                  <a:endParaRPr lang="de-AT"/>
+                </a:p>
+              </p:txBody>
+            </p:sp>
+          </p:grpSp>
+        </p:grpSp>
+        <p:grpSp>
+          <p:nvGrpSpPr>
+            <p:cNvPr id="25" name="Gruppieren 24"/>
+            <p:cNvGrpSpPr/>
+            <p:nvPr/>
+          </p:nvGrpSpPr>
+          <p:grpSpPr>
+            <a:xfrm>
+              <a:off x="3928114" y="871556"/>
+              <a:ext cx="4667224" cy="4179838"/>
+              <a:chOff x="3928114" y="871556"/>
+              <a:chExt cx="4667224" cy="4179838"/>
+            </a:xfrm>
+          </p:grpSpPr>
+          <p:sp>
+            <p:nvSpPr>
+              <p:cNvPr id="22" name="Rechteck 21"/>
+              <p:cNvSpPr/>
+              <p:nvPr/>
+            </p:nvSpPr>
+            <p:spPr>
+              <a:xfrm>
+                <a:off x="3928114" y="871556"/>
+                <a:ext cx="4667224" cy="4179838"/>
+              </a:xfrm>
+              <a:prstGeom prst="rect">
+                <a:avLst/>
+              </a:prstGeom>
+              <a:solidFill>
+                <a:schemeClr val="bg1">
+                  <a:lumMod val="95000"/>
+                </a:schemeClr>
+              </a:solidFill>
+              <a:ln>
+                <a:solidFill>
+                  <a:schemeClr val="bg1">
+                    <a:lumMod val="65000"/>
+                  </a:schemeClr>
+                </a:solidFill>
+              </a:ln>
+            </p:spPr>
+            <p:style>
+              <a:lnRef idx="2">
+                <a:schemeClr val="accent1">
+                  <a:shade val="50000"/>
+                </a:schemeClr>
+              </a:lnRef>
+              <a:fillRef idx="1">
+                <a:schemeClr val="accent1"/>
+              </a:fillRef>
+              <a:effectRef idx="0">
+                <a:schemeClr val="accent1"/>
+              </a:effectRef>
+              <a:fontRef idx="minor">
+                <a:schemeClr val="lt1"/>
+              </a:fontRef>
+            </p:style>
+            <p:txBody>
+              <a:bodyPr rtlCol="0" anchor="t"/>
+              <a:lstStyle/>
+              <a:p>
+                <a:pPr algn="ctr"/>
+                <a:r>
+                  <a:rPr lang="en-US" sz="2400" dirty="0">
+                    <a:solidFill>
+                      <a:schemeClr val="tx1"/>
+                    </a:solidFill>
+                    <a:latin typeface="CMU Serif" panose="02000603000000000000"/>
+                  </a:rPr>
+                  <a:t>DOCKER_HOST</a:t>
+                </a:r>
+                <a:endParaRPr lang="de-AT" sz="2400" dirty="0">
+                  <a:solidFill>
+                    <a:schemeClr val="tx1"/>
+                  </a:solidFill>
+                  <a:latin typeface="CMU Serif" panose="02000603000000000000"/>
+                </a:endParaRPr>
+              </a:p>
+            </p:txBody>
+          </p:sp>
+          <p:grpSp>
+            <p:nvGrpSpPr>
+              <p:cNvPr id="12" name="Gruppieren 11"/>
+              <p:cNvGrpSpPr/>
+              <p:nvPr/>
+            </p:nvGrpSpPr>
+            <p:grpSpPr>
+              <a:xfrm>
+                <a:off x="4283526" y="1486691"/>
+                <a:ext cx="3956398" cy="576185"/>
+                <a:chOff x="4283526" y="1486691"/>
+                <a:chExt cx="3956398" cy="576185"/>
+              </a:xfrm>
+            </p:grpSpPr>
+            <p:sp>
+              <p:nvSpPr>
+                <p:cNvPr id="14" name="Rechteck 13"/>
+                <p:cNvSpPr/>
+                <p:nvPr/>
+              </p:nvSpPr>
+              <p:spPr>
+                <a:xfrm>
+                  <a:off x="5378027" y="1486691"/>
+                  <a:ext cx="2861897" cy="576185"/>
+                </a:xfrm>
+                <a:prstGeom prst="rect">
+                  <a:avLst/>
+                </a:prstGeom>
+                <a:solidFill>
+                  <a:srgbClr val="FFFF00"/>
+                </a:solidFill>
+                <a:ln w="6350">
+                  <a:noFill/>
+                </a:ln>
+              </p:spPr>
+              <p:style>
+                <a:lnRef idx="2">
+                  <a:schemeClr val="accent1">
+                    <a:shade val="50000"/>
+                  </a:schemeClr>
+                </a:lnRef>
+                <a:fillRef idx="1">
+                  <a:schemeClr val="accent1"/>
+                </a:fillRef>
+                <a:effectRef idx="0">
+                  <a:schemeClr val="accent1"/>
+                </a:effectRef>
+                <a:fontRef idx="minor">
+                  <a:schemeClr val="lt1"/>
+                </a:fontRef>
+              </p:style>
+              <p:txBody>
+                <a:bodyPr tIns="46800" rtlCol="0" anchor="ctr"/>
+                <a:lstStyle/>
+                <a:p>
+                  <a:pPr algn="ctr"/>
+                  <a:r>
+                    <a:rPr lang="en-US" sz="2400" dirty="0">
+                      <a:solidFill>
+                        <a:schemeClr val="tx1"/>
+                      </a:solidFill>
+                      <a:latin typeface="CMU Serif" panose="02000603000000000000" pitchFamily="2" charset="0"/>
+                      <a:ea typeface="CMU Serif" panose="02000603000000000000" pitchFamily="2" charset="0"/>
+                      <a:cs typeface="CMU Serif" panose="02000603000000000000" pitchFamily="2" charset="0"/>
+                    </a:rPr>
+                    <a:t>Docker Daemon</a:t>
+                  </a:r>
+                  <a:endParaRPr lang="de-AT" sz="2400" dirty="0">
+                    <a:solidFill>
+                      <a:schemeClr val="tx1"/>
+                    </a:solidFill>
+                    <a:latin typeface="CMU Serif" panose="02000603000000000000" pitchFamily="2" charset="0"/>
+                    <a:ea typeface="CMU Serif" panose="02000603000000000000" pitchFamily="2" charset="0"/>
+                    <a:cs typeface="CMU Serif" panose="02000603000000000000" pitchFamily="2" charset="0"/>
+                  </a:endParaRPr>
+                </a:p>
+              </p:txBody>
+            </p:sp>
+            <p:sp>
+              <p:nvSpPr>
+                <p:cNvPr id="31" name="Rechteck 30"/>
+                <p:cNvSpPr/>
+                <p:nvPr/>
+              </p:nvSpPr>
+              <p:spPr>
+                <a:xfrm>
+                  <a:off x="4283526" y="1486691"/>
+                  <a:ext cx="1094501" cy="576185"/>
+                </a:xfrm>
+                <a:prstGeom prst="rect">
+                  <a:avLst/>
+                </a:prstGeom>
+                <a:solidFill>
+                  <a:srgbClr val="DBD600"/>
+                </a:solidFill>
+                <a:ln w="6350">
+                  <a:noFill/>
+                </a:ln>
+              </p:spPr>
+              <p:style>
+                <a:lnRef idx="2">
+                  <a:schemeClr val="accent1">
+                    <a:shade val="50000"/>
+                  </a:schemeClr>
+                </a:lnRef>
+                <a:fillRef idx="1">
+                  <a:schemeClr val="accent1"/>
+                </a:fillRef>
+                <a:effectRef idx="0">
+                  <a:schemeClr val="accent1"/>
+                </a:effectRef>
+                <a:fontRef idx="minor">
+                  <a:schemeClr val="lt1"/>
+                </a:fontRef>
+              </p:style>
+              <p:txBody>
+                <a:bodyPr tIns="46800" rtlCol="0" anchor="ctr"/>
+                <a:lstStyle/>
+                <a:p>
+                  <a:pPr algn="ctr"/>
+                  <a:r>
+                    <a:rPr lang="en-US" i="1" dirty="0">
+                      <a:solidFill>
+                        <a:schemeClr val="tx1"/>
+                      </a:solidFill>
+                      <a:latin typeface="CMU Serif" panose="02000603000000000000" pitchFamily="2" charset="0"/>
+                      <a:ea typeface="CMU Serif" panose="02000603000000000000" pitchFamily="2" charset="0"/>
+                      <a:cs typeface="CMU Serif" panose="02000603000000000000" pitchFamily="2" charset="0"/>
+                    </a:rPr>
+                    <a:t>REST</a:t>
+                  </a:r>
+                  <a:endParaRPr lang="de-AT" i="1" dirty="0">
+                    <a:solidFill>
+                      <a:schemeClr val="tx1"/>
+                    </a:solidFill>
+                    <a:latin typeface="CMU Serif" panose="02000603000000000000" pitchFamily="2" charset="0"/>
+                    <a:ea typeface="CMU Serif" panose="02000603000000000000" pitchFamily="2" charset="0"/>
+                    <a:cs typeface="CMU Serif" panose="02000603000000000000" pitchFamily="2" charset="0"/>
+                  </a:endParaRPr>
+                </a:p>
+              </p:txBody>
+            </p:sp>
+          </p:grpSp>
+          <p:sp>
+            <p:nvSpPr>
+              <p:cNvPr id="13" name="Rechteck 12"/>
+              <p:cNvSpPr/>
+              <p:nvPr/>
+            </p:nvSpPr>
+            <p:spPr>
+              <a:xfrm>
+                <a:off x="4283526" y="2360129"/>
+                <a:ext cx="1994337" cy="2376225"/>
+              </a:xfrm>
+              <a:prstGeom prst="rect">
+                <a:avLst/>
+              </a:prstGeom>
+              <a:solidFill>
+                <a:srgbClr val="92D050"/>
+              </a:solidFill>
+              <a:ln w="6350">
+                <a:noFill/>
+              </a:ln>
+            </p:spPr>
+            <p:style>
+              <a:lnRef idx="2">
+                <a:schemeClr val="accent1">
+                  <a:shade val="50000"/>
+                </a:schemeClr>
+              </a:lnRef>
+              <a:fillRef idx="1">
+                <a:schemeClr val="accent1"/>
+              </a:fillRef>
+              <a:effectRef idx="0">
+                <a:schemeClr val="accent1"/>
+              </a:effectRef>
+              <a:fontRef idx="minor">
+                <a:schemeClr val="lt1"/>
+              </a:fontRef>
+            </p:style>
+            <p:txBody>
+              <a:bodyPr tIns="46800" rtlCol="0" anchor="t"/>
+              <a:lstStyle/>
+              <a:p>
+                <a:pPr algn="ctr"/>
+                <a:r>
+                  <a:rPr lang="en-US" sz="2400" dirty="0">
+                    <a:solidFill>
+                      <a:schemeClr val="tx1"/>
+                    </a:solidFill>
+                    <a:latin typeface="CMU Serif" panose="02000603000000000000" pitchFamily="2" charset="0"/>
+                    <a:ea typeface="CMU Serif" panose="02000603000000000000" pitchFamily="2" charset="0"/>
+                    <a:cs typeface="CMU Serif" panose="02000603000000000000" pitchFamily="2" charset="0"/>
+                  </a:rPr>
+                  <a:t>Containers</a:t>
+                </a:r>
+                <a:endParaRPr lang="de-AT" sz="2400" dirty="0">
+                  <a:solidFill>
+                    <a:schemeClr val="tx1"/>
+                  </a:solidFill>
+                  <a:latin typeface="CMU Serif" panose="02000603000000000000" pitchFamily="2" charset="0"/>
+                  <a:ea typeface="CMU Serif" panose="02000603000000000000" pitchFamily="2" charset="0"/>
+                  <a:cs typeface="CMU Serif" panose="02000603000000000000" pitchFamily="2" charset="0"/>
+                </a:endParaRPr>
+              </a:p>
+            </p:txBody>
+          </p:sp>
+          <p:sp>
+            <p:nvSpPr>
+              <p:cNvPr id="33" name="Rechteck 32"/>
+              <p:cNvSpPr/>
+              <p:nvPr/>
+            </p:nvSpPr>
+            <p:spPr>
+              <a:xfrm>
+                <a:off x="6544018" y="2360128"/>
+                <a:ext cx="1695905" cy="1560515"/>
+              </a:xfrm>
+              <a:prstGeom prst="rect">
+                <a:avLst/>
+              </a:prstGeom>
+              <a:solidFill>
+                <a:srgbClr val="92D050"/>
+              </a:solidFill>
+              <a:ln w="6350">
+                <a:noFill/>
+              </a:ln>
+            </p:spPr>
+            <p:style>
+              <a:lnRef idx="2">
+                <a:schemeClr val="accent1">
+                  <a:shade val="50000"/>
+                </a:schemeClr>
+              </a:lnRef>
+              <a:fillRef idx="1">
+                <a:schemeClr val="accent1"/>
+              </a:fillRef>
+              <a:effectRef idx="0">
+                <a:schemeClr val="accent1"/>
+              </a:effectRef>
+              <a:fontRef idx="minor">
+                <a:schemeClr val="lt1"/>
+              </a:fontRef>
+            </p:style>
+            <p:txBody>
+              <a:bodyPr tIns="46800" rtlCol="0" anchor="t"/>
+              <a:lstStyle/>
+              <a:p>
+                <a:pPr algn="ctr"/>
+                <a:r>
+                  <a:rPr lang="en-US" sz="2400" dirty="0">
+                    <a:solidFill>
+                      <a:schemeClr val="tx1"/>
+                    </a:solidFill>
+                    <a:latin typeface="CMU Serif" panose="02000603000000000000" pitchFamily="2" charset="0"/>
+                    <a:ea typeface="CMU Serif" panose="02000603000000000000" pitchFamily="2" charset="0"/>
+                    <a:cs typeface="CMU Serif" panose="02000603000000000000" pitchFamily="2" charset="0"/>
+                  </a:rPr>
+                  <a:t>Images</a:t>
+                </a:r>
+                <a:endParaRPr lang="de-AT" sz="2400" dirty="0">
+                  <a:solidFill>
+                    <a:schemeClr val="tx1"/>
+                  </a:solidFill>
+                  <a:latin typeface="CMU Serif" panose="02000603000000000000" pitchFamily="2" charset="0"/>
+                  <a:ea typeface="CMU Serif" panose="02000603000000000000" pitchFamily="2" charset="0"/>
+                  <a:cs typeface="CMU Serif" panose="02000603000000000000" pitchFamily="2" charset="0"/>
+                </a:endParaRPr>
+              </a:p>
+            </p:txBody>
+          </p:sp>
+          <p:pic>
+            <p:nvPicPr>
+              <p:cNvPr id="34" name="Grafik 33"/>
+              <p:cNvPicPr>
+                <a:picLocks noChangeAspect="1"/>
+              </p:cNvPicPr>
+              <p:nvPr/>
+            </p:nvPicPr>
+            <p:blipFill>
+              <a:blip r:embed="rId2">
+                <a:extLst>
+                  <a:ext uri="{28A0092B-C50C-407E-A947-70E740481C1C}">
+                    <a14:useLocalDpi xmlns:a14="http://schemas.microsoft.com/office/drawing/2010/main" val="0"/>
+                  </a:ext>
+                </a:extLst>
+              </a:blip>
+              <a:stretch>
+                <a:fillRect/>
+              </a:stretch>
+            </p:blipFill>
+            <p:spPr>
+              <a:xfrm>
+                <a:off x="7008375" y="2890641"/>
+                <a:ext cx="767190" cy="767190"/>
+              </a:xfrm>
+              <a:prstGeom prst="rect">
+                <a:avLst/>
+              </a:prstGeom>
+            </p:spPr>
+          </p:pic>
+          <p:sp>
+            <p:nvSpPr>
+              <p:cNvPr id="15" name="Cube 14"/>
+              <p:cNvSpPr/>
+              <p:nvPr/>
+            </p:nvSpPr>
+            <p:spPr>
+              <a:xfrm>
+                <a:off x="4638806" y="3064597"/>
+                <a:ext cx="1283775" cy="1269874"/>
+              </a:xfrm>
+              <a:prstGeom prst="cube">
+                <a:avLst>
+                  <a:gd name="adj" fmla="val 47584"/>
+                </a:avLst>
+              </a:prstGeom>
+              <a:solidFill>
+                <a:srgbClr val="FFC000"/>
+              </a:solidFill>
+              <a:ln>
+                <a:solidFill>
+                  <a:schemeClr val="accent2"/>
+                </a:solidFill>
+              </a:ln>
+            </p:spPr>
+            <p:style>
+              <a:lnRef idx="2">
+                <a:schemeClr val="accent1">
+                  <a:shade val="50000"/>
+                </a:schemeClr>
+              </a:lnRef>
+              <a:fillRef idx="1">
+                <a:schemeClr val="accent1"/>
+              </a:fillRef>
+              <a:effectRef idx="0">
+                <a:schemeClr val="accent1"/>
+              </a:effectRef>
+              <a:fontRef idx="minor">
+                <a:schemeClr val="lt1"/>
+              </a:fontRef>
+            </p:style>
+            <p:txBody>
+              <a:bodyPr rtlCol="0" anchor="ctr"/>
+              <a:lstStyle/>
+              <a:p>
+                <a:pPr algn="ctr"/>
+                <a:endParaRPr lang="de-AT"/>
+              </a:p>
+            </p:txBody>
+          </p:sp>
+          <p:pic>
+            <p:nvPicPr>
+              <p:cNvPr id="36" name="Grafik 35"/>
+              <p:cNvPicPr>
+                <a:picLocks noChangeAspect="1"/>
+              </p:cNvPicPr>
+              <p:nvPr/>
+            </p:nvPicPr>
+            <p:blipFill>
+              <a:blip r:embed="rId2">
+                <a:extLst>
+                  <a:ext uri="{28A0092B-C50C-407E-A947-70E740481C1C}">
+                    <a14:useLocalDpi xmlns:a14="http://schemas.microsoft.com/office/drawing/2010/main" val="0"/>
+                  </a:ext>
+                </a:extLst>
+              </a:blip>
+              <a:stretch>
+                <a:fillRect/>
+              </a:stretch>
+            </p:blipFill>
+            <p:spPr>
+              <a:xfrm>
+                <a:off x="5371396" y="3448163"/>
+                <a:ext cx="502742" cy="502742"/>
+              </a:xfrm>
+              <a:prstGeom prst="rect">
+                <a:avLst/>
+              </a:prstGeom>
+              <a:scene3d>
+                <a:camera prst="isometricOffAxis1Right">
+                  <a:rot lat="900000" lon="18000000" rev="0"/>
+                </a:camera>
+                <a:lightRig rig="threePt" dir="t"/>
+              </a:scene3d>
+            </p:spPr>
+          </p:pic>
+        </p:grpSp>
+        <p:cxnSp>
+          <p:nvCxnSpPr>
+            <p:cNvPr id="42" name="Gerade Verbindung mit Pfeil 41"/>
+            <p:cNvCxnSpPr>
+              <a:stCxn id="24" idx="3"/>
+              <a:endCxn id="31" idx="1"/>
+            </p:cNvCxnSpPr>
+            <p:nvPr/>
+          </p:nvCxnSpPr>
+          <p:spPr>
+            <a:xfrm>
+              <a:off x="3031882" y="1769631"/>
+              <a:ext cx="1251644" cy="5153"/>
+            </a:xfrm>
+            <a:prstGeom prst="straightConnector1">
+              <a:avLst/>
+            </a:prstGeom>
+            <a:ln w="25400">
+              <a:solidFill>
+                <a:schemeClr val="tx1"/>
+              </a:solidFill>
+              <a:tailEnd type="triangle" w="lg" len="lg"/>
+            </a:ln>
+          </p:spPr>
+          <p:style>
+            <a:lnRef idx="1">
+              <a:schemeClr val="accent1"/>
+            </a:lnRef>
+            <a:fillRef idx="0">
+              <a:schemeClr val="accent1"/>
+            </a:fillRef>
+            <a:effectRef idx="0">
+              <a:schemeClr val="accent1"/>
+            </a:effectRef>
+            <a:fontRef idx="minor">
+              <a:schemeClr val="tx1"/>
+            </a:fontRef>
+          </p:style>
+        </p:cxnSp>
+        <p:cxnSp>
+          <p:nvCxnSpPr>
+            <p:cNvPr id="45" name="Gerade Verbindung mit Pfeil 44"/>
+            <p:cNvCxnSpPr>
+              <a:stCxn id="14" idx="3"/>
+              <a:endCxn id="5" idx="1"/>
+            </p:cNvCxnSpPr>
+            <p:nvPr/>
+          </p:nvCxnSpPr>
+          <p:spPr>
+            <a:xfrm flipV="1">
+              <a:off x="8239924" y="1774375"/>
+              <a:ext cx="1172253" cy="409"/>
+            </a:xfrm>
+            <a:prstGeom prst="straightConnector1">
+              <a:avLst/>
+            </a:prstGeom>
+            <a:ln w="25400">
+              <a:solidFill>
+                <a:schemeClr val="tx1"/>
+              </a:solidFill>
+              <a:tailEnd type="triangle" w="lg" len="lg"/>
+            </a:ln>
+          </p:spPr>
+          <p:style>
+            <a:lnRef idx="1">
+              <a:schemeClr val="accent1"/>
+            </a:lnRef>
+            <a:fillRef idx="0">
+              <a:schemeClr val="accent1"/>
+            </a:fillRef>
+            <a:effectRef idx="0">
+              <a:schemeClr val="accent1"/>
+            </a:effectRef>
+            <a:fontRef idx="minor">
+              <a:schemeClr val="tx1"/>
+            </a:fontRef>
+          </p:style>
+        </p:cxnSp>
+        <p:cxnSp>
+          <p:nvCxnSpPr>
+            <p:cNvPr id="56" name="Gewinkelter Verbinder 55"/>
+            <p:cNvCxnSpPr>
+              <a:stCxn id="5" idx="2"/>
+              <a:endCxn id="34" idx="3"/>
+            </p:cNvCxnSpPr>
+            <p:nvPr/>
+          </p:nvCxnSpPr>
+          <p:spPr>
+            <a:xfrm rot="5400000">
+              <a:off x="8227536" y="1706000"/>
+              <a:ext cx="1116266" cy="2020207"/>
+            </a:xfrm>
+            <a:prstGeom prst="bentConnector2">
+              <a:avLst/>
+            </a:prstGeom>
+            <a:ln w="25400">
+              <a:solidFill>
+                <a:schemeClr val="tx1"/>
+              </a:solidFill>
+              <a:tailEnd type="triangle" w="lg" len="lg"/>
+            </a:ln>
+          </p:spPr>
+          <p:style>
+            <a:lnRef idx="1">
+              <a:schemeClr val="accent1"/>
+            </a:lnRef>
+            <a:fillRef idx="0">
+              <a:schemeClr val="accent1"/>
+            </a:fillRef>
+            <a:effectRef idx="0">
+              <a:schemeClr val="accent1"/>
+            </a:effectRef>
+            <a:fontRef idx="minor">
+              <a:schemeClr val="tx1"/>
+            </a:fontRef>
+          </p:style>
+        </p:cxnSp>
+        <p:cxnSp>
+          <p:nvCxnSpPr>
+            <p:cNvPr id="62" name="Gewinkelter Verbinder 61"/>
+            <p:cNvCxnSpPr>
+              <a:stCxn id="34" idx="1"/>
+              <a:endCxn id="15" idx="5"/>
+            </p:cNvCxnSpPr>
+            <p:nvPr/>
+          </p:nvCxnSpPr>
+          <p:spPr>
+            <a:xfrm rot="10800000" flipV="1">
+              <a:off x="5922581" y="3274236"/>
+              <a:ext cx="1085794" cy="123170"/>
+            </a:xfrm>
+            <a:prstGeom prst="bentConnector3">
+              <a:avLst>
+                <a:gd name="adj1" fmla="val 57018"/>
+              </a:avLst>
+            </a:prstGeom>
+            <a:ln w="25400">
+              <a:solidFill>
+                <a:schemeClr val="tx1"/>
+              </a:solidFill>
+              <a:tailEnd type="triangle" w="lg" len="lg"/>
+            </a:ln>
+          </p:spPr>
+          <p:style>
+            <a:lnRef idx="1">
+              <a:schemeClr val="accent1"/>
+            </a:lnRef>
+            <a:fillRef idx="0">
+              <a:schemeClr val="accent1"/>
+            </a:fillRef>
+            <a:effectRef idx="0">
+              <a:schemeClr val="accent1"/>
+            </a:effectRef>
+            <a:fontRef idx="minor">
+              <a:schemeClr val="tx1"/>
+            </a:fontRef>
+          </p:style>
+        </p:cxnSp>
+      </p:grpSp>
+    </p:spTree>
+    <p:extLst>
+      <p:ext uri="{BB962C8B-B14F-4D97-AF65-F5344CB8AC3E}">
+        <p14:creationId xmlns:p14="http://schemas.microsoft.com/office/powerpoint/2010/main" val="55407759"/>
+      </p:ext>
+    </p:extLst>
+  </p:cSld>
+  <p:clrMapOvr>
+    <a:masterClrMapping/>
+  </p:clrMapOvr>
+</p:sld>
+</file>
+
 <file path=ppt/theme/theme1.xml><?xml version="1.0" encoding="utf-8"?>
 <a:theme xmlns:a="http://schemas.openxmlformats.org/drawingml/2006/main" name="Office">
   <a:themeElements>

--- a/images/graphics.pptx
+++ b/images/graphics.pptx
@@ -8533,34 +8533,34 @@
               <a:p>
                 <a:pPr algn="ctr"/>
                 <a:r>
-                  <a:rPr lang="en-US" sz="2400" dirty="0" err="1">
+                  <a:rPr lang="en-US" dirty="0" err="1">
                     <a:solidFill>
                       <a:schemeClr val="tx1"/>
                     </a:solidFill>
-                    <a:latin typeface="CMU Serif" panose="02000603000000000000" pitchFamily="2" charset="0"/>
-                    <a:ea typeface="CMU Serif" panose="02000603000000000000" pitchFamily="2" charset="0"/>
-                    <a:cs typeface="CMU Serif" panose="02000603000000000000" pitchFamily="2" charset="0"/>
+                    <a:latin typeface="Meslo LG M DZ for Powerline" panose="020B0609030804020204" pitchFamily="49" charset="0"/>
+                    <a:ea typeface="Meslo LG M DZ for Powerline" panose="020B0609030804020204" pitchFamily="49" charset="0"/>
+                    <a:cs typeface="Meslo LG M DZ for Powerline" panose="020B0609030804020204" pitchFamily="49" charset="0"/>
                   </a:rPr>
                   <a:t>docker</a:t>
                 </a:r>
                 <a:r>
-                  <a:rPr lang="en-US" sz="2400" dirty="0">
+                  <a:rPr lang="en-US" dirty="0">
                     <a:solidFill>
                       <a:schemeClr val="tx1"/>
                     </a:solidFill>
-                    <a:latin typeface="CMU Serif" panose="02000603000000000000" pitchFamily="2" charset="0"/>
-                    <a:ea typeface="CMU Serif" panose="02000603000000000000" pitchFamily="2" charset="0"/>
-                    <a:cs typeface="CMU Serif" panose="02000603000000000000" pitchFamily="2" charset="0"/>
+                    <a:latin typeface="Meslo LG M DZ for Powerline" panose="020B0609030804020204" pitchFamily="49" charset="0"/>
+                    <a:ea typeface="Meslo LG M DZ for Powerline" panose="020B0609030804020204" pitchFamily="49" charset="0"/>
+                    <a:cs typeface="Meslo LG M DZ for Powerline" panose="020B0609030804020204" pitchFamily="49" charset="0"/>
                   </a:rPr>
                   <a:t> run</a:t>
                 </a:r>
-                <a:endParaRPr lang="de-AT" sz="2400" dirty="0">
+                <a:endParaRPr lang="de-AT" dirty="0">
                   <a:solidFill>
                     <a:schemeClr val="tx1"/>
                   </a:solidFill>
-                  <a:latin typeface="CMU Serif" panose="02000603000000000000" pitchFamily="2" charset="0"/>
-                  <a:ea typeface="CMU Serif" panose="02000603000000000000" pitchFamily="2" charset="0"/>
-                  <a:cs typeface="CMU Serif" panose="02000603000000000000" pitchFamily="2" charset="0"/>
+                  <a:latin typeface="Meslo LG M DZ for Powerline" panose="020B0609030804020204" pitchFamily="49" charset="0"/>
+                  <a:ea typeface="Meslo LG M DZ for Powerline" panose="020B0609030804020204" pitchFamily="49" charset="0"/>
+                  <a:cs typeface="Meslo LG M DZ for Powerline" panose="020B0609030804020204" pitchFamily="49" charset="0"/>
                 </a:endParaRPr>
               </a:p>
             </p:txBody>

--- a/images/graphics.pptx
+++ b/images/graphics.pptx
@@ -12,6 +12,7 @@
     <p:sldId id="260" r:id="rId6"/>
     <p:sldId id="261" r:id="rId7"/>
     <p:sldId id="262" r:id="rId8"/>
+    <p:sldId id="263" r:id="rId9"/>
   </p:sldIdLst>
   <p:sldSz cx="12192000" cy="6858000"/>
   <p:notesSz cx="6858000" cy="9144000"/>
@@ -260,7 +261,7 @@
           <a:p>
             <a:fld id="{6CD14F0C-FDCF-4194-8431-39569BE287B9}" type="datetimeFigureOut">
               <a:rPr lang="de-AT" smtClean="0"/>
-              <a:t>23.02.2017</a:t>
+              <a:t>25.02.2017</a:t>
             </a:fld>
             <a:endParaRPr lang="de-AT"/>
           </a:p>
@@ -430,7 +431,7 @@
           <a:p>
             <a:fld id="{6CD14F0C-FDCF-4194-8431-39569BE287B9}" type="datetimeFigureOut">
               <a:rPr lang="de-AT" smtClean="0"/>
-              <a:t>23.02.2017</a:t>
+              <a:t>25.02.2017</a:t>
             </a:fld>
             <a:endParaRPr lang="de-AT"/>
           </a:p>
@@ -610,7 +611,7 @@
           <a:p>
             <a:fld id="{6CD14F0C-FDCF-4194-8431-39569BE287B9}" type="datetimeFigureOut">
               <a:rPr lang="de-AT" smtClean="0"/>
-              <a:t>23.02.2017</a:t>
+              <a:t>25.02.2017</a:t>
             </a:fld>
             <a:endParaRPr lang="de-AT"/>
           </a:p>
@@ -780,7 +781,7 @@
           <a:p>
             <a:fld id="{6CD14F0C-FDCF-4194-8431-39569BE287B9}" type="datetimeFigureOut">
               <a:rPr lang="de-AT" smtClean="0"/>
-              <a:t>23.02.2017</a:t>
+              <a:t>25.02.2017</a:t>
             </a:fld>
             <a:endParaRPr lang="de-AT"/>
           </a:p>
@@ -1026,7 +1027,7 @@
           <a:p>
             <a:fld id="{6CD14F0C-FDCF-4194-8431-39569BE287B9}" type="datetimeFigureOut">
               <a:rPr lang="de-AT" smtClean="0"/>
-              <a:t>23.02.2017</a:t>
+              <a:t>25.02.2017</a:t>
             </a:fld>
             <a:endParaRPr lang="de-AT"/>
           </a:p>
@@ -1258,7 +1259,7 @@
           <a:p>
             <a:fld id="{6CD14F0C-FDCF-4194-8431-39569BE287B9}" type="datetimeFigureOut">
               <a:rPr lang="de-AT" smtClean="0"/>
-              <a:t>23.02.2017</a:t>
+              <a:t>25.02.2017</a:t>
             </a:fld>
             <a:endParaRPr lang="de-AT"/>
           </a:p>
@@ -1625,7 +1626,7 @@
           <a:p>
             <a:fld id="{6CD14F0C-FDCF-4194-8431-39569BE287B9}" type="datetimeFigureOut">
               <a:rPr lang="de-AT" smtClean="0"/>
-              <a:t>23.02.2017</a:t>
+              <a:t>25.02.2017</a:t>
             </a:fld>
             <a:endParaRPr lang="de-AT"/>
           </a:p>
@@ -1752,7 +1753,7 @@
           <a:p>
             <a:fld id="{6CD14F0C-FDCF-4194-8431-39569BE287B9}" type="datetimeFigureOut">
               <a:rPr lang="de-AT" smtClean="0"/>
-              <a:t>23.02.2017</a:t>
+              <a:t>25.02.2017</a:t>
             </a:fld>
             <a:endParaRPr lang="de-AT"/>
           </a:p>
@@ -1847,7 +1848,7 @@
           <a:p>
             <a:fld id="{6CD14F0C-FDCF-4194-8431-39569BE287B9}" type="datetimeFigureOut">
               <a:rPr lang="de-AT" smtClean="0"/>
-              <a:t>23.02.2017</a:t>
+              <a:t>25.02.2017</a:t>
             </a:fld>
             <a:endParaRPr lang="de-AT"/>
           </a:p>
@@ -2124,7 +2125,7 @@
           <a:p>
             <a:fld id="{6CD14F0C-FDCF-4194-8431-39569BE287B9}" type="datetimeFigureOut">
               <a:rPr lang="de-AT" smtClean="0"/>
-              <a:t>23.02.2017</a:t>
+              <a:t>25.02.2017</a:t>
             </a:fld>
             <a:endParaRPr lang="de-AT"/>
           </a:p>
@@ -2377,7 +2378,7 @@
           <a:p>
             <a:fld id="{6CD14F0C-FDCF-4194-8431-39569BE287B9}" type="datetimeFigureOut">
               <a:rPr lang="de-AT" smtClean="0"/>
-              <a:t>23.02.2017</a:t>
+              <a:t>25.02.2017</a:t>
             </a:fld>
             <a:endParaRPr lang="de-AT"/>
           </a:p>
@@ -2590,7 +2591,7 @@
           <a:p>
             <a:fld id="{6CD14F0C-FDCF-4194-8431-39569BE287B9}" type="datetimeFigureOut">
               <a:rPr lang="de-AT" smtClean="0"/>
-              <a:t>23.02.2017</a:t>
+              <a:t>25.02.2017</a:t>
             </a:fld>
             <a:endParaRPr lang="de-AT"/>
           </a:p>
@@ -9508,6 +9509,647 @@
 </p:sld>
 </file>
 
+<file path=ppt/slides/slide8.xml><?xml version="1.0" encoding="utf-8"?>
+<p:sld xmlns:a="http://schemas.openxmlformats.org/drawingml/2006/main" xmlns:r="http://schemas.openxmlformats.org/officeDocument/2006/relationships" xmlns:p="http://schemas.openxmlformats.org/presentationml/2006/main">
+  <p:cSld>
+    <p:spTree>
+      <p:nvGrpSpPr>
+        <p:cNvPr id="1" name=""/>
+        <p:cNvGrpSpPr/>
+        <p:nvPr/>
+      </p:nvGrpSpPr>
+      <p:grpSpPr>
+        <a:xfrm>
+          <a:off x="0" y="0"/>
+          <a:ext cx="0" cy="0"/>
+          <a:chOff x="0" y="0"/>
+          <a:chExt cx="0" cy="0"/>
+        </a:xfrm>
+      </p:grpSpPr>
+      <p:sp>
+        <p:nvSpPr>
+          <p:cNvPr id="18" name="Titel 17"/>
+          <p:cNvSpPr>
+            <a:spLocks noGrp="1"/>
+          </p:cNvSpPr>
+          <p:nvPr>
+            <p:ph type="title"/>
+          </p:nvPr>
+        </p:nvSpPr>
+        <p:spPr/>
+        <p:txBody>
+          <a:bodyPr>
+            <a:normAutofit/>
+          </a:bodyPr>
+          <a:lstStyle/>
+          <a:p>
+            <a:r>
+              <a:rPr lang="en-US" dirty="0" err="1"/>
+              <a:t>containerbasierte</a:t>
+            </a:r>
+            <a:r>
+              <a:rPr lang="en-US" dirty="0"/>
+              <a:t> </a:t>
+            </a:r>
+            <a:r>
+              <a:rPr lang="en-US"/>
+              <a:t>Integrationstests</a:t>
+            </a:r>
+            <a:endParaRPr lang="de-AT" dirty="0"/>
+          </a:p>
+        </p:txBody>
+      </p:sp>
+      <p:sp>
+        <p:nvSpPr>
+          <p:cNvPr id="10" name="Rechteck 9"/>
+          <p:cNvSpPr/>
+          <p:nvPr/>
+        </p:nvSpPr>
+        <p:spPr>
+          <a:xfrm>
+            <a:off x="12371078" y="0"/>
+            <a:ext cx="1983277" cy="955991"/>
+          </a:xfrm>
+          <a:prstGeom prst="rect">
+            <a:avLst/>
+          </a:prstGeom>
+          <a:solidFill>
+            <a:srgbClr val="FFFF00"/>
+          </a:solidFill>
+          <a:ln>
+            <a:noFill/>
+          </a:ln>
+        </p:spPr>
+        <p:style>
+          <a:lnRef idx="2">
+            <a:schemeClr val="accent1">
+              <a:shade val="50000"/>
+            </a:schemeClr>
+          </a:lnRef>
+          <a:fillRef idx="1">
+            <a:schemeClr val="accent1"/>
+          </a:fillRef>
+          <a:effectRef idx="0">
+            <a:schemeClr val="accent1"/>
+          </a:effectRef>
+          <a:fontRef idx="minor">
+            <a:schemeClr val="lt1"/>
+          </a:fontRef>
+        </p:style>
+        <p:txBody>
+          <a:bodyPr rtlCol="0" anchor="ctr"/>
+          <a:lstStyle/>
+          <a:p>
+            <a:pPr algn="ctr"/>
+            <a:r>
+              <a:rPr lang="en-US" sz="2400" dirty="0">
+                <a:solidFill>
+                  <a:schemeClr val="tx1"/>
+                </a:solidFill>
+                <a:latin typeface="CMU Serif" panose="02000603000000000000" pitchFamily="2" charset="0"/>
+                <a:ea typeface="CMU Serif" panose="02000603000000000000" pitchFamily="2" charset="0"/>
+                <a:cs typeface="CMU Serif" panose="02000603000000000000" pitchFamily="2" charset="0"/>
+              </a:rPr>
+              <a:t>yellow</a:t>
+            </a:r>
+            <a:endParaRPr lang="de-AT" sz="2400" dirty="0">
+              <a:solidFill>
+                <a:schemeClr val="tx1"/>
+              </a:solidFill>
+              <a:latin typeface="CMU Serif" panose="02000603000000000000" pitchFamily="2" charset="0"/>
+              <a:ea typeface="CMU Serif" panose="02000603000000000000" pitchFamily="2" charset="0"/>
+              <a:cs typeface="CMU Serif" panose="02000603000000000000" pitchFamily="2" charset="0"/>
+            </a:endParaRPr>
+          </a:p>
+        </p:txBody>
+      </p:sp>
+      <p:sp>
+        <p:nvSpPr>
+          <p:cNvPr id="24" name="Rechteck 23"/>
+          <p:cNvSpPr/>
+          <p:nvPr/>
+        </p:nvSpPr>
+        <p:spPr>
+          <a:xfrm>
+            <a:off x="12371077" y="1141941"/>
+            <a:ext cx="1983277" cy="946741"/>
+          </a:xfrm>
+          <a:prstGeom prst="rect">
+            <a:avLst/>
+          </a:prstGeom>
+          <a:solidFill>
+            <a:srgbClr val="6DD9FF"/>
+          </a:solidFill>
+          <a:ln>
+            <a:noFill/>
+          </a:ln>
+        </p:spPr>
+        <p:style>
+          <a:lnRef idx="2">
+            <a:schemeClr val="accent1">
+              <a:shade val="50000"/>
+            </a:schemeClr>
+          </a:lnRef>
+          <a:fillRef idx="1">
+            <a:schemeClr val="accent1"/>
+          </a:fillRef>
+          <a:effectRef idx="0">
+            <a:schemeClr val="accent1"/>
+          </a:effectRef>
+          <a:fontRef idx="minor">
+            <a:schemeClr val="lt1"/>
+          </a:fontRef>
+        </p:style>
+        <p:txBody>
+          <a:bodyPr rtlCol="0" anchor="ctr"/>
+          <a:lstStyle/>
+          <a:p>
+            <a:pPr algn="ctr"/>
+            <a:r>
+              <a:rPr lang="en-US" sz="2400" dirty="0">
+                <a:solidFill>
+                  <a:schemeClr val="tx1"/>
+                </a:solidFill>
+                <a:latin typeface="CMU Serif" panose="02000603000000000000"/>
+                <a:ea typeface="Meslo LG M DZ for Powerline" panose="020B0609030804020204" pitchFamily="49" charset="0"/>
+                <a:cs typeface="Meslo LG M DZ for Powerline" panose="020B0609030804020204" pitchFamily="49" charset="0"/>
+              </a:rPr>
+              <a:t>blue</a:t>
+            </a:r>
+            <a:endParaRPr lang="de-AT" sz="2400" dirty="0">
+              <a:solidFill>
+                <a:schemeClr val="tx1"/>
+              </a:solidFill>
+              <a:latin typeface="CMU Serif" panose="02000603000000000000"/>
+              <a:ea typeface="Meslo LG M DZ for Powerline" panose="020B0609030804020204" pitchFamily="49" charset="0"/>
+              <a:cs typeface="Meslo LG M DZ for Powerline" panose="020B0609030804020204" pitchFamily="49" charset="0"/>
+            </a:endParaRPr>
+          </a:p>
+        </p:txBody>
+      </p:sp>
+      <p:grpSp>
+        <p:nvGrpSpPr>
+          <p:cNvPr id="44" name="Gruppieren 43"/>
+          <p:cNvGrpSpPr/>
+          <p:nvPr/>
+        </p:nvGrpSpPr>
+        <p:grpSpPr>
+          <a:xfrm>
+            <a:off x="1517108" y="637674"/>
+            <a:ext cx="9157785" cy="5582653"/>
+            <a:chOff x="1836525" y="771265"/>
+            <a:chExt cx="9157785" cy="5582653"/>
+          </a:xfrm>
+        </p:grpSpPr>
+        <p:sp>
+          <p:nvSpPr>
+            <p:cNvPr id="37" name="Cube 36"/>
+            <p:cNvSpPr/>
+            <p:nvPr/>
+          </p:nvSpPr>
+          <p:spPr>
+            <a:xfrm>
+              <a:off x="1836525" y="2693142"/>
+              <a:ext cx="3447143" cy="1738901"/>
+            </a:xfrm>
+            <a:prstGeom prst="cube">
+              <a:avLst>
+                <a:gd name="adj" fmla="val 24853"/>
+              </a:avLst>
+            </a:prstGeom>
+            <a:solidFill>
+              <a:srgbClr val="92D050"/>
+            </a:solidFill>
+            <a:ln>
+              <a:solidFill>
+                <a:schemeClr val="accent6"/>
+              </a:solidFill>
+            </a:ln>
+          </p:spPr>
+          <p:style>
+            <a:lnRef idx="2">
+              <a:schemeClr val="accent1">
+                <a:shade val="50000"/>
+              </a:schemeClr>
+            </a:lnRef>
+            <a:fillRef idx="1">
+              <a:schemeClr val="accent1"/>
+            </a:fillRef>
+            <a:effectRef idx="0">
+              <a:schemeClr val="accent1"/>
+            </a:effectRef>
+            <a:fontRef idx="minor">
+              <a:schemeClr val="lt1"/>
+            </a:fontRef>
+          </p:style>
+          <p:txBody>
+            <a:bodyPr rtlCol="0" anchor="ctr"/>
+            <a:lstStyle/>
+            <a:p>
+              <a:pPr algn="ctr"/>
+              <a:r>
+                <a:rPr lang="en-US" sz="2800">
+                  <a:solidFill>
+                    <a:schemeClr val="tx1"/>
+                  </a:solidFill>
+                  <a:latin typeface="CMU Serif" panose="02000603000000000000"/>
+                </a:rPr>
+                <a:t>Integration-Tester</a:t>
+              </a:r>
+              <a:endParaRPr lang="de-AT" sz="2800" dirty="0">
+                <a:solidFill>
+                  <a:schemeClr val="tx1"/>
+                </a:solidFill>
+                <a:latin typeface="CMU Serif" panose="02000603000000000000"/>
+              </a:endParaRPr>
+            </a:p>
+          </p:txBody>
+        </p:sp>
+        <p:sp>
+          <p:nvSpPr>
+            <p:cNvPr id="22" name="Rechteck 21"/>
+            <p:cNvSpPr/>
+            <p:nvPr/>
+          </p:nvSpPr>
+          <p:spPr>
+            <a:xfrm>
+              <a:off x="6327086" y="771265"/>
+              <a:ext cx="4667224" cy="5582653"/>
+            </a:xfrm>
+            <a:prstGeom prst="rect">
+              <a:avLst/>
+            </a:prstGeom>
+            <a:solidFill>
+              <a:schemeClr val="bg1">
+                <a:lumMod val="95000"/>
+              </a:schemeClr>
+            </a:solidFill>
+            <a:ln>
+              <a:solidFill>
+                <a:schemeClr val="bg1">
+                  <a:lumMod val="65000"/>
+                </a:schemeClr>
+              </a:solidFill>
+            </a:ln>
+          </p:spPr>
+          <p:style>
+            <a:lnRef idx="2">
+              <a:schemeClr val="accent1">
+                <a:shade val="50000"/>
+              </a:schemeClr>
+            </a:lnRef>
+            <a:fillRef idx="1">
+              <a:schemeClr val="accent1"/>
+            </a:fillRef>
+            <a:effectRef idx="0">
+              <a:schemeClr val="accent1"/>
+            </a:effectRef>
+            <a:fontRef idx="minor">
+              <a:schemeClr val="lt1"/>
+            </a:fontRef>
+          </p:style>
+          <p:txBody>
+            <a:bodyPr rtlCol="0" anchor="t"/>
+            <a:lstStyle/>
+            <a:p>
+              <a:pPr algn="ctr"/>
+              <a:r>
+                <a:rPr lang="en-US" sz="2400" dirty="0" err="1">
+                  <a:solidFill>
+                    <a:schemeClr val="tx1"/>
+                  </a:solidFill>
+                  <a:latin typeface="CMU Serif" panose="02000603000000000000"/>
+                </a:rPr>
+                <a:t>zu</a:t>
+              </a:r>
+              <a:r>
+                <a:rPr lang="en-US" sz="2400" dirty="0">
+                  <a:solidFill>
+                    <a:schemeClr val="tx1"/>
+                  </a:solidFill>
+                  <a:latin typeface="CMU Serif" panose="02000603000000000000"/>
+                </a:rPr>
+                <a:t> </a:t>
+              </a:r>
+              <a:r>
+                <a:rPr lang="en-US" sz="2400" dirty="0" err="1">
+                  <a:solidFill>
+                    <a:schemeClr val="tx1"/>
+                  </a:solidFill>
+                  <a:latin typeface="CMU Serif" panose="02000603000000000000"/>
+                </a:rPr>
+                <a:t>testendes</a:t>
+              </a:r>
+              <a:r>
+                <a:rPr lang="en-US" sz="2400" dirty="0">
+                  <a:solidFill>
+                    <a:schemeClr val="tx1"/>
+                  </a:solidFill>
+                  <a:latin typeface="CMU Serif" panose="02000603000000000000"/>
+                </a:rPr>
+                <a:t> System</a:t>
+              </a:r>
+              <a:endParaRPr lang="de-AT" sz="2400" dirty="0">
+                <a:solidFill>
+                  <a:schemeClr val="tx1"/>
+                </a:solidFill>
+                <a:latin typeface="CMU Serif" panose="02000603000000000000"/>
+              </a:endParaRPr>
+            </a:p>
+          </p:txBody>
+        </p:sp>
+        <p:sp>
+          <p:nvSpPr>
+            <p:cNvPr id="15" name="Cube 14"/>
+            <p:cNvSpPr/>
+            <p:nvPr/>
+          </p:nvSpPr>
+          <p:spPr>
+            <a:xfrm>
+              <a:off x="6937126" y="4170013"/>
+              <a:ext cx="3447143" cy="1738901"/>
+            </a:xfrm>
+            <a:prstGeom prst="cube">
+              <a:avLst>
+                <a:gd name="adj" fmla="val 24853"/>
+              </a:avLst>
+            </a:prstGeom>
+            <a:solidFill>
+              <a:srgbClr val="6DD9FF"/>
+            </a:solidFill>
+            <a:ln>
+              <a:solidFill>
+                <a:schemeClr val="accent1"/>
+              </a:solidFill>
+            </a:ln>
+          </p:spPr>
+          <p:style>
+            <a:lnRef idx="2">
+              <a:schemeClr val="accent1">
+                <a:shade val="50000"/>
+              </a:schemeClr>
+            </a:lnRef>
+            <a:fillRef idx="1">
+              <a:schemeClr val="accent1"/>
+            </a:fillRef>
+            <a:effectRef idx="0">
+              <a:schemeClr val="accent1"/>
+            </a:effectRef>
+            <a:fontRef idx="minor">
+              <a:schemeClr val="lt1"/>
+            </a:fontRef>
+          </p:style>
+          <p:txBody>
+            <a:bodyPr rtlCol="0" anchor="ctr"/>
+            <a:lstStyle/>
+            <a:p>
+              <a:pPr algn="ctr"/>
+              <a:r>
+                <a:rPr lang="en-US" sz="2800">
+                  <a:solidFill>
+                    <a:schemeClr val="tx1"/>
+                  </a:solidFill>
+                  <a:latin typeface="CMU Serif" panose="02000603000000000000"/>
+                </a:rPr>
+                <a:t>Database</a:t>
+              </a:r>
+              <a:endParaRPr lang="de-AT" sz="2800" dirty="0">
+                <a:solidFill>
+                  <a:schemeClr val="tx1"/>
+                </a:solidFill>
+                <a:latin typeface="CMU Serif" panose="02000603000000000000"/>
+              </a:endParaRPr>
+            </a:p>
+          </p:txBody>
+        </p:sp>
+        <p:cxnSp>
+          <p:nvCxnSpPr>
+            <p:cNvPr id="42" name="Gerade Verbindung mit Pfeil 41"/>
+            <p:cNvCxnSpPr>
+              <a:stCxn id="35" idx="3"/>
+              <a:endCxn id="15" idx="1"/>
+            </p:cNvCxnSpPr>
+            <p:nvPr/>
+          </p:nvCxnSpPr>
+          <p:spPr>
+            <a:xfrm>
+              <a:off x="8444613" y="3265188"/>
+              <a:ext cx="0" cy="1336994"/>
+            </a:xfrm>
+            <a:prstGeom prst="straightConnector1">
+              <a:avLst/>
+            </a:prstGeom>
+            <a:ln w="25400">
+              <a:solidFill>
+                <a:schemeClr val="tx1"/>
+              </a:solidFill>
+              <a:headEnd type="triangle" w="lg" len="lg"/>
+              <a:tailEnd type="triangle" w="lg" len="lg"/>
+            </a:ln>
+          </p:spPr>
+          <p:style>
+            <a:lnRef idx="1">
+              <a:schemeClr val="accent1"/>
+            </a:lnRef>
+            <a:fillRef idx="0">
+              <a:schemeClr val="accent1"/>
+            </a:fillRef>
+            <a:effectRef idx="0">
+              <a:schemeClr val="accent1"/>
+            </a:effectRef>
+            <a:fontRef idx="minor">
+              <a:schemeClr val="tx1"/>
+            </a:fontRef>
+          </p:style>
+        </p:cxnSp>
+        <p:cxnSp>
+          <p:nvCxnSpPr>
+            <p:cNvPr id="45" name="Gerade Verbindung mit Pfeil 44"/>
+            <p:cNvCxnSpPr>
+              <a:stCxn id="37" idx="5"/>
+              <a:endCxn id="35" idx="2"/>
+            </p:cNvCxnSpPr>
+            <p:nvPr/>
+          </p:nvCxnSpPr>
+          <p:spPr>
+            <a:xfrm flipV="1">
+              <a:off x="5283668" y="2611822"/>
+              <a:ext cx="1653458" cy="734686"/>
+            </a:xfrm>
+            <a:prstGeom prst="straightConnector1">
+              <a:avLst/>
+            </a:prstGeom>
+            <a:ln w="25400">
+              <a:solidFill>
+                <a:schemeClr val="tx1"/>
+              </a:solidFill>
+              <a:tailEnd type="triangle" w="lg" len="lg"/>
+            </a:ln>
+          </p:spPr>
+          <p:style>
+            <a:lnRef idx="1">
+              <a:schemeClr val="accent1"/>
+            </a:lnRef>
+            <a:fillRef idx="0">
+              <a:schemeClr val="accent1"/>
+            </a:fillRef>
+            <a:effectRef idx="0">
+              <a:schemeClr val="accent1"/>
+            </a:effectRef>
+            <a:fontRef idx="minor">
+              <a:schemeClr val="tx1"/>
+            </a:fontRef>
+          </p:style>
+        </p:cxnSp>
+        <p:sp>
+          <p:nvSpPr>
+            <p:cNvPr id="35" name="Cube 34"/>
+            <p:cNvSpPr/>
+            <p:nvPr/>
+          </p:nvSpPr>
+          <p:spPr>
+            <a:xfrm>
+              <a:off x="6937126" y="1526287"/>
+              <a:ext cx="3447143" cy="1738901"/>
+            </a:xfrm>
+            <a:prstGeom prst="cube">
+              <a:avLst>
+                <a:gd name="adj" fmla="val 24853"/>
+              </a:avLst>
+            </a:prstGeom>
+            <a:solidFill>
+              <a:srgbClr val="6DD9FF"/>
+            </a:solidFill>
+            <a:ln>
+              <a:solidFill>
+                <a:schemeClr val="accent1"/>
+              </a:solidFill>
+            </a:ln>
+          </p:spPr>
+          <p:style>
+            <a:lnRef idx="2">
+              <a:schemeClr val="accent1">
+                <a:shade val="50000"/>
+              </a:schemeClr>
+            </a:lnRef>
+            <a:fillRef idx="1">
+              <a:schemeClr val="accent1"/>
+            </a:fillRef>
+            <a:effectRef idx="0">
+              <a:schemeClr val="accent1"/>
+            </a:effectRef>
+            <a:fontRef idx="minor">
+              <a:schemeClr val="lt1"/>
+            </a:fontRef>
+          </p:style>
+          <p:txBody>
+            <a:bodyPr rtlCol="0" anchor="ctr"/>
+            <a:lstStyle/>
+            <a:p>
+              <a:pPr algn="ctr">
+                <a:spcAft>
+                  <a:spcPts val="600"/>
+                </a:spcAft>
+              </a:pPr>
+              <a:r>
+                <a:rPr lang="en-US" sz="2800" dirty="0">
+                  <a:solidFill>
+                    <a:schemeClr val="tx1"/>
+                  </a:solidFill>
+                  <a:latin typeface="CMU Serif" panose="02000603000000000000"/>
+                </a:rPr>
+                <a:t>Service</a:t>
+              </a:r>
+              <a:endParaRPr lang="en-US" sz="2400" dirty="0">
+                <a:solidFill>
+                  <a:schemeClr val="tx1"/>
+                </a:solidFill>
+                <a:latin typeface="CMU Serif" panose="02000603000000000000"/>
+              </a:endParaRPr>
+            </a:p>
+            <a:p>
+              <a:pPr algn="ctr"/>
+              <a:r>
+                <a:rPr lang="en-US" sz="1600" dirty="0">
+                  <a:solidFill>
+                    <a:schemeClr val="tx1"/>
+                  </a:solidFill>
+                  <a:latin typeface="Meslo LG M DZ for Powerline" panose="020B0609030804020204" pitchFamily="49" charset="0"/>
+                  <a:ea typeface="Meslo LG M DZ for Powerline" panose="020B0609030804020204" pitchFamily="49" charset="0"/>
+                  <a:cs typeface="Meslo LG M DZ for Powerline" panose="020B0609030804020204" pitchFamily="49" charset="0"/>
+                </a:rPr>
+                <a:t>\create</a:t>
+              </a:r>
+            </a:p>
+            <a:p>
+              <a:pPr algn="ctr"/>
+              <a:r>
+                <a:rPr lang="en-US" sz="1600" dirty="0">
+                  <a:solidFill>
+                    <a:schemeClr val="tx1"/>
+                  </a:solidFill>
+                  <a:latin typeface="Meslo LG M DZ for Powerline" panose="020B0609030804020204" pitchFamily="49" charset="0"/>
+                  <a:ea typeface="Meslo LG M DZ for Powerline" panose="020B0609030804020204" pitchFamily="49" charset="0"/>
+                  <a:cs typeface="Meslo LG M DZ for Powerline" panose="020B0609030804020204" pitchFamily="49" charset="0"/>
+                </a:rPr>
+                <a:t>\delete</a:t>
+              </a:r>
+            </a:p>
+          </p:txBody>
+        </p:sp>
+        <p:cxnSp>
+          <p:nvCxnSpPr>
+            <p:cNvPr id="47" name="Gerade Verbindung mit Pfeil 46"/>
+            <p:cNvCxnSpPr>
+              <a:stCxn id="15" idx="2"/>
+              <a:endCxn id="37" idx="4"/>
+            </p:cNvCxnSpPr>
+            <p:nvPr/>
+          </p:nvCxnSpPr>
+          <p:spPr>
+            <a:xfrm flipH="1" flipV="1">
+              <a:off x="4851499" y="3778677"/>
+              <a:ext cx="2085627" cy="1476871"/>
+            </a:xfrm>
+            <a:prstGeom prst="straightConnector1">
+              <a:avLst/>
+            </a:prstGeom>
+            <a:ln w="25400">
+              <a:solidFill>
+                <a:schemeClr val="tx1"/>
+              </a:solidFill>
+              <a:tailEnd type="triangle" w="lg" len="lg"/>
+            </a:ln>
+          </p:spPr>
+          <p:style>
+            <a:lnRef idx="1">
+              <a:schemeClr val="accent1"/>
+            </a:lnRef>
+            <a:fillRef idx="0">
+              <a:schemeClr val="accent1"/>
+            </a:fillRef>
+            <a:effectRef idx="0">
+              <a:schemeClr val="accent1"/>
+            </a:effectRef>
+            <a:fontRef idx="minor">
+              <a:schemeClr val="tx1"/>
+            </a:fontRef>
+          </p:style>
+        </p:cxnSp>
+      </p:grpSp>
+    </p:spTree>
+    <p:extLst>
+      <p:ext uri="{BB962C8B-B14F-4D97-AF65-F5344CB8AC3E}">
+        <p14:creationId xmlns:p14="http://schemas.microsoft.com/office/powerpoint/2010/main" val="3103396397"/>
+      </p:ext>
+    </p:extLst>
+  </p:cSld>
+  <p:clrMapOvr>
+    <a:masterClrMapping/>
+  </p:clrMapOvr>
+</p:sld>
+</file>
+
 <file path=ppt/theme/theme1.xml><?xml version="1.0" encoding="utf-8"?>
 <a:theme xmlns:a="http://schemas.openxmlformats.org/drawingml/2006/main" name="Office">
   <a:themeElements>

--- a/images/graphics.pptx
+++ b/images/graphics.pptx
@@ -261,7 +261,7 @@
           <a:p>
             <a:fld id="{6CD14F0C-FDCF-4194-8431-39569BE287B9}" type="datetimeFigureOut">
               <a:rPr lang="de-AT" smtClean="0"/>
-              <a:t>25.02.2017</a:t>
+              <a:t>27.02.2017</a:t>
             </a:fld>
             <a:endParaRPr lang="de-AT"/>
           </a:p>
@@ -431,7 +431,7 @@
           <a:p>
             <a:fld id="{6CD14F0C-FDCF-4194-8431-39569BE287B9}" type="datetimeFigureOut">
               <a:rPr lang="de-AT" smtClean="0"/>
-              <a:t>25.02.2017</a:t>
+              <a:t>27.02.2017</a:t>
             </a:fld>
             <a:endParaRPr lang="de-AT"/>
           </a:p>
@@ -611,7 +611,7 @@
           <a:p>
             <a:fld id="{6CD14F0C-FDCF-4194-8431-39569BE287B9}" type="datetimeFigureOut">
               <a:rPr lang="de-AT" smtClean="0"/>
-              <a:t>25.02.2017</a:t>
+              <a:t>27.02.2017</a:t>
             </a:fld>
             <a:endParaRPr lang="de-AT"/>
           </a:p>
@@ -781,7 +781,7 @@
           <a:p>
             <a:fld id="{6CD14F0C-FDCF-4194-8431-39569BE287B9}" type="datetimeFigureOut">
               <a:rPr lang="de-AT" smtClean="0"/>
-              <a:t>25.02.2017</a:t>
+              <a:t>27.02.2017</a:t>
             </a:fld>
             <a:endParaRPr lang="de-AT"/>
           </a:p>
@@ -1027,7 +1027,7 @@
           <a:p>
             <a:fld id="{6CD14F0C-FDCF-4194-8431-39569BE287B9}" type="datetimeFigureOut">
               <a:rPr lang="de-AT" smtClean="0"/>
-              <a:t>25.02.2017</a:t>
+              <a:t>27.02.2017</a:t>
             </a:fld>
             <a:endParaRPr lang="de-AT"/>
           </a:p>
@@ -1259,7 +1259,7 @@
           <a:p>
             <a:fld id="{6CD14F0C-FDCF-4194-8431-39569BE287B9}" type="datetimeFigureOut">
               <a:rPr lang="de-AT" smtClean="0"/>
-              <a:t>25.02.2017</a:t>
+              <a:t>27.02.2017</a:t>
             </a:fld>
             <a:endParaRPr lang="de-AT"/>
           </a:p>
@@ -1626,7 +1626,7 @@
           <a:p>
             <a:fld id="{6CD14F0C-FDCF-4194-8431-39569BE287B9}" type="datetimeFigureOut">
               <a:rPr lang="de-AT" smtClean="0"/>
-              <a:t>25.02.2017</a:t>
+              <a:t>27.02.2017</a:t>
             </a:fld>
             <a:endParaRPr lang="de-AT"/>
           </a:p>
@@ -1753,7 +1753,7 @@
           <a:p>
             <a:fld id="{6CD14F0C-FDCF-4194-8431-39569BE287B9}" type="datetimeFigureOut">
               <a:rPr lang="de-AT" smtClean="0"/>
-              <a:t>25.02.2017</a:t>
+              <a:t>27.02.2017</a:t>
             </a:fld>
             <a:endParaRPr lang="de-AT"/>
           </a:p>
@@ -1848,7 +1848,7 @@
           <a:p>
             <a:fld id="{6CD14F0C-FDCF-4194-8431-39569BE287B9}" type="datetimeFigureOut">
               <a:rPr lang="de-AT" smtClean="0"/>
-              <a:t>25.02.2017</a:t>
+              <a:t>27.02.2017</a:t>
             </a:fld>
             <a:endParaRPr lang="de-AT"/>
           </a:p>
@@ -2125,7 +2125,7 @@
           <a:p>
             <a:fld id="{6CD14F0C-FDCF-4194-8431-39569BE287B9}" type="datetimeFigureOut">
               <a:rPr lang="de-AT" smtClean="0"/>
-              <a:t>25.02.2017</a:t>
+              <a:t>27.02.2017</a:t>
             </a:fld>
             <a:endParaRPr lang="de-AT"/>
           </a:p>
@@ -2378,7 +2378,7 @@
           <a:p>
             <a:fld id="{6CD14F0C-FDCF-4194-8431-39569BE287B9}" type="datetimeFigureOut">
               <a:rPr lang="de-AT" smtClean="0"/>
-              <a:t>25.02.2017</a:t>
+              <a:t>27.02.2017</a:t>
             </a:fld>
             <a:endParaRPr lang="de-AT"/>
           </a:p>
@@ -2591,7 +2591,7 @@
           <a:p>
             <a:fld id="{6CD14F0C-FDCF-4194-8431-39569BE287B9}" type="datetimeFigureOut">
               <a:rPr lang="de-AT" smtClean="0"/>
-              <a:t>25.02.2017</a:t>
+              <a:t>27.02.2017</a:t>
             </a:fld>
             <a:endParaRPr lang="de-AT"/>
           </a:p>
@@ -3873,7 +3873,7 @@
             <a:p>
               <a:pPr algn="ctr"/>
               <a:r>
-                <a:rPr lang="en-US" sz="2400" dirty="0" err="1">
+                <a:rPr lang="en-US" sz="2400">
                   <a:solidFill>
                     <a:schemeClr val="tx1"/>
                   </a:solidFill>
@@ -3881,29 +3881,7 @@
                   <a:ea typeface="CMU Serif" panose="02000603000000000000" pitchFamily="2" charset="0"/>
                   <a:cs typeface="CMU Serif" panose="02000603000000000000" pitchFamily="2" charset="0"/>
                 </a:rPr>
-                <a:t>Virtueller</a:t>
-              </a:r>
-              <a:r>
-                <a:rPr lang="en-US" sz="2400" dirty="0">
-                  <a:solidFill>
-                    <a:schemeClr val="tx1"/>
-                  </a:solidFill>
-                  <a:latin typeface="CMU Serif" panose="02000603000000000000" pitchFamily="2" charset="0"/>
-                  <a:ea typeface="CMU Serif" panose="02000603000000000000" pitchFamily="2" charset="0"/>
-                  <a:cs typeface="CMU Serif" panose="02000603000000000000" pitchFamily="2" charset="0"/>
-                </a:rPr>
-                <a:t> </a:t>
-              </a:r>
-              <a:r>
-                <a:rPr lang="en-US" sz="2400" dirty="0" err="1">
-                  <a:solidFill>
-                    <a:schemeClr val="tx1"/>
-                  </a:solidFill>
-                  <a:latin typeface="CMU Serif" panose="02000603000000000000" pitchFamily="2" charset="0"/>
-                  <a:ea typeface="CMU Serif" panose="02000603000000000000" pitchFamily="2" charset="0"/>
-                  <a:cs typeface="CMU Serif" panose="02000603000000000000" pitchFamily="2" charset="0"/>
-                </a:rPr>
-                <a:t>Machinenmonitor</a:t>
+                <a:t>Hypervisor</a:t>
               </a:r>
               <a:endParaRPr lang="de-AT" sz="2400" dirty="0">
                 <a:solidFill>
@@ -9143,7 +9121,7 @@
                     <a:ea typeface="CMU Serif" panose="02000603000000000000" pitchFamily="2" charset="0"/>
                     <a:cs typeface="CMU Serif" panose="02000603000000000000" pitchFamily="2" charset="0"/>
                   </a:rPr>
-                  <a:t>Containers</a:t>
+                  <a:t>Container</a:t>
                 </a:r>
                 <a:endParaRPr lang="de-AT" sz="2400" dirty="0">
                   <a:solidFill>
